--- a/HttpOverview/HttpOverview.pptx
+++ b/HttpOverview/HttpOverview.pptx
@@ -5,7 +5,7 @@
     <p:sldMasterId id="2147483648" r:id="rId1"/>
   </p:sldMasterIdLst>
   <p:notesMasterIdLst>
-    <p:notesMasterId r:id="rId16"/>
+    <p:notesMasterId r:id="rId17"/>
   </p:notesMasterIdLst>
   <p:sldIdLst>
     <p:sldId id="258" r:id="rId2"/>
@@ -20,8 +20,9 @@
     <p:sldId id="298" r:id="rId11"/>
     <p:sldId id="294" r:id="rId12"/>
     <p:sldId id="295" r:id="rId13"/>
-    <p:sldId id="296" r:id="rId14"/>
-    <p:sldId id="297" r:id="rId15"/>
+    <p:sldId id="299" r:id="rId14"/>
+    <p:sldId id="296" r:id="rId15"/>
+    <p:sldId id="297" r:id="rId16"/>
   </p:sldIdLst>
   <p:sldSz cx="12192000" cy="6858000"/>
   <p:notesSz cx="6858000" cy="9144000"/>
@@ -221,7 +222,7 @@
           <a:p>
             <a:fld id="{19104133-B5B0-4351-8158-4F0E5EB1E2BF}" type="datetimeFigureOut">
               <a:rPr lang="en-US" smtClean="0"/>
-              <a:t>1/10/2020</a:t>
+              <a:t>1/30/2020</a:t>
             </a:fld>
             <a:endParaRPr lang="en-US"/>
           </a:p>
@@ -623,6 +624,94 @@
           <a:p>
             <a:r>
               <a:rPr lang="en-US" dirty="0" smtClean="0"/>
+              <a:t>This is an example</a:t>
+            </a:r>
+            <a:endParaRPr lang="en-US" dirty="0"/>
+          </a:p>
+        </p:txBody>
+      </p:sp>
+      <p:sp>
+        <p:nvSpPr>
+          <p:cNvPr id="4" name="Slide Number Placeholder 3"/>
+          <p:cNvSpPr>
+            <a:spLocks noGrp="1"/>
+          </p:cNvSpPr>
+          <p:nvPr>
+            <p:ph type="sldNum" sz="quarter" idx="10"/>
+          </p:nvPr>
+        </p:nvSpPr>
+        <p:spPr/>
+        <p:txBody>
+          <a:bodyPr/>
+          <a:lstStyle/>
+          <a:p>
+            <a:fld id="{DEC8F7F9-57EC-49CF-9FCD-2B781E4B449F}" type="slidenum">
+              <a:rPr lang="en-US" smtClean="0"/>
+              <a:t>13</a:t>
+            </a:fld>
+            <a:endParaRPr lang="en-US"/>
+          </a:p>
+        </p:txBody>
+      </p:sp>
+    </p:spTree>
+    <p:extLst>
+      <p:ext uri="{BB962C8B-B14F-4D97-AF65-F5344CB8AC3E}">
+        <p14:creationId xmlns:p14="http://schemas.microsoft.com/office/powerpoint/2010/main" val="1083146410"/>
+      </p:ext>
+    </p:extLst>
+  </p:cSld>
+  <p:clrMapOvr>
+    <a:masterClrMapping/>
+  </p:clrMapOvr>
+</p:notes>
+</file>
+
+<file path=ppt/notesSlides/notesSlide11.xml><?xml version="1.0" encoding="utf-8"?>
+<p:notes xmlns:a="http://schemas.openxmlformats.org/drawingml/2006/main" xmlns:r="http://schemas.openxmlformats.org/officeDocument/2006/relationships" xmlns:p="http://schemas.openxmlformats.org/presentationml/2006/main">
+  <p:cSld>
+    <p:spTree>
+      <p:nvGrpSpPr>
+        <p:cNvPr id="1" name=""/>
+        <p:cNvGrpSpPr/>
+        <p:nvPr/>
+      </p:nvGrpSpPr>
+      <p:grpSpPr>
+        <a:xfrm>
+          <a:off x="0" y="0"/>
+          <a:ext cx="0" cy="0"/>
+          <a:chOff x="0" y="0"/>
+          <a:chExt cx="0" cy="0"/>
+        </a:xfrm>
+      </p:grpSpPr>
+      <p:sp>
+        <p:nvSpPr>
+          <p:cNvPr id="2" name="Slide Image Placeholder 1"/>
+          <p:cNvSpPr>
+            <a:spLocks noGrp="1" noRot="1" noChangeAspect="1"/>
+          </p:cNvSpPr>
+          <p:nvPr>
+            <p:ph type="sldImg"/>
+          </p:nvPr>
+        </p:nvSpPr>
+        <p:spPr/>
+      </p:sp>
+      <p:sp>
+        <p:nvSpPr>
+          <p:cNvPr id="3" name="Notes Placeholder 2"/>
+          <p:cNvSpPr>
+            <a:spLocks noGrp="1"/>
+          </p:cNvSpPr>
+          <p:nvPr>
+            <p:ph type="body" idx="1"/>
+          </p:nvPr>
+        </p:nvSpPr>
+        <p:spPr/>
+        <p:txBody>
+          <a:bodyPr/>
+          <a:lstStyle/>
+          <a:p>
+            <a:r>
+              <a:rPr lang="en-US" dirty="0" smtClean="0"/>
               <a:t>A</a:t>
             </a:r>
             <a:r>
@@ -650,7 +739,7 @@
           <a:p>
             <a:fld id="{DEC8F7F9-57EC-49CF-9FCD-2B781E4B449F}" type="slidenum">
               <a:rPr lang="en-US" smtClean="0"/>
-              <a:t>13</a:t>
+              <a:t>14</a:t>
             </a:fld>
             <a:endParaRPr lang="en-US"/>
           </a:p>
@@ -1819,7 +1908,7 @@
             <a:fld id="{1C2D31DE-C454-491C-B5C3-F097855E3DF7}" type="datetime4">
               <a:rPr lang="en-US" smtClean="0"/>
               <a:pPr/>
-              <a:t>January 10, 2020</a:t>
+              <a:t>January 30, 2020</a:t>
             </a:fld>
             <a:endParaRPr lang="en-US" dirty="0"/>
           </a:p>
@@ -5219,7 +5308,7 @@
           <a:p>
             <a:fld id="{5958763E-B898-436D-883D-03711491D54A}" type="datetimeFigureOut">
               <a:rPr lang="en-US" smtClean="0"/>
-              <a:t>1/10/2020</a:t>
+              <a:t>1/30/2020</a:t>
             </a:fld>
             <a:endParaRPr lang="en-US"/>
           </a:p>
@@ -5420,7 +5509,7 @@
           <a:p>
             <a:fld id="{5958763E-B898-436D-883D-03711491D54A}" type="datetimeFigureOut">
               <a:rPr lang="en-US" smtClean="0"/>
-              <a:t>1/10/2020</a:t>
+              <a:t>1/30/2020</a:t>
             </a:fld>
             <a:endParaRPr lang="en-US"/>
           </a:p>
@@ -5677,7 +5766,7 @@
           <a:p>
             <a:fld id="{5958763E-B898-436D-883D-03711491D54A}" type="datetimeFigureOut">
               <a:rPr lang="en-US" smtClean="0"/>
-              <a:t>1/10/2020</a:t>
+              <a:t>1/30/2020</a:t>
             </a:fld>
             <a:endParaRPr lang="en-US"/>
           </a:p>
@@ -6032,7 +6121,7 @@
           <a:p>
             <a:fld id="{5958763E-B898-436D-883D-03711491D54A}" type="datetimeFigureOut">
               <a:rPr lang="en-US" smtClean="0"/>
-              <a:t>1/10/2020</a:t>
+              <a:t>1/30/2020</a:t>
             </a:fld>
             <a:endParaRPr lang="en-US"/>
           </a:p>
@@ -6455,7 +6544,7 @@
           <a:p>
             <a:fld id="{5958763E-B898-436D-883D-03711491D54A}" type="datetimeFigureOut">
               <a:rPr lang="en-US" smtClean="0"/>
-              <a:t>1/10/2020</a:t>
+              <a:t>1/30/2020</a:t>
             </a:fld>
             <a:endParaRPr lang="en-US"/>
           </a:p>
@@ -6963,7 +7052,7 @@
           <a:p>
             <a:fld id="{5958763E-B898-436D-883D-03711491D54A}" type="datetimeFigureOut">
               <a:rPr lang="en-US" smtClean="0"/>
-              <a:t>1/10/2020</a:t>
+              <a:t>1/30/2020</a:t>
             </a:fld>
             <a:endParaRPr lang="en-US"/>
           </a:p>
@@ -7421,7 +7510,7 @@
           <a:p>
             <a:fld id="{5958763E-B898-436D-883D-03711491D54A}" type="datetimeFigureOut">
               <a:rPr lang="en-US" smtClean="0"/>
-              <a:t>1/10/2020</a:t>
+              <a:t>1/30/2020</a:t>
             </a:fld>
             <a:endParaRPr lang="en-US"/>
           </a:p>
@@ -8039,7 +8128,7 @@
           <a:p>
             <a:fld id="{5958763E-B898-436D-883D-03711491D54A}" type="datetimeFigureOut">
               <a:rPr lang="en-US" smtClean="0"/>
-              <a:t>1/10/2020</a:t>
+              <a:t>1/30/2020</a:t>
             </a:fld>
             <a:endParaRPr lang="en-US"/>
           </a:p>
@@ -8817,7 +8906,7 @@
           <a:p>
             <a:fld id="{5958763E-B898-436D-883D-03711491D54A}" type="datetimeFigureOut">
               <a:rPr lang="en-US" smtClean="0"/>
-              <a:t>1/10/2020</a:t>
+              <a:t>1/30/2020</a:t>
             </a:fld>
             <a:endParaRPr lang="en-US"/>
           </a:p>
@@ -8928,7 +9017,7 @@
           <a:p>
             <a:fld id="{5958763E-B898-436D-883D-03711491D54A}" type="datetimeFigureOut">
               <a:rPr lang="en-US" smtClean="0"/>
-              <a:t>1/10/2020</a:t>
+              <a:t>1/30/2020</a:t>
             </a:fld>
             <a:endParaRPr lang="en-US"/>
           </a:p>
@@ -9270,7 +9359,7 @@
             <a:fld id="{1C2D31DE-C454-491C-B5C3-F097855E3DF7}" type="datetime4">
               <a:rPr lang="en-US" smtClean="0"/>
               <a:pPr/>
-              <a:t>January 10, 2020</a:t>
+              <a:t>January 30, 2020</a:t>
             </a:fld>
             <a:endParaRPr lang="en-US" dirty="0"/>
           </a:p>
@@ -12430,7 +12519,7 @@
           <a:p>
             <a:fld id="{5958763E-B898-436D-883D-03711491D54A}" type="datetimeFigureOut">
               <a:rPr lang="en-US" smtClean="0"/>
-              <a:t>1/10/2020</a:t>
+              <a:t>1/30/2020</a:t>
             </a:fld>
             <a:endParaRPr lang="en-US"/>
           </a:p>
@@ -12561,7 +12650,7 @@
           <a:p>
             <a:fld id="{5958763E-B898-436D-883D-03711491D54A}" type="datetimeFigureOut">
               <a:rPr lang="en-US" smtClean="0"/>
-              <a:t>1/10/2020</a:t>
+              <a:t>1/30/2020</a:t>
             </a:fld>
             <a:endParaRPr lang="en-US"/>
           </a:p>
@@ -12692,7 +12781,7 @@
           <a:p>
             <a:fld id="{5958763E-B898-436D-883D-03711491D54A}" type="datetimeFigureOut">
               <a:rPr lang="en-US" smtClean="0"/>
-              <a:t>1/10/2020</a:t>
+              <a:t>1/30/2020</a:t>
             </a:fld>
             <a:endParaRPr lang="en-US"/>
           </a:p>
@@ -12823,7 +12912,7 @@
           <a:p>
             <a:fld id="{5958763E-B898-436D-883D-03711491D54A}" type="datetimeFigureOut">
               <a:rPr lang="en-US" smtClean="0"/>
-              <a:t>1/10/2020</a:t>
+              <a:t>1/30/2020</a:t>
             </a:fld>
             <a:endParaRPr lang="en-US"/>
           </a:p>
@@ -12954,7 +13043,7 @@
           <a:p>
             <a:fld id="{5958763E-B898-436D-883D-03711491D54A}" type="datetimeFigureOut">
               <a:rPr lang="en-US" smtClean="0"/>
-              <a:t>1/10/2020</a:t>
+              <a:t>1/30/2020</a:t>
             </a:fld>
             <a:endParaRPr lang="en-US"/>
           </a:p>
@@ -13085,7 +13174,7 @@
           <a:p>
             <a:fld id="{5958763E-B898-436D-883D-03711491D54A}" type="datetimeFigureOut">
               <a:rPr lang="en-US" smtClean="0"/>
-              <a:t>1/10/2020</a:t>
+              <a:t>1/30/2020</a:t>
             </a:fld>
             <a:endParaRPr lang="en-US"/>
           </a:p>
@@ -13216,7 +13305,7 @@
           <a:p>
             <a:fld id="{5958763E-B898-436D-883D-03711491D54A}" type="datetimeFigureOut">
               <a:rPr lang="en-US" smtClean="0"/>
-              <a:t>1/10/2020</a:t>
+              <a:t>1/30/2020</a:t>
             </a:fld>
             <a:endParaRPr lang="en-US"/>
           </a:p>
@@ -13347,7 +13436,7 @@
           <a:p>
             <a:fld id="{5958763E-B898-436D-883D-03711491D54A}" type="datetimeFigureOut">
               <a:rPr lang="en-US" smtClean="0"/>
-              <a:t>1/10/2020</a:t>
+              <a:t>1/30/2020</a:t>
             </a:fld>
             <a:endParaRPr lang="en-US"/>
           </a:p>
@@ -13487,7 +13576,7 @@
           <a:p>
             <a:fld id="{5958763E-B898-436D-883D-03711491D54A}" type="datetimeFigureOut">
               <a:rPr lang="en-US" smtClean="0"/>
-              <a:t>1/10/2020</a:t>
+              <a:t>1/30/2020</a:t>
             </a:fld>
             <a:endParaRPr lang="en-US"/>
           </a:p>
@@ -16848,7 +16937,7 @@
             <a:fld id="{1C2D31DE-C454-491C-B5C3-F097855E3DF7}" type="datetime4">
               <a:rPr lang="en-US" smtClean="0"/>
               <a:pPr/>
-              <a:t>January 10, 2020</a:t>
+              <a:t>January 30, 2020</a:t>
             </a:fld>
             <a:endParaRPr lang="en-US" dirty="0"/>
           </a:p>
@@ -29093,7 +29182,7 @@
           <a:p>
             <a:fld id="{5958763E-B898-436D-883D-03711491D54A}" type="datetimeFigureOut">
               <a:rPr lang="en-US" smtClean="0"/>
-              <a:t>1/10/2020</a:t>
+              <a:t>1/30/2020</a:t>
             </a:fld>
             <a:endParaRPr lang="en-US"/>
           </a:p>
@@ -29502,7 +29591,7 @@
           <a:p>
             <a:fld id="{5958763E-B898-436D-883D-03711491D54A}" type="datetimeFigureOut">
               <a:rPr lang="en-US" smtClean="0"/>
-              <a:t>1/10/2020</a:t>
+              <a:t>1/30/2020</a:t>
             </a:fld>
             <a:endParaRPr lang="en-US"/>
           </a:p>
@@ -29803,7 +29892,7 @@
           <a:p>
             <a:fld id="{5958763E-B898-436D-883D-03711491D54A}" type="datetimeFigureOut">
               <a:rPr lang="en-US" smtClean="0"/>
-              <a:t>1/10/2020</a:t>
+              <a:t>1/30/2020</a:t>
             </a:fld>
             <a:endParaRPr lang="en-US"/>
           </a:p>
@@ -30011,7 +30100,7 @@
           <a:p>
             <a:fld id="{5958763E-B898-436D-883D-03711491D54A}" type="datetimeFigureOut">
               <a:rPr lang="en-US" smtClean="0"/>
-              <a:t>1/10/2020</a:t>
+              <a:t>1/30/2020</a:t>
             </a:fld>
             <a:endParaRPr lang="en-US"/>
           </a:p>
@@ -30279,7 +30368,7 @@
           <a:p>
             <a:fld id="{5958763E-B898-436D-883D-03711491D54A}" type="datetimeFigureOut">
               <a:rPr lang="en-US" smtClean="0"/>
-              <a:t>1/10/2020</a:t>
+              <a:t>1/30/2020</a:t>
             </a:fld>
             <a:endParaRPr lang="en-US"/>
           </a:p>
@@ -30796,7 +30885,7 @@
           <a:p>
             <a:fld id="{5958763E-B898-436D-883D-03711491D54A}" type="datetimeFigureOut">
               <a:rPr lang="en-US" smtClean="0"/>
-              <a:t>1/10/2020</a:t>
+              <a:t>1/30/2020</a:t>
             </a:fld>
             <a:endParaRPr lang="en-US"/>
           </a:p>
@@ -31284,7 +31373,7 @@
           <a:p>
             <a:fld id="{5958763E-B898-436D-883D-03711491D54A}" type="datetimeFigureOut">
               <a:rPr lang="en-US" smtClean="0"/>
-              <a:t>1/10/2020</a:t>
+              <a:t>1/30/2020</a:t>
             </a:fld>
             <a:endParaRPr lang="en-US"/>
           </a:p>
@@ -32110,7 +32199,7 @@
           <a:p>
             <a:fld id="{5958763E-B898-436D-883D-03711491D54A}" type="datetimeFigureOut">
               <a:rPr lang="en-US" smtClean="0"/>
-              <a:t>1/10/2020</a:t>
+              <a:t>1/30/2020</a:t>
             </a:fld>
             <a:endParaRPr lang="en-US"/>
           </a:p>
@@ -32318,7 +32407,7 @@
           <a:p>
             <a:fld id="{5958763E-B898-436D-883D-03711491D54A}" type="datetimeFigureOut">
               <a:rPr lang="en-US" smtClean="0"/>
-              <a:t>1/10/2020</a:t>
+              <a:t>1/30/2020</a:t>
             </a:fld>
             <a:endParaRPr lang="en-US"/>
           </a:p>
@@ -32660,7 +32749,7 @@
           <a:p>
             <a:fld id="{5958763E-B898-436D-883D-03711491D54A}" type="datetimeFigureOut">
               <a:rPr lang="en-US" smtClean="0"/>
-              <a:t>1/10/2020</a:t>
+              <a:t>1/30/2020</a:t>
             </a:fld>
             <a:endParaRPr lang="en-US"/>
           </a:p>
@@ -32897,7 +32986,7 @@
           <a:p>
             <a:fld id="{5958763E-B898-436D-883D-03711491D54A}" type="datetimeFigureOut">
               <a:rPr lang="en-US" smtClean="0"/>
-              <a:t>1/10/2020</a:t>
+              <a:t>1/30/2020</a:t>
             </a:fld>
             <a:endParaRPr lang="en-US"/>
           </a:p>
@@ -33148,7 +33237,7 @@
           <a:p>
             <a:fld id="{5958763E-B898-436D-883D-03711491D54A}" type="datetimeFigureOut">
               <a:rPr lang="en-US" smtClean="0"/>
-              <a:t>1/10/2020</a:t>
+              <a:t>1/30/2020</a:t>
             </a:fld>
             <a:endParaRPr lang="en-US"/>
           </a:p>
@@ -39076,6 +39165,83 @@
     <p:bg>
       <p:bgPr>
         <a:solidFill>
+          <a:srgbClr val="4B90B9"/>
+        </a:solidFill>
+        <a:effectLst/>
+      </p:bgPr>
+    </p:bg>
+    <p:spTree>
+      <p:nvGrpSpPr>
+        <p:cNvPr id="1" name=""/>
+        <p:cNvGrpSpPr/>
+        <p:nvPr/>
+      </p:nvGrpSpPr>
+      <p:grpSpPr>
+        <a:xfrm>
+          <a:off x="0" y="0"/>
+          <a:ext cx="0" cy="0"/>
+          <a:chOff x="0" y="0"/>
+          <a:chExt cx="0" cy="0"/>
+        </a:xfrm>
+      </p:grpSpPr>
+      <p:pic>
+        <p:nvPicPr>
+          <p:cNvPr id="2" name="Picture 1"/>
+          <p:cNvPicPr>
+            <a:picLocks noChangeAspect="1"/>
+          </p:cNvPicPr>
+          <p:nvPr/>
+        </p:nvPicPr>
+        <p:blipFill rotWithShape="1">
+          <a:blip r:embed="rId3">
+            <a:extLst>
+              <a:ext uri="{28A0092B-C50C-407E-A947-70E740481C1C}">
+                <a14:useLocalDpi xmlns:a14="http://schemas.microsoft.com/office/drawing/2010/main" val="0"/>
+              </a:ext>
+            </a:extLst>
+          </a:blip>
+          <a:srcRect b="1276"/>
+          <a:stretch/>
+        </p:blipFill>
+        <p:spPr>
+          <a:xfrm>
+            <a:off x="1066800" y="1485901"/>
+            <a:ext cx="10058400" cy="4000500"/>
+          </a:xfrm>
+          <a:prstGeom prst="rect">
+            <a:avLst/>
+          </a:prstGeom>
+        </p:spPr>
+      </p:pic>
+    </p:spTree>
+    <p:extLst>
+      <p:ext uri="{BB962C8B-B14F-4D97-AF65-F5344CB8AC3E}">
+        <p14:creationId xmlns:p14="http://schemas.microsoft.com/office/powerpoint/2010/main" val="590636161"/>
+      </p:ext>
+    </p:extLst>
+  </p:cSld>
+  <p:clrMapOvr>
+    <a:masterClrMapping/>
+  </p:clrMapOvr>
+  <p:transition>
+    <p:fade/>
+  </p:transition>
+  <p:timing>
+    <p:tnLst>
+      <p:par>
+        <p:cTn id="1" dur="indefinite" restart="never" nodeType="tmRoot"/>
+      </p:par>
+    </p:tnLst>
+  </p:timing>
+</p:sld>
+</file>
+
+<file path=ppt/slides/slide14.xml><?xml version="1.0" encoding="utf-8"?>
+<p:sld xmlns:a="http://schemas.openxmlformats.org/drawingml/2006/main" xmlns:r="http://schemas.openxmlformats.org/officeDocument/2006/relationships" xmlns:p="http://schemas.openxmlformats.org/presentationml/2006/main">
+  <p:cSld>
+    <p:bg>
+      <p:bgPr>
+        <a:solidFill>
           <a:schemeClr val="tx1">
             <a:lumMod val="50000"/>
           </a:schemeClr>
@@ -39130,60 +39296,13 @@
       </p:sp>
       <p:sp>
         <p:nvSpPr>
-          <p:cNvPr id="3" name="Content Placeholder 2"/>
-          <p:cNvSpPr>
-            <a:spLocks noGrp="1"/>
-          </p:cNvSpPr>
-          <p:nvPr>
-            <p:ph idx="1"/>
-          </p:nvPr>
-        </p:nvSpPr>
-        <p:spPr>
-          <a:xfrm>
-            <a:off x="381000" y="1143000"/>
-            <a:ext cx="11430000" cy="571500"/>
-          </a:xfrm>
-        </p:spPr>
-        <p:txBody>
-          <a:bodyPr/>
-          <a:lstStyle/>
-          <a:p>
-            <a:pPr marL="57150" indent="0">
-              <a:buNone/>
-            </a:pPr>
-            <a:r>
-              <a:rPr lang="en-US" dirty="0" smtClean="0">
-                <a:solidFill>
-                  <a:schemeClr val="bg1"/>
-                </a:solidFill>
-              </a:rPr>
-              <a:t>Example: </a:t>
-            </a:r>
-            <a:r>
-              <a:rPr lang="en-US" dirty="0">
-                <a:hlinkClick r:id="rId3"/>
-              </a:rPr>
-              <a:t>https://</a:t>
-            </a:r>
-            <a:r>
-              <a:rPr lang="en-US" dirty="0" smtClean="0">
-                <a:hlinkClick r:id="rId3"/>
-              </a:rPr>
-              <a:t>www.pixar.com/thispagedoesnotexist</a:t>
-            </a:r>
-            <a:endParaRPr lang="en-US" dirty="0" smtClean="0"/>
-          </a:p>
-        </p:txBody>
-      </p:sp>
-      <p:sp>
-        <p:nvSpPr>
           <p:cNvPr id="4" name="TextBox 3"/>
           <p:cNvSpPr txBox="1"/>
           <p:nvPr/>
         </p:nvSpPr>
         <p:spPr>
           <a:xfrm>
-            <a:off x="266700" y="1714500"/>
+            <a:off x="266700" y="1423620"/>
             <a:ext cx="4490653" cy="738664"/>
           </a:xfrm>
           <a:prstGeom prst="rect">
@@ -39224,7 +39343,7 @@
         </p:nvSpPr>
         <p:spPr>
           <a:xfrm>
-            <a:off x="4643584" y="1714500"/>
+            <a:off x="4739131" y="1423620"/>
             <a:ext cx="2416367" cy="738664"/>
           </a:xfrm>
           <a:prstGeom prst="rect">
@@ -39265,7 +39384,7 @@
         </p:nvSpPr>
         <p:spPr>
           <a:xfrm>
-            <a:off x="266700" y="2520616"/>
+            <a:off x="265043" y="2302172"/>
             <a:ext cx="11544299" cy="738664"/>
           </a:xfrm>
           <a:prstGeom prst="rect">
@@ -39315,7 +39434,7 @@
           <p:nvPr/>
         </p:nvPicPr>
         <p:blipFill>
-          <a:blip r:embed="rId4">
+          <a:blip r:embed="rId3">
             <a:extLst>
               <a:ext uri="{28A0092B-C50C-407E-A947-70E740481C1C}">
                 <a14:useLocalDpi xmlns:a14="http://schemas.microsoft.com/office/drawing/2010/main" val="0"/>
@@ -39665,6 +39784,51 @@
                       </p:childTnLst>
                     </p:cTn>
                   </p:par>
+                  <p:par>
+                    <p:cTn id="24" fill="hold">
+                      <p:stCondLst>
+                        <p:cond delay="indefinite"/>
+                      </p:stCondLst>
+                      <p:childTnLst>
+                        <p:par>
+                          <p:cTn id="25" fill="hold">
+                            <p:stCondLst>
+                              <p:cond delay="0"/>
+                            </p:stCondLst>
+                            <p:childTnLst>
+                              <p:par>
+                                <p:cTn id="26" presetID="1" presetClass="entr" presetSubtype="0" fill="hold" nodeType="clickEffect">
+                                  <p:stCondLst>
+                                    <p:cond delay="0"/>
+                                  </p:stCondLst>
+                                  <p:childTnLst>
+                                    <p:set>
+                                      <p:cBhvr>
+                                        <p:cTn id="27" dur="1" fill="hold">
+                                          <p:stCondLst>
+                                            <p:cond delay="0"/>
+                                          </p:stCondLst>
+                                        </p:cTn>
+                                        <p:tgtEl>
+                                          <p:spTgt spid="7172"/>
+                                        </p:tgtEl>
+                                        <p:attrNameLst>
+                                          <p:attrName>style.visibility</p:attrName>
+                                        </p:attrNameLst>
+                                      </p:cBhvr>
+                                      <p:to>
+                                        <p:strVal val="visible"/>
+                                      </p:to>
+                                    </p:set>
+                                  </p:childTnLst>
+                                </p:cTn>
+                              </p:par>
+                            </p:childTnLst>
+                          </p:cTn>
+                        </p:par>
+                      </p:childTnLst>
+                    </p:cTn>
+                  </p:par>
                 </p:childTnLst>
               </p:cTn>
               <p:prevCondLst>
@@ -39695,7 +39859,7 @@
 </p:sld>
 </file>
 
-<file path=ppt/slides/slide14.xml><?xml version="1.0" encoding="utf-8"?>
+<file path=ppt/slides/slide15.xml><?xml version="1.0" encoding="utf-8"?>
 <p:sld xmlns:a="http://schemas.openxmlformats.org/drawingml/2006/main" xmlns:r="http://schemas.openxmlformats.org/officeDocument/2006/relationships" xmlns:p="http://schemas.openxmlformats.org/presentationml/2006/main">
   <p:cSld>
     <p:spTree>
@@ -42023,21 +42187,8 @@
                   <a:srgbClr val="020202"/>
                 </a:solidFill>
               </a:rPr>
-              <a:t>Web </a:t>
+              <a:t>Web Browser (client)</a:t>
             </a:r>
-            <a:r>
-              <a:rPr lang="en-US" sz="2400" dirty="0" smtClean="0">
-                <a:solidFill>
-                  <a:srgbClr val="020202"/>
-                </a:solidFill>
-              </a:rPr>
-              <a:t>Browser (client)</a:t>
-            </a:r>
-            <a:endParaRPr lang="en-US" sz="2400" dirty="0" smtClean="0">
-              <a:solidFill>
-                <a:srgbClr val="020202"/>
-              </a:solidFill>
-            </a:endParaRPr>
           </a:p>
         </p:txBody>
       </p:sp>
@@ -42174,11 +42325,6 @@
               </a:rPr>
               <a:t>www.example.com (server)</a:t>
             </a:r>
-            <a:endParaRPr lang="en-US" sz="2400" dirty="0" smtClean="0">
-              <a:solidFill>
-                <a:srgbClr val="020202"/>
-              </a:solidFill>
-            </a:endParaRPr>
           </a:p>
         </p:txBody>
       </p:sp>
@@ -42500,21 +42646,8 @@
                   <a:srgbClr val="020202"/>
                 </a:solidFill>
               </a:rPr>
-              <a:t>Web </a:t>
+              <a:t>Web Browser (client)</a:t>
             </a:r>
-            <a:r>
-              <a:rPr lang="en-US" sz="2400" dirty="0" smtClean="0">
-                <a:solidFill>
-                  <a:srgbClr val="020202"/>
-                </a:solidFill>
-              </a:rPr>
-              <a:t>Browser (client)</a:t>
-            </a:r>
-            <a:endParaRPr lang="en-US" sz="2400" dirty="0" smtClean="0">
-              <a:solidFill>
-                <a:srgbClr val="020202"/>
-              </a:solidFill>
-            </a:endParaRPr>
           </a:p>
         </p:txBody>
       </p:sp>
@@ -42734,11 +42867,6 @@
               </a:rPr>
               <a:t>www.example.com (server)</a:t>
             </a:r>
-            <a:endParaRPr lang="en-US" sz="2400" dirty="0" smtClean="0">
-              <a:solidFill>
-                <a:srgbClr val="020202"/>
-              </a:solidFill>
-            </a:endParaRPr>
           </a:p>
         </p:txBody>
       </p:sp>

--- a/HttpOverview/HttpOverview.pptx
+++ b/HttpOverview/HttpOverview.pptx
@@ -5,7 +5,7 @@
     <p:sldMasterId id="2147483648" r:id="rId1"/>
   </p:sldMasterIdLst>
   <p:notesMasterIdLst>
-    <p:notesMasterId r:id="rId17"/>
+    <p:notesMasterId r:id="rId19"/>
   </p:notesMasterIdLst>
   <p:sldIdLst>
     <p:sldId id="258" r:id="rId2"/>
@@ -17,12 +17,14 @@
     <p:sldId id="290" r:id="rId8"/>
     <p:sldId id="292" r:id="rId9"/>
     <p:sldId id="291" r:id="rId10"/>
-    <p:sldId id="298" r:id="rId11"/>
-    <p:sldId id="294" r:id="rId12"/>
-    <p:sldId id="295" r:id="rId13"/>
-    <p:sldId id="299" r:id="rId14"/>
-    <p:sldId id="296" r:id="rId15"/>
-    <p:sldId id="297" r:id="rId16"/>
+    <p:sldId id="300" r:id="rId11"/>
+    <p:sldId id="298" r:id="rId12"/>
+    <p:sldId id="294" r:id="rId13"/>
+    <p:sldId id="295" r:id="rId14"/>
+    <p:sldId id="301" r:id="rId15"/>
+    <p:sldId id="299" r:id="rId16"/>
+    <p:sldId id="296" r:id="rId17"/>
+    <p:sldId id="297" r:id="rId18"/>
   </p:sldIdLst>
   <p:sldSz cx="12192000" cy="6858000"/>
   <p:notesSz cx="6858000" cy="9144000"/>
@@ -222,7 +224,7 @@
           <a:p>
             <a:fld id="{19104133-B5B0-4351-8158-4F0E5EB1E2BF}" type="datetimeFigureOut">
               <a:rPr lang="en-US" smtClean="0"/>
-              <a:t>1/30/2020</a:t>
+              <a:t>2/27/2020</a:t>
             </a:fld>
             <a:endParaRPr lang="en-US"/>
           </a:p>
@@ -624,9 +626,97 @@
           <a:p>
             <a:r>
               <a:rPr lang="en-US" dirty="0" smtClean="0"/>
-              <a:t>This is an example</a:t>
+              <a:t>Open</a:t>
             </a:r>
-            <a:endParaRPr lang="en-US" dirty="0"/>
+            <a:r>
+              <a:rPr lang="en-US" baseline="0" dirty="0" smtClean="0"/>
+              <a:t> the IMDB search link</a:t>
+            </a:r>
+          </a:p>
+          <a:p>
+            <a:r>
+              <a:rPr lang="en-US" baseline="0" dirty="0" smtClean="0"/>
+              <a:t>Enter the text “Star Wars”</a:t>
+            </a:r>
+          </a:p>
+          <a:p>
+            <a:r>
+              <a:rPr lang="en-US" baseline="0" dirty="0" smtClean="0"/>
+              <a:t>Check the “TV Series” checkbox</a:t>
+            </a:r>
+          </a:p>
+          <a:p>
+            <a:r>
+              <a:rPr lang="en-US" baseline="0" dirty="0" smtClean="0"/>
+              <a:t>Click the “Search” button</a:t>
+            </a:r>
+          </a:p>
+          <a:p>
+            <a:r>
+              <a:rPr lang="en-US" baseline="0" dirty="0" smtClean="0"/>
+              <a:t>Note the results and the updated URL that contains query parameters</a:t>
+            </a:r>
+          </a:p>
+          <a:p>
+            <a:endParaRPr lang="en-US" baseline="0" dirty="0" smtClean="0"/>
+          </a:p>
+          <a:p>
+            <a:r>
+              <a:rPr lang="en-US" baseline="0" dirty="0" smtClean="0"/>
+              <a:t>Use a </a:t>
+            </a:r>
+            <a:r>
+              <a:rPr lang="en-US" b="1" baseline="0" dirty="0" smtClean="0"/>
+              <a:t>question mark</a:t>
+            </a:r>
+            <a:r>
+              <a:rPr lang="en-US" b="0" baseline="0" dirty="0" smtClean="0"/>
+              <a:t> at the end of the base URL, then the </a:t>
+            </a:r>
+            <a:r>
+              <a:rPr lang="en-US" b="1" baseline="0" dirty="0" smtClean="0"/>
+              <a:t>parameter name</a:t>
+            </a:r>
+            <a:r>
+              <a:rPr lang="en-US" b="0" baseline="0" dirty="0" smtClean="0"/>
+              <a:t>, then an </a:t>
+            </a:r>
+            <a:r>
+              <a:rPr lang="en-US" b="1" baseline="0" dirty="0" smtClean="0"/>
+              <a:t>equals sign</a:t>
+            </a:r>
+            <a:r>
+              <a:rPr lang="en-US" b="0" baseline="0" dirty="0" smtClean="0"/>
+              <a:t>, then the </a:t>
+            </a:r>
+            <a:r>
+              <a:rPr lang="en-US" b="1" baseline="0" dirty="0" smtClean="0"/>
+              <a:t>parameter value</a:t>
+            </a:r>
+            <a:r>
+              <a:rPr lang="en-US" b="0" baseline="0" dirty="0" smtClean="0"/>
+              <a:t> (no spaces)</a:t>
+            </a:r>
+          </a:p>
+          <a:p>
+            <a:r>
+              <a:rPr lang="en-US" b="0" baseline="0" dirty="0" smtClean="0"/>
+              <a:t>Multiple parameters are separated by the </a:t>
+            </a:r>
+            <a:r>
+              <a:rPr lang="en-US" b="1" baseline="0" dirty="0" smtClean="0"/>
+              <a:t>ampersand</a:t>
+            </a:r>
+          </a:p>
+          <a:p>
+            <a:endParaRPr lang="en-US" b="1" baseline="0" dirty="0" smtClean="0"/>
+          </a:p>
+          <a:p>
+            <a:r>
+              <a:rPr lang="en-US" b="0" baseline="0" dirty="0" smtClean="0"/>
+              <a:t>So now that the request has been sent, what happens next?</a:t>
+            </a:r>
+            <a:endParaRPr lang="en-US" b="0" dirty="0"/>
           </a:p>
         </p:txBody>
       </p:sp>
@@ -647,7 +737,7 @@
           <a:p>
             <a:fld id="{DEC8F7F9-57EC-49CF-9FCD-2B781E4B449F}" type="slidenum">
               <a:rPr lang="en-US" smtClean="0"/>
-              <a:t>13</a:t>
+              <a:t>12</a:t>
             </a:fld>
             <a:endParaRPr lang="en-US"/>
           </a:p>
@@ -656,7 +746,7 @@
     </p:spTree>
     <p:extLst>
       <p:ext uri="{BB962C8B-B14F-4D97-AF65-F5344CB8AC3E}">
-        <p14:creationId xmlns:p14="http://schemas.microsoft.com/office/powerpoint/2010/main" val="1083146410"/>
+        <p14:creationId xmlns:p14="http://schemas.microsoft.com/office/powerpoint/2010/main" val="207424312"/>
       </p:ext>
     </p:extLst>
   </p:cSld>
@@ -711,14 +801,18 @@
           <a:lstStyle/>
           <a:p>
             <a:r>
-              <a:rPr lang="en-US" dirty="0" smtClean="0"/>
-              <a:t>A</a:t>
+              <a:rPr lang="en-US" b="1" dirty="0" smtClean="0"/>
+              <a:t>Where are responses sent?</a:t>
             </a:r>
             <a:r>
-              <a:rPr lang="en-US" baseline="0" dirty="0" smtClean="0"/>
-              <a:t> status code is the primary piece of information </a:t>
+              <a:rPr lang="en-US" b="0" dirty="0" smtClean="0"/>
+              <a:t> From the server</a:t>
             </a:r>
-            <a:endParaRPr lang="en-US" dirty="0"/>
+            <a:r>
+              <a:rPr lang="en-US" b="0" baseline="0" dirty="0" smtClean="0"/>
+              <a:t> to the client.</a:t>
+            </a:r>
+            <a:endParaRPr lang="en-US" b="1" dirty="0"/>
           </a:p>
         </p:txBody>
       </p:sp>
@@ -739,7 +833,291 @@
           <a:p>
             <a:fld id="{DEC8F7F9-57EC-49CF-9FCD-2B781E4B449F}" type="slidenum">
               <a:rPr lang="en-US" smtClean="0"/>
+              <a:t>13</a:t>
+            </a:fld>
+            <a:endParaRPr lang="en-US"/>
+          </a:p>
+        </p:txBody>
+      </p:sp>
+    </p:spTree>
+    <p:extLst>
+      <p:ext uri="{BB962C8B-B14F-4D97-AF65-F5344CB8AC3E}">
+        <p14:creationId xmlns:p14="http://schemas.microsoft.com/office/powerpoint/2010/main" val="3640286520"/>
+      </p:ext>
+    </p:extLst>
+  </p:cSld>
+  <p:clrMapOvr>
+    <a:masterClrMapping/>
+  </p:clrMapOvr>
+</p:notes>
+</file>
+
+<file path=ppt/notesSlides/notesSlide12.xml><?xml version="1.0" encoding="utf-8"?>
+<p:notes xmlns:a="http://schemas.openxmlformats.org/drawingml/2006/main" xmlns:r="http://schemas.openxmlformats.org/officeDocument/2006/relationships" xmlns:p="http://schemas.openxmlformats.org/presentationml/2006/main">
+  <p:cSld>
+    <p:spTree>
+      <p:nvGrpSpPr>
+        <p:cNvPr id="1" name=""/>
+        <p:cNvGrpSpPr/>
+        <p:nvPr/>
+      </p:nvGrpSpPr>
+      <p:grpSpPr>
+        <a:xfrm>
+          <a:off x="0" y="0"/>
+          <a:ext cx="0" cy="0"/>
+          <a:chOff x="0" y="0"/>
+          <a:chExt cx="0" cy="0"/>
+        </a:xfrm>
+      </p:grpSpPr>
+      <p:sp>
+        <p:nvSpPr>
+          <p:cNvPr id="2" name="Slide Image Placeholder 1"/>
+          <p:cNvSpPr>
+            <a:spLocks noGrp="1" noRot="1" noChangeAspect="1"/>
+          </p:cNvSpPr>
+          <p:nvPr>
+            <p:ph type="sldImg"/>
+          </p:nvPr>
+        </p:nvSpPr>
+        <p:spPr/>
+      </p:sp>
+      <p:sp>
+        <p:nvSpPr>
+          <p:cNvPr id="3" name="Notes Placeholder 2"/>
+          <p:cNvSpPr>
+            <a:spLocks noGrp="1"/>
+          </p:cNvSpPr>
+          <p:nvPr>
+            <p:ph type="body" idx="1"/>
+          </p:nvPr>
+        </p:nvSpPr>
+        <p:spPr/>
+        <p:txBody>
+          <a:bodyPr/>
+          <a:lstStyle/>
+          <a:p>
+            <a:r>
+              <a:rPr lang="en-US" dirty="0" smtClean="0"/>
+              <a:t>To review this important concept,</a:t>
+            </a:r>
+            <a:r>
+              <a:rPr lang="en-US" baseline="0" dirty="0" smtClean="0"/>
+              <a:t> responses are sent from the server to the client.</a:t>
+            </a:r>
+            <a:endParaRPr lang="en-US" dirty="0"/>
+          </a:p>
+        </p:txBody>
+      </p:sp>
+      <p:sp>
+        <p:nvSpPr>
+          <p:cNvPr id="4" name="Slide Number Placeholder 3"/>
+          <p:cNvSpPr>
+            <a:spLocks noGrp="1"/>
+          </p:cNvSpPr>
+          <p:nvPr>
+            <p:ph type="sldNum" sz="quarter" idx="10"/>
+          </p:nvPr>
+        </p:nvSpPr>
+        <p:spPr/>
+        <p:txBody>
+          <a:bodyPr/>
+          <a:lstStyle/>
+          <a:p>
+            <a:fld id="{DEC8F7F9-57EC-49CF-9FCD-2B781E4B449F}" type="slidenum">
+              <a:rPr lang="en-US" smtClean="0"/>
               <a:t>14</a:t>
+            </a:fld>
+            <a:endParaRPr lang="en-US"/>
+          </a:p>
+        </p:txBody>
+      </p:sp>
+    </p:spTree>
+    <p:extLst>
+      <p:ext uri="{BB962C8B-B14F-4D97-AF65-F5344CB8AC3E}">
+        <p14:creationId xmlns:p14="http://schemas.microsoft.com/office/powerpoint/2010/main" val="2999597022"/>
+      </p:ext>
+    </p:extLst>
+  </p:cSld>
+  <p:clrMapOvr>
+    <a:masterClrMapping/>
+  </p:clrMapOvr>
+</p:notes>
+</file>
+
+<file path=ppt/notesSlides/notesSlide13.xml><?xml version="1.0" encoding="utf-8"?>
+<p:notes xmlns:a="http://schemas.openxmlformats.org/drawingml/2006/main" xmlns:r="http://schemas.openxmlformats.org/officeDocument/2006/relationships" xmlns:p="http://schemas.openxmlformats.org/presentationml/2006/main">
+  <p:cSld>
+    <p:spTree>
+      <p:nvGrpSpPr>
+        <p:cNvPr id="1" name=""/>
+        <p:cNvGrpSpPr/>
+        <p:nvPr/>
+      </p:nvGrpSpPr>
+      <p:grpSpPr>
+        <a:xfrm>
+          <a:off x="0" y="0"/>
+          <a:ext cx="0" cy="0"/>
+          <a:chOff x="0" y="0"/>
+          <a:chExt cx="0" cy="0"/>
+        </a:xfrm>
+      </p:grpSpPr>
+      <p:sp>
+        <p:nvSpPr>
+          <p:cNvPr id="2" name="Slide Image Placeholder 1"/>
+          <p:cNvSpPr>
+            <a:spLocks noGrp="1" noRot="1" noChangeAspect="1"/>
+          </p:cNvSpPr>
+          <p:nvPr>
+            <p:ph type="sldImg"/>
+          </p:nvPr>
+        </p:nvSpPr>
+        <p:spPr/>
+      </p:sp>
+      <p:sp>
+        <p:nvSpPr>
+          <p:cNvPr id="3" name="Notes Placeholder 2"/>
+          <p:cNvSpPr>
+            <a:spLocks noGrp="1"/>
+          </p:cNvSpPr>
+          <p:nvPr>
+            <p:ph type="body" idx="1"/>
+          </p:nvPr>
+        </p:nvSpPr>
+        <p:spPr/>
+        <p:txBody>
+          <a:bodyPr/>
+          <a:lstStyle/>
+          <a:p>
+            <a:r>
+              <a:rPr lang="en-US" dirty="0" smtClean="0"/>
+              <a:t>This is an </a:t>
+            </a:r>
+            <a:r>
+              <a:rPr lang="en-US" dirty="0" smtClean="0"/>
+              <a:t>example of</a:t>
+            </a:r>
+            <a:r>
+              <a:rPr lang="en-US" baseline="0" dirty="0" smtClean="0"/>
+              <a:t> a response – has anyone seen something like this before?</a:t>
+            </a:r>
+            <a:endParaRPr lang="en-US" dirty="0"/>
+          </a:p>
+        </p:txBody>
+      </p:sp>
+      <p:sp>
+        <p:nvSpPr>
+          <p:cNvPr id="4" name="Slide Number Placeholder 3"/>
+          <p:cNvSpPr>
+            <a:spLocks noGrp="1"/>
+          </p:cNvSpPr>
+          <p:nvPr>
+            <p:ph type="sldNum" sz="quarter" idx="10"/>
+          </p:nvPr>
+        </p:nvSpPr>
+        <p:spPr/>
+        <p:txBody>
+          <a:bodyPr/>
+          <a:lstStyle/>
+          <a:p>
+            <a:fld id="{DEC8F7F9-57EC-49CF-9FCD-2B781E4B449F}" type="slidenum">
+              <a:rPr lang="en-US" smtClean="0"/>
+              <a:t>15</a:t>
+            </a:fld>
+            <a:endParaRPr lang="en-US"/>
+          </a:p>
+        </p:txBody>
+      </p:sp>
+    </p:spTree>
+    <p:extLst>
+      <p:ext uri="{BB962C8B-B14F-4D97-AF65-F5344CB8AC3E}">
+        <p14:creationId xmlns:p14="http://schemas.microsoft.com/office/powerpoint/2010/main" val="1083146410"/>
+      </p:ext>
+    </p:extLst>
+  </p:cSld>
+  <p:clrMapOvr>
+    <a:masterClrMapping/>
+  </p:clrMapOvr>
+</p:notes>
+</file>
+
+<file path=ppt/notesSlides/notesSlide14.xml><?xml version="1.0" encoding="utf-8"?>
+<p:notes xmlns:a="http://schemas.openxmlformats.org/drawingml/2006/main" xmlns:r="http://schemas.openxmlformats.org/officeDocument/2006/relationships" xmlns:p="http://schemas.openxmlformats.org/presentationml/2006/main">
+  <p:cSld>
+    <p:spTree>
+      <p:nvGrpSpPr>
+        <p:cNvPr id="1" name=""/>
+        <p:cNvGrpSpPr/>
+        <p:nvPr/>
+      </p:nvGrpSpPr>
+      <p:grpSpPr>
+        <a:xfrm>
+          <a:off x="0" y="0"/>
+          <a:ext cx="0" cy="0"/>
+          <a:chOff x="0" y="0"/>
+          <a:chExt cx="0" cy="0"/>
+        </a:xfrm>
+      </p:grpSpPr>
+      <p:sp>
+        <p:nvSpPr>
+          <p:cNvPr id="2" name="Slide Image Placeholder 1"/>
+          <p:cNvSpPr>
+            <a:spLocks noGrp="1" noRot="1" noChangeAspect="1"/>
+          </p:cNvSpPr>
+          <p:nvPr>
+            <p:ph type="sldImg"/>
+          </p:nvPr>
+        </p:nvSpPr>
+        <p:spPr/>
+      </p:sp>
+      <p:sp>
+        <p:nvSpPr>
+          <p:cNvPr id="3" name="Notes Placeholder 2"/>
+          <p:cNvSpPr>
+            <a:spLocks noGrp="1"/>
+          </p:cNvSpPr>
+          <p:nvPr>
+            <p:ph type="body" idx="1"/>
+          </p:nvPr>
+        </p:nvSpPr>
+        <p:spPr/>
+        <p:txBody>
+          <a:bodyPr/>
+          <a:lstStyle/>
+          <a:p>
+            <a:r>
+              <a:rPr lang="en-US" dirty="0" smtClean="0"/>
+              <a:t>A</a:t>
+            </a:r>
+            <a:r>
+              <a:rPr lang="en-US" baseline="0" dirty="0" smtClean="0"/>
+              <a:t> status code is the primary piece of information </a:t>
+            </a:r>
+            <a:r>
+              <a:rPr lang="en-US" baseline="0" dirty="0" smtClean="0"/>
+              <a:t>in a response.</a:t>
+            </a:r>
+            <a:endParaRPr lang="en-US" dirty="0"/>
+          </a:p>
+        </p:txBody>
+      </p:sp>
+      <p:sp>
+        <p:nvSpPr>
+          <p:cNvPr id="4" name="Slide Number Placeholder 3"/>
+          <p:cNvSpPr>
+            <a:spLocks noGrp="1"/>
+          </p:cNvSpPr>
+          <p:nvPr>
+            <p:ph type="sldNum" sz="quarter" idx="10"/>
+          </p:nvPr>
+        </p:nvSpPr>
+        <p:spPr/>
+        <p:txBody>
+          <a:bodyPr/>
+          <a:lstStyle/>
+          <a:p>
+            <a:fld id="{DEC8F7F9-57EC-49CF-9FCD-2B781E4B449F}" type="slidenum">
+              <a:rPr lang="en-US" smtClean="0"/>
+              <a:t>16</a:t>
             </a:fld>
             <a:endParaRPr lang="en-US"/>
           </a:p>
@@ -749,6 +1127,98 @@
     <p:extLst>
       <p:ext uri="{BB962C8B-B14F-4D97-AF65-F5344CB8AC3E}">
         <p14:creationId xmlns:p14="http://schemas.microsoft.com/office/powerpoint/2010/main" val="59970518"/>
+      </p:ext>
+    </p:extLst>
+  </p:cSld>
+  <p:clrMapOvr>
+    <a:masterClrMapping/>
+  </p:clrMapOvr>
+</p:notes>
+</file>
+
+<file path=ppt/notesSlides/notesSlide15.xml><?xml version="1.0" encoding="utf-8"?>
+<p:notes xmlns:a="http://schemas.openxmlformats.org/drawingml/2006/main" xmlns:r="http://schemas.openxmlformats.org/officeDocument/2006/relationships" xmlns:p="http://schemas.openxmlformats.org/presentationml/2006/main">
+  <p:cSld>
+    <p:spTree>
+      <p:nvGrpSpPr>
+        <p:cNvPr id="1" name=""/>
+        <p:cNvGrpSpPr/>
+        <p:nvPr/>
+      </p:nvGrpSpPr>
+      <p:grpSpPr>
+        <a:xfrm>
+          <a:off x="0" y="0"/>
+          <a:ext cx="0" cy="0"/>
+          <a:chOff x="0" y="0"/>
+          <a:chExt cx="0" cy="0"/>
+        </a:xfrm>
+      </p:grpSpPr>
+      <p:sp>
+        <p:nvSpPr>
+          <p:cNvPr id="2" name="Slide Image Placeholder 1"/>
+          <p:cNvSpPr>
+            <a:spLocks noGrp="1" noRot="1" noChangeAspect="1"/>
+          </p:cNvSpPr>
+          <p:nvPr>
+            <p:ph type="sldImg"/>
+          </p:nvPr>
+        </p:nvSpPr>
+        <p:spPr/>
+      </p:sp>
+      <p:sp>
+        <p:nvSpPr>
+          <p:cNvPr id="3" name="Notes Placeholder 2"/>
+          <p:cNvSpPr>
+            <a:spLocks noGrp="1"/>
+          </p:cNvSpPr>
+          <p:nvPr>
+            <p:ph type="body" idx="1"/>
+          </p:nvPr>
+        </p:nvSpPr>
+        <p:spPr/>
+        <p:txBody>
+          <a:bodyPr/>
+          <a:lstStyle/>
+          <a:p>
+            <a:r>
+              <a:rPr lang="en-US" dirty="0" smtClean="0"/>
+              <a:t>Here are</a:t>
+            </a:r>
+            <a:r>
+              <a:rPr lang="en-US" baseline="0" dirty="0" smtClean="0"/>
+              <a:t> some examples of responses. They can come in any number of types, often HTML pages but also other things!</a:t>
+            </a:r>
+            <a:endParaRPr lang="en-US" dirty="0"/>
+          </a:p>
+        </p:txBody>
+      </p:sp>
+      <p:sp>
+        <p:nvSpPr>
+          <p:cNvPr id="4" name="Slide Number Placeholder 3"/>
+          <p:cNvSpPr>
+            <a:spLocks noGrp="1"/>
+          </p:cNvSpPr>
+          <p:nvPr>
+            <p:ph type="sldNum" sz="quarter" idx="10"/>
+          </p:nvPr>
+        </p:nvSpPr>
+        <p:spPr/>
+        <p:txBody>
+          <a:bodyPr/>
+          <a:lstStyle/>
+          <a:p>
+            <a:fld id="{DEC8F7F9-57EC-49CF-9FCD-2B781E4B449F}" type="slidenum">
+              <a:rPr lang="en-US" smtClean="0"/>
+              <a:t>17</a:t>
+            </a:fld>
+            <a:endParaRPr lang="en-US"/>
+          </a:p>
+        </p:txBody>
+      </p:sp>
+    </p:spTree>
+    <p:extLst>
+      <p:ext uri="{BB962C8B-B14F-4D97-AF65-F5344CB8AC3E}">
+        <p14:creationId xmlns:p14="http://schemas.microsoft.com/office/powerpoint/2010/main" val="952860025"/>
       </p:ext>
     </p:extLst>
   </p:cSld>
@@ -1013,7 +1483,24 @@
           <a:p>
             <a:r>
               <a:rPr lang="en-US" i="0" baseline="0" dirty="0" smtClean="0"/>
-              <a:t>This HTTP request contains some information, and is sent to the Host (in this case, www.example.com).</a:t>
+              <a:t>This HTTP request contains some information, and is sent to the Host (in this case, www.example.com</a:t>
+            </a:r>
+            <a:r>
+              <a:rPr lang="en-US" i="0" baseline="0" dirty="0" smtClean="0"/>
+              <a:t>).</a:t>
+            </a:r>
+          </a:p>
+          <a:p>
+            <a:endParaRPr lang="en-US" i="0" baseline="0" dirty="0" smtClean="0"/>
+          </a:p>
+          <a:p>
+            <a:r>
+              <a:rPr lang="en-US" i="0" baseline="0" dirty="0" smtClean="0"/>
+              <a:t>Ask the students what the complete URL would be for this request: </a:t>
+            </a:r>
+            <a:r>
+              <a:rPr lang="en-US" b="1" i="0" baseline="0" dirty="0" smtClean="0"/>
+              <a:t>www.example.com/index.html.</a:t>
             </a:r>
             <a:endParaRPr lang="en-US" dirty="0"/>
           </a:p>
@@ -1114,9 +1601,110 @@
           <a:p>
             <a:r>
               <a:rPr lang="en-US" baseline="0" dirty="0" smtClean="0"/>
-              <a:t>The HTTP response contains information about the response (e.g., 200 OK) along with the actual results. In this case, an HTML page was requested, so an HTML page is sent.</a:t>
+              <a:t>The HTTP response contains information about the response </a:t>
             </a:r>
-            <a:endParaRPr lang="en-US" dirty="0"/>
+            <a:r>
+              <a:rPr lang="en-US" baseline="0" dirty="0" smtClean="0"/>
+              <a:t>along </a:t>
+            </a:r>
+            <a:r>
+              <a:rPr lang="en-US" baseline="0" dirty="0" smtClean="0"/>
+              <a:t>with the actual results. In this case, an HTML page was requested, so an HTML page is </a:t>
+            </a:r>
+            <a:r>
+              <a:rPr lang="en-US" baseline="0" dirty="0" smtClean="0"/>
+              <a:t>sent.</a:t>
+            </a:r>
+          </a:p>
+          <a:p>
+            <a:endParaRPr lang="en-US" baseline="0" dirty="0" smtClean="0"/>
+          </a:p>
+          <a:p>
+            <a:r>
+              <a:rPr lang="en-US" baseline="0" dirty="0" smtClean="0"/>
+              <a:t>Ask the students what the status code is for the response</a:t>
+            </a:r>
+            <a:r>
+              <a:rPr lang="en-US" b="0" baseline="0" dirty="0" smtClean="0"/>
+              <a:t>: </a:t>
+            </a:r>
+            <a:r>
+              <a:rPr lang="en-US" b="1" baseline="0" dirty="0" smtClean="0"/>
+              <a:t>200</a:t>
+            </a:r>
+            <a:r>
+              <a:rPr lang="en-US" b="0" baseline="0" dirty="0" smtClean="0"/>
+              <a:t>.</a:t>
+            </a:r>
+          </a:p>
+          <a:p>
+            <a:r>
+              <a:rPr lang="en-US" b="0" baseline="0" dirty="0" smtClean="0"/>
+              <a:t>Note the two HTTP headers in the response: </a:t>
+            </a:r>
+            <a:r>
+              <a:rPr lang="en-US" b="1" baseline="0" dirty="0" smtClean="0"/>
+              <a:t>Content-Type</a:t>
+            </a:r>
+            <a:r>
+              <a:rPr lang="en-US" b="0" baseline="0" dirty="0" smtClean="0"/>
+              <a:t> and </a:t>
+            </a:r>
+            <a:r>
+              <a:rPr lang="en-US" b="1" baseline="0" dirty="0" smtClean="0"/>
+              <a:t>Content-Length</a:t>
+            </a:r>
+            <a:r>
+              <a:rPr lang="en-US" b="0" baseline="0" dirty="0" smtClean="0"/>
+              <a:t>.</a:t>
+            </a:r>
+          </a:p>
+          <a:p>
+            <a:r>
+              <a:rPr lang="en-US" b="0" baseline="0" dirty="0" smtClean="0"/>
+              <a:t>Note that the actual HTML is also in the response.</a:t>
+            </a:r>
+          </a:p>
+          <a:p>
+            <a:endParaRPr lang="en-US" b="0" baseline="0" dirty="0" smtClean="0"/>
+          </a:p>
+          <a:p>
+            <a:r>
+              <a:rPr lang="en-US" b="0" baseline="0" dirty="0" smtClean="0"/>
+              <a:t>Emphasize that the </a:t>
+            </a:r>
+            <a:r>
+              <a:rPr lang="en-US" b="1" baseline="0" dirty="0" smtClean="0"/>
+              <a:t>client</a:t>
+            </a:r>
+            <a:r>
+              <a:rPr lang="en-US" b="0" baseline="0" dirty="0" smtClean="0"/>
+              <a:t> sends </a:t>
+            </a:r>
+            <a:r>
+              <a:rPr lang="en-US" b="1" baseline="0" dirty="0" smtClean="0"/>
+              <a:t>requests</a:t>
+            </a:r>
+            <a:r>
+              <a:rPr lang="en-US" b="0" baseline="0" dirty="0" smtClean="0"/>
+              <a:t>, and the </a:t>
+            </a:r>
+            <a:r>
+              <a:rPr lang="en-US" b="1" baseline="0" dirty="0" smtClean="0"/>
+              <a:t>server</a:t>
+            </a:r>
+            <a:r>
+              <a:rPr lang="en-US" b="0" baseline="0" dirty="0" smtClean="0"/>
+              <a:t> sends </a:t>
+            </a:r>
+            <a:r>
+              <a:rPr lang="en-US" b="1" baseline="0" dirty="0" smtClean="0"/>
+              <a:t>responses</a:t>
+            </a:r>
+            <a:r>
+              <a:rPr lang="en-US" b="0" baseline="0" dirty="0" smtClean="0"/>
+              <a:t>.</a:t>
+            </a:r>
           </a:p>
         </p:txBody>
       </p:sp>
@@ -1495,14 +2083,10 @@
           <a:lstStyle/>
           <a:p>
             <a:r>
-              <a:rPr lang="en-US" b="0" dirty="0" smtClean="0"/>
-              <a:t>Talk about GET requests</a:t>
+              <a:rPr lang="en-US" dirty="0" smtClean="0"/>
+              <a:t>Just to review this important piece of information, requests are sent from the client to the server.</a:t>
             </a:r>
-            <a:r>
-              <a:rPr lang="en-US" b="0" baseline="0" dirty="0" smtClean="0"/>
-              <a:t> and POST requests</a:t>
-            </a:r>
-            <a:endParaRPr lang="en-US" b="0" dirty="0"/>
+            <a:endParaRPr lang="en-US" dirty="0"/>
           </a:p>
         </p:txBody>
       </p:sp>
@@ -1532,7 +2116,7 @@
     </p:spTree>
     <p:extLst>
       <p:ext uri="{BB962C8B-B14F-4D97-AF65-F5344CB8AC3E}">
-        <p14:creationId xmlns:p14="http://schemas.microsoft.com/office/powerpoint/2010/main" val="2547327846"/>
+        <p14:creationId xmlns:p14="http://schemas.microsoft.com/office/powerpoint/2010/main" val="1801205553"/>
       </p:ext>
     </p:extLst>
   </p:cSld>
@@ -1587,96 +2171,12 @@
           <a:lstStyle/>
           <a:p>
             <a:r>
-              <a:rPr lang="en-US" dirty="0" smtClean="0"/>
-              <a:t>Open</a:t>
-            </a:r>
-            <a:r>
-              <a:rPr lang="en-US" baseline="0" dirty="0" smtClean="0"/>
-              <a:t> the IMDB search link</a:t>
-            </a:r>
-          </a:p>
-          <a:p>
-            <a:r>
-              <a:rPr lang="en-US" baseline="0" dirty="0" smtClean="0"/>
-              <a:t>Enter the text “Star Wars”</a:t>
-            </a:r>
-          </a:p>
-          <a:p>
-            <a:r>
-              <a:rPr lang="en-US" baseline="0" dirty="0" smtClean="0"/>
-              <a:t>Check the “TV Series” checkbox</a:t>
-            </a:r>
-          </a:p>
-          <a:p>
-            <a:r>
-              <a:rPr lang="en-US" baseline="0" dirty="0" smtClean="0"/>
-              <a:t>Click the “Search” button</a:t>
-            </a:r>
-          </a:p>
-          <a:p>
-            <a:r>
-              <a:rPr lang="en-US" baseline="0" dirty="0" smtClean="0"/>
-              <a:t>Note the results and the updated URL that contains query parameters</a:t>
-            </a:r>
-          </a:p>
-          <a:p>
-            <a:endParaRPr lang="en-US" baseline="0" dirty="0" smtClean="0"/>
-          </a:p>
-          <a:p>
-            <a:r>
-              <a:rPr lang="en-US" baseline="0" dirty="0" smtClean="0"/>
-              <a:t>Use a </a:t>
-            </a:r>
-            <a:r>
-              <a:rPr lang="en-US" b="1" baseline="0" dirty="0" smtClean="0"/>
-              <a:t>question mark</a:t>
+              <a:rPr lang="en-US" b="0" dirty="0" smtClean="0"/>
+              <a:t>Talk about GET requests</a:t>
             </a:r>
             <a:r>
               <a:rPr lang="en-US" b="0" baseline="0" dirty="0" smtClean="0"/>
-              <a:t> at the end of the base URL, then the </a:t>
-            </a:r>
-            <a:r>
-              <a:rPr lang="en-US" b="1" baseline="0" dirty="0" smtClean="0"/>
-              <a:t>parameter name</a:t>
-            </a:r>
-            <a:r>
-              <a:rPr lang="en-US" b="0" baseline="0" dirty="0" smtClean="0"/>
-              <a:t>, then an </a:t>
-            </a:r>
-            <a:r>
-              <a:rPr lang="en-US" b="1" baseline="0" dirty="0" smtClean="0"/>
-              <a:t>equals sign</a:t>
-            </a:r>
-            <a:r>
-              <a:rPr lang="en-US" b="0" baseline="0" dirty="0" smtClean="0"/>
-              <a:t>, then the </a:t>
-            </a:r>
-            <a:r>
-              <a:rPr lang="en-US" b="1" baseline="0" dirty="0" smtClean="0"/>
-              <a:t>parameter value</a:t>
-            </a:r>
-            <a:r>
-              <a:rPr lang="en-US" b="0" baseline="0" dirty="0" smtClean="0"/>
-              <a:t> (no spaces)</a:t>
-            </a:r>
-          </a:p>
-          <a:p>
-            <a:r>
-              <a:rPr lang="en-US" b="0" baseline="0" dirty="0" smtClean="0"/>
-              <a:t>Multiple parameters are separated by the </a:t>
-            </a:r>
-            <a:r>
-              <a:rPr lang="en-US" b="1" baseline="0" dirty="0" smtClean="0"/>
-              <a:t>ampersand</a:t>
-            </a:r>
-          </a:p>
-          <a:p>
-            <a:endParaRPr lang="en-US" b="1" baseline="0" dirty="0" smtClean="0"/>
-          </a:p>
-          <a:p>
-            <a:r>
-              <a:rPr lang="en-US" b="0" baseline="0" dirty="0" smtClean="0"/>
-              <a:t>So now that the request has been sent, what happens next?</a:t>
+              <a:t> and POST requests</a:t>
             </a:r>
             <a:endParaRPr lang="en-US" b="0" dirty="0"/>
           </a:p>
@@ -1708,7 +2208,7 @@
     </p:spTree>
     <p:extLst>
       <p:ext uri="{BB962C8B-B14F-4D97-AF65-F5344CB8AC3E}">
-        <p14:creationId xmlns:p14="http://schemas.microsoft.com/office/powerpoint/2010/main" val="207424312"/>
+        <p14:creationId xmlns:p14="http://schemas.microsoft.com/office/powerpoint/2010/main" val="2547327846"/>
       </p:ext>
     </p:extLst>
   </p:cSld>
@@ -1908,7 +2408,7 @@
             <a:fld id="{1C2D31DE-C454-491C-B5C3-F097855E3DF7}" type="datetime4">
               <a:rPr lang="en-US" smtClean="0"/>
               <a:pPr/>
-              <a:t>January 30, 2020</a:t>
+              <a:t>February 27, 2020</a:t>
             </a:fld>
             <a:endParaRPr lang="en-US" dirty="0"/>
           </a:p>
@@ -5308,7 +5808,7 @@
           <a:p>
             <a:fld id="{5958763E-B898-436D-883D-03711491D54A}" type="datetimeFigureOut">
               <a:rPr lang="en-US" smtClean="0"/>
-              <a:t>1/30/2020</a:t>
+              <a:t>2/27/2020</a:t>
             </a:fld>
             <a:endParaRPr lang="en-US"/>
           </a:p>
@@ -5509,7 +6009,7 @@
           <a:p>
             <a:fld id="{5958763E-B898-436D-883D-03711491D54A}" type="datetimeFigureOut">
               <a:rPr lang="en-US" smtClean="0"/>
-              <a:t>1/30/2020</a:t>
+              <a:t>2/27/2020</a:t>
             </a:fld>
             <a:endParaRPr lang="en-US"/>
           </a:p>
@@ -5766,7 +6266,7 @@
           <a:p>
             <a:fld id="{5958763E-B898-436D-883D-03711491D54A}" type="datetimeFigureOut">
               <a:rPr lang="en-US" smtClean="0"/>
-              <a:t>1/30/2020</a:t>
+              <a:t>2/27/2020</a:t>
             </a:fld>
             <a:endParaRPr lang="en-US"/>
           </a:p>
@@ -6121,7 +6621,7 @@
           <a:p>
             <a:fld id="{5958763E-B898-436D-883D-03711491D54A}" type="datetimeFigureOut">
               <a:rPr lang="en-US" smtClean="0"/>
-              <a:t>1/30/2020</a:t>
+              <a:t>2/27/2020</a:t>
             </a:fld>
             <a:endParaRPr lang="en-US"/>
           </a:p>
@@ -6544,7 +7044,7 @@
           <a:p>
             <a:fld id="{5958763E-B898-436D-883D-03711491D54A}" type="datetimeFigureOut">
               <a:rPr lang="en-US" smtClean="0"/>
-              <a:t>1/30/2020</a:t>
+              <a:t>2/27/2020</a:t>
             </a:fld>
             <a:endParaRPr lang="en-US"/>
           </a:p>
@@ -7052,7 +7552,7 @@
           <a:p>
             <a:fld id="{5958763E-B898-436D-883D-03711491D54A}" type="datetimeFigureOut">
               <a:rPr lang="en-US" smtClean="0"/>
-              <a:t>1/30/2020</a:t>
+              <a:t>2/27/2020</a:t>
             </a:fld>
             <a:endParaRPr lang="en-US"/>
           </a:p>
@@ -7510,7 +8010,7 @@
           <a:p>
             <a:fld id="{5958763E-B898-436D-883D-03711491D54A}" type="datetimeFigureOut">
               <a:rPr lang="en-US" smtClean="0"/>
-              <a:t>1/30/2020</a:t>
+              <a:t>2/27/2020</a:t>
             </a:fld>
             <a:endParaRPr lang="en-US"/>
           </a:p>
@@ -8128,7 +8628,7 @@
           <a:p>
             <a:fld id="{5958763E-B898-436D-883D-03711491D54A}" type="datetimeFigureOut">
               <a:rPr lang="en-US" smtClean="0"/>
-              <a:t>1/30/2020</a:t>
+              <a:t>2/27/2020</a:t>
             </a:fld>
             <a:endParaRPr lang="en-US"/>
           </a:p>
@@ -8906,7 +9406,7 @@
           <a:p>
             <a:fld id="{5958763E-B898-436D-883D-03711491D54A}" type="datetimeFigureOut">
               <a:rPr lang="en-US" smtClean="0"/>
-              <a:t>1/30/2020</a:t>
+              <a:t>2/27/2020</a:t>
             </a:fld>
             <a:endParaRPr lang="en-US"/>
           </a:p>
@@ -9017,7 +9517,7 @@
           <a:p>
             <a:fld id="{5958763E-B898-436D-883D-03711491D54A}" type="datetimeFigureOut">
               <a:rPr lang="en-US" smtClean="0"/>
-              <a:t>1/30/2020</a:t>
+              <a:t>2/27/2020</a:t>
             </a:fld>
             <a:endParaRPr lang="en-US"/>
           </a:p>
@@ -9359,7 +9859,7 @@
             <a:fld id="{1C2D31DE-C454-491C-B5C3-F097855E3DF7}" type="datetime4">
               <a:rPr lang="en-US" smtClean="0"/>
               <a:pPr/>
-              <a:t>January 30, 2020</a:t>
+              <a:t>February 27, 2020</a:t>
             </a:fld>
             <a:endParaRPr lang="en-US" dirty="0"/>
           </a:p>
@@ -12519,7 +13019,7 @@
           <a:p>
             <a:fld id="{5958763E-B898-436D-883D-03711491D54A}" type="datetimeFigureOut">
               <a:rPr lang="en-US" smtClean="0"/>
-              <a:t>1/30/2020</a:t>
+              <a:t>2/27/2020</a:t>
             </a:fld>
             <a:endParaRPr lang="en-US"/>
           </a:p>
@@ -12650,7 +13150,7 @@
           <a:p>
             <a:fld id="{5958763E-B898-436D-883D-03711491D54A}" type="datetimeFigureOut">
               <a:rPr lang="en-US" smtClean="0"/>
-              <a:t>1/30/2020</a:t>
+              <a:t>2/27/2020</a:t>
             </a:fld>
             <a:endParaRPr lang="en-US"/>
           </a:p>
@@ -12781,7 +13281,7 @@
           <a:p>
             <a:fld id="{5958763E-B898-436D-883D-03711491D54A}" type="datetimeFigureOut">
               <a:rPr lang="en-US" smtClean="0"/>
-              <a:t>1/30/2020</a:t>
+              <a:t>2/27/2020</a:t>
             </a:fld>
             <a:endParaRPr lang="en-US"/>
           </a:p>
@@ -12912,7 +13412,7 @@
           <a:p>
             <a:fld id="{5958763E-B898-436D-883D-03711491D54A}" type="datetimeFigureOut">
               <a:rPr lang="en-US" smtClean="0"/>
-              <a:t>1/30/2020</a:t>
+              <a:t>2/27/2020</a:t>
             </a:fld>
             <a:endParaRPr lang="en-US"/>
           </a:p>
@@ -13043,7 +13543,7 @@
           <a:p>
             <a:fld id="{5958763E-B898-436D-883D-03711491D54A}" type="datetimeFigureOut">
               <a:rPr lang="en-US" smtClean="0"/>
-              <a:t>1/30/2020</a:t>
+              <a:t>2/27/2020</a:t>
             </a:fld>
             <a:endParaRPr lang="en-US"/>
           </a:p>
@@ -13174,7 +13674,7 @@
           <a:p>
             <a:fld id="{5958763E-B898-436D-883D-03711491D54A}" type="datetimeFigureOut">
               <a:rPr lang="en-US" smtClean="0"/>
-              <a:t>1/30/2020</a:t>
+              <a:t>2/27/2020</a:t>
             </a:fld>
             <a:endParaRPr lang="en-US"/>
           </a:p>
@@ -13305,7 +13805,7 @@
           <a:p>
             <a:fld id="{5958763E-B898-436D-883D-03711491D54A}" type="datetimeFigureOut">
               <a:rPr lang="en-US" smtClean="0"/>
-              <a:t>1/30/2020</a:t>
+              <a:t>2/27/2020</a:t>
             </a:fld>
             <a:endParaRPr lang="en-US"/>
           </a:p>
@@ -13436,7 +13936,7 @@
           <a:p>
             <a:fld id="{5958763E-B898-436D-883D-03711491D54A}" type="datetimeFigureOut">
               <a:rPr lang="en-US" smtClean="0"/>
-              <a:t>1/30/2020</a:t>
+              <a:t>2/27/2020</a:t>
             </a:fld>
             <a:endParaRPr lang="en-US"/>
           </a:p>
@@ -13576,7 +14076,7 @@
           <a:p>
             <a:fld id="{5958763E-B898-436D-883D-03711491D54A}" type="datetimeFigureOut">
               <a:rPr lang="en-US" smtClean="0"/>
-              <a:t>1/30/2020</a:t>
+              <a:t>2/27/2020</a:t>
             </a:fld>
             <a:endParaRPr lang="en-US"/>
           </a:p>
@@ -16937,7 +17437,7 @@
             <a:fld id="{1C2D31DE-C454-491C-B5C3-F097855E3DF7}" type="datetime4">
               <a:rPr lang="en-US" smtClean="0"/>
               <a:pPr/>
-              <a:t>January 30, 2020</a:t>
+              <a:t>February 27, 2020</a:t>
             </a:fld>
             <a:endParaRPr lang="en-US" dirty="0"/>
           </a:p>
@@ -29182,7 +29682,7 @@
           <a:p>
             <a:fld id="{5958763E-B898-436D-883D-03711491D54A}" type="datetimeFigureOut">
               <a:rPr lang="en-US" smtClean="0"/>
-              <a:t>1/30/2020</a:t>
+              <a:t>2/27/2020</a:t>
             </a:fld>
             <a:endParaRPr lang="en-US"/>
           </a:p>
@@ -29591,7 +30091,7 @@
           <a:p>
             <a:fld id="{5958763E-B898-436D-883D-03711491D54A}" type="datetimeFigureOut">
               <a:rPr lang="en-US" smtClean="0"/>
-              <a:t>1/30/2020</a:t>
+              <a:t>2/27/2020</a:t>
             </a:fld>
             <a:endParaRPr lang="en-US"/>
           </a:p>
@@ -29892,7 +30392,7 @@
           <a:p>
             <a:fld id="{5958763E-B898-436D-883D-03711491D54A}" type="datetimeFigureOut">
               <a:rPr lang="en-US" smtClean="0"/>
-              <a:t>1/30/2020</a:t>
+              <a:t>2/27/2020</a:t>
             </a:fld>
             <a:endParaRPr lang="en-US"/>
           </a:p>
@@ -30100,7 +30600,7 @@
           <a:p>
             <a:fld id="{5958763E-B898-436D-883D-03711491D54A}" type="datetimeFigureOut">
               <a:rPr lang="en-US" smtClean="0"/>
-              <a:t>1/30/2020</a:t>
+              <a:t>2/27/2020</a:t>
             </a:fld>
             <a:endParaRPr lang="en-US"/>
           </a:p>
@@ -30368,7 +30868,7 @@
           <a:p>
             <a:fld id="{5958763E-B898-436D-883D-03711491D54A}" type="datetimeFigureOut">
               <a:rPr lang="en-US" smtClean="0"/>
-              <a:t>1/30/2020</a:t>
+              <a:t>2/27/2020</a:t>
             </a:fld>
             <a:endParaRPr lang="en-US"/>
           </a:p>
@@ -30885,7 +31385,7 @@
           <a:p>
             <a:fld id="{5958763E-B898-436D-883D-03711491D54A}" type="datetimeFigureOut">
               <a:rPr lang="en-US" smtClean="0"/>
-              <a:t>1/30/2020</a:t>
+              <a:t>2/27/2020</a:t>
             </a:fld>
             <a:endParaRPr lang="en-US"/>
           </a:p>
@@ -31373,7 +31873,7 @@
           <a:p>
             <a:fld id="{5958763E-B898-436D-883D-03711491D54A}" type="datetimeFigureOut">
               <a:rPr lang="en-US" smtClean="0"/>
-              <a:t>1/30/2020</a:t>
+              <a:t>2/27/2020</a:t>
             </a:fld>
             <a:endParaRPr lang="en-US"/>
           </a:p>
@@ -32199,7 +32699,7 @@
           <a:p>
             <a:fld id="{5958763E-B898-436D-883D-03711491D54A}" type="datetimeFigureOut">
               <a:rPr lang="en-US" smtClean="0"/>
-              <a:t>1/30/2020</a:t>
+              <a:t>2/27/2020</a:t>
             </a:fld>
             <a:endParaRPr lang="en-US"/>
           </a:p>
@@ -32407,7 +32907,7 @@
           <a:p>
             <a:fld id="{5958763E-B898-436D-883D-03711491D54A}" type="datetimeFigureOut">
               <a:rPr lang="en-US" smtClean="0"/>
-              <a:t>1/30/2020</a:t>
+              <a:t>2/27/2020</a:t>
             </a:fld>
             <a:endParaRPr lang="en-US"/>
           </a:p>
@@ -32749,7 +33249,7 @@
           <a:p>
             <a:fld id="{5958763E-B898-436D-883D-03711491D54A}" type="datetimeFigureOut">
               <a:rPr lang="en-US" smtClean="0"/>
-              <a:t>1/30/2020</a:t>
+              <a:t>2/27/2020</a:t>
             </a:fld>
             <a:endParaRPr lang="en-US"/>
           </a:p>
@@ -32986,7 +33486,7 @@
           <a:p>
             <a:fld id="{5958763E-B898-436D-883D-03711491D54A}" type="datetimeFigureOut">
               <a:rPr lang="en-US" smtClean="0"/>
-              <a:t>1/30/2020</a:t>
+              <a:t>2/27/2020</a:t>
             </a:fld>
             <a:endParaRPr lang="en-US"/>
           </a:p>
@@ -33237,7 +33737,7 @@
           <a:p>
             <a:fld id="{5958763E-B898-436D-883D-03711491D54A}" type="datetimeFigureOut">
               <a:rPr lang="en-US" smtClean="0"/>
-              <a:t>1/30/2020</a:t>
+              <a:t>2/27/2020</a:t>
             </a:fld>
             <a:endParaRPr lang="en-US"/>
           </a:p>
@@ -36802,6 +37302,260 @@
 <file path=ppt/slides/slide10.xml><?xml version="1.0" encoding="utf-8"?>
 <p:sld xmlns:a="http://schemas.openxmlformats.org/drawingml/2006/main" xmlns:r="http://schemas.openxmlformats.org/officeDocument/2006/relationships" xmlns:p="http://schemas.openxmlformats.org/presentationml/2006/main">
   <p:cSld>
+    <p:spTree>
+      <p:nvGrpSpPr>
+        <p:cNvPr id="1" name=""/>
+        <p:cNvGrpSpPr/>
+        <p:nvPr/>
+      </p:nvGrpSpPr>
+      <p:grpSpPr>
+        <a:xfrm>
+          <a:off x="0" y="0"/>
+          <a:ext cx="0" cy="0"/>
+          <a:chOff x="0" y="0"/>
+          <a:chExt cx="0" cy="0"/>
+        </a:xfrm>
+      </p:grpSpPr>
+      <p:sp>
+        <p:nvSpPr>
+          <p:cNvPr id="2" name="TextBox 1"/>
+          <p:cNvSpPr txBox="1"/>
+          <p:nvPr/>
+        </p:nvSpPr>
+        <p:spPr>
+          <a:xfrm>
+            <a:off x="1295400" y="685800"/>
+            <a:ext cx="10896600" cy="5401479"/>
+          </a:xfrm>
+          <a:prstGeom prst="rect">
+            <a:avLst/>
+          </a:prstGeom>
+          <a:noFill/>
+        </p:spPr>
+        <p:txBody>
+          <a:bodyPr wrap="square" lIns="182880" tIns="146304" rIns="182880" bIns="146304" rtlCol="0">
+            <a:spAutoFit/>
+          </a:bodyPr>
+          <a:lstStyle/>
+          <a:p>
+            <a:pPr>
+              <a:lnSpc>
+                <a:spcPct val="90000"/>
+              </a:lnSpc>
+              <a:spcAft>
+                <a:spcPts val="600"/>
+              </a:spcAft>
+            </a:pPr>
+            <a:r>
+              <a:rPr lang="en-US" sz="8800" b="1" dirty="0" smtClean="0">
+                <a:gradFill>
+                  <a:gsLst>
+                    <a:gs pos="2917">
+                      <a:schemeClr val="tx1"/>
+                    </a:gs>
+                    <a:gs pos="30000">
+                      <a:schemeClr val="tx1"/>
+                    </a:gs>
+                  </a:gsLst>
+                  <a:lin ang="5400000" scaled="0"/>
+                </a:gradFill>
+              </a:rPr>
+              <a:t>Requests</a:t>
+            </a:r>
+            <a:r>
+              <a:rPr lang="en-US" sz="8800" dirty="0" smtClean="0">
+                <a:gradFill>
+                  <a:gsLst>
+                    <a:gs pos="2917">
+                      <a:schemeClr val="tx1"/>
+                    </a:gs>
+                    <a:gs pos="30000">
+                      <a:schemeClr val="tx1"/>
+                    </a:gs>
+                  </a:gsLst>
+                  <a:lin ang="5400000" scaled="0"/>
+                </a:gradFill>
+              </a:rPr>
+              <a:t> are sent</a:t>
+            </a:r>
+          </a:p>
+          <a:p>
+            <a:pPr>
+              <a:lnSpc>
+                <a:spcPct val="90000"/>
+              </a:lnSpc>
+              <a:spcAft>
+                <a:spcPts val="600"/>
+              </a:spcAft>
+            </a:pPr>
+            <a:endParaRPr lang="en-US" sz="8800" dirty="0" smtClean="0">
+              <a:gradFill>
+                <a:gsLst>
+                  <a:gs pos="2917">
+                    <a:schemeClr val="tx1"/>
+                  </a:gs>
+                  <a:gs pos="30000">
+                    <a:schemeClr val="tx1"/>
+                  </a:gs>
+                </a:gsLst>
+                <a:lin ang="5400000" scaled="0"/>
+              </a:gradFill>
+            </a:endParaRPr>
+          </a:p>
+          <a:p>
+            <a:pPr marL="1143000" indent="-1143000">
+              <a:lnSpc>
+                <a:spcPct val="90000"/>
+              </a:lnSpc>
+              <a:spcAft>
+                <a:spcPts val="600"/>
+              </a:spcAft>
+              <a:buFont typeface="Arial" panose="020B0604020202020204" pitchFamily="34" charset="0"/>
+              <a:buChar char="•"/>
+            </a:pPr>
+            <a:r>
+              <a:rPr lang="en-US" sz="8800" i="1" dirty="0" smtClean="0">
+                <a:gradFill>
+                  <a:gsLst>
+                    <a:gs pos="2917">
+                      <a:schemeClr val="tx1"/>
+                    </a:gs>
+                    <a:gs pos="30000">
+                      <a:schemeClr val="tx1"/>
+                    </a:gs>
+                  </a:gsLst>
+                  <a:lin ang="5400000" scaled="0"/>
+                </a:gradFill>
+              </a:rPr>
+              <a:t>from</a:t>
+            </a:r>
+            <a:r>
+              <a:rPr lang="en-US" sz="8800" dirty="0" smtClean="0">
+                <a:gradFill>
+                  <a:gsLst>
+                    <a:gs pos="2917">
+                      <a:schemeClr val="tx1"/>
+                    </a:gs>
+                    <a:gs pos="30000">
+                      <a:schemeClr val="tx1"/>
+                    </a:gs>
+                  </a:gsLst>
+                  <a:lin ang="5400000" scaled="0"/>
+                </a:gradFill>
+              </a:rPr>
+              <a:t> the </a:t>
+            </a:r>
+            <a:r>
+              <a:rPr lang="en-US" sz="8800" b="1" dirty="0" smtClean="0">
+                <a:gradFill>
+                  <a:gsLst>
+                    <a:gs pos="2917">
+                      <a:schemeClr val="tx1"/>
+                    </a:gs>
+                    <a:gs pos="30000">
+                      <a:schemeClr val="tx1"/>
+                    </a:gs>
+                  </a:gsLst>
+                  <a:lin ang="5400000" scaled="0"/>
+                </a:gradFill>
+              </a:rPr>
+              <a:t>client</a:t>
+            </a:r>
+          </a:p>
+          <a:p>
+            <a:pPr marL="1143000" indent="-1143000">
+              <a:lnSpc>
+                <a:spcPct val="90000"/>
+              </a:lnSpc>
+              <a:spcAft>
+                <a:spcPts val="600"/>
+              </a:spcAft>
+              <a:buFont typeface="Arial" panose="020B0604020202020204" pitchFamily="34" charset="0"/>
+              <a:buChar char="•"/>
+            </a:pPr>
+            <a:r>
+              <a:rPr lang="en-US" sz="8800" i="1" dirty="0" smtClean="0">
+                <a:gradFill>
+                  <a:gsLst>
+                    <a:gs pos="2917">
+                      <a:schemeClr val="tx1"/>
+                    </a:gs>
+                    <a:gs pos="30000">
+                      <a:schemeClr val="tx1"/>
+                    </a:gs>
+                  </a:gsLst>
+                  <a:lin ang="5400000" scaled="0"/>
+                </a:gradFill>
+              </a:rPr>
+              <a:t>to</a:t>
+            </a:r>
+            <a:r>
+              <a:rPr lang="en-US" sz="8800" dirty="0" smtClean="0">
+                <a:gradFill>
+                  <a:gsLst>
+                    <a:gs pos="2917">
+                      <a:schemeClr val="tx1"/>
+                    </a:gs>
+                    <a:gs pos="30000">
+                      <a:schemeClr val="tx1"/>
+                    </a:gs>
+                  </a:gsLst>
+                  <a:lin ang="5400000" scaled="0"/>
+                </a:gradFill>
+              </a:rPr>
+              <a:t> the </a:t>
+            </a:r>
+            <a:r>
+              <a:rPr lang="en-US" sz="8800" b="1" dirty="0" smtClean="0">
+                <a:gradFill>
+                  <a:gsLst>
+                    <a:gs pos="2917">
+                      <a:schemeClr val="tx1"/>
+                    </a:gs>
+                    <a:gs pos="30000">
+                      <a:schemeClr val="tx1"/>
+                    </a:gs>
+                  </a:gsLst>
+                  <a:lin ang="5400000" scaled="0"/>
+                </a:gradFill>
+              </a:rPr>
+              <a:t>server</a:t>
+            </a:r>
+            <a:endParaRPr lang="en-US" sz="8800" b="1" dirty="0" smtClean="0">
+              <a:gradFill>
+                <a:gsLst>
+                  <a:gs pos="2917">
+                    <a:schemeClr val="tx1"/>
+                  </a:gs>
+                  <a:gs pos="30000">
+                    <a:schemeClr val="tx1"/>
+                  </a:gs>
+                </a:gsLst>
+                <a:lin ang="5400000" scaled="0"/>
+              </a:gradFill>
+            </a:endParaRPr>
+          </a:p>
+        </p:txBody>
+      </p:sp>
+    </p:spTree>
+    <p:extLst>
+      <p:ext uri="{BB962C8B-B14F-4D97-AF65-F5344CB8AC3E}">
+        <p14:creationId xmlns:p14="http://schemas.microsoft.com/office/powerpoint/2010/main" val="1970998879"/>
+      </p:ext>
+    </p:extLst>
+  </p:cSld>
+  <p:clrMapOvr>
+    <a:masterClrMapping/>
+  </p:clrMapOvr>
+  <p:transition>
+    <p:fade/>
+  </p:transition>
+</p:sld>
+</file>
+
+<file path=ppt/slides/slide11.xml><?xml version="1.0" encoding="utf-8"?>
+<p:sld xmlns:a="http://schemas.openxmlformats.org/drawingml/2006/main" xmlns:r="http://schemas.openxmlformats.org/officeDocument/2006/relationships" xmlns:p="http://schemas.openxmlformats.org/presentationml/2006/main">
+  <p:cSld>
     <p:bg>
       <p:bgPr>
         <a:solidFill>
@@ -37349,7 +38103,7 @@
 </p:sld>
 </file>
 
-<file path=ppt/slides/slide11.xml><?xml version="1.0" encoding="utf-8"?>
+<file path=ppt/slides/slide12.xml><?xml version="1.0" encoding="utf-8"?>
 <p:sld xmlns:a="http://schemas.openxmlformats.org/drawingml/2006/main" xmlns:r="http://schemas.openxmlformats.org/officeDocument/2006/relationships" xmlns:p="http://schemas.openxmlformats.org/presentationml/2006/main">
   <p:cSld>
     <p:spTree>
@@ -39056,7 +39810,7 @@
 </p:sld>
 </file>
 
-<file path=ppt/slides/slide12.xml><?xml version="1.0" encoding="utf-8"?>
+<file path=ppt/slides/slide13.xml><?xml version="1.0" encoding="utf-8"?>
 <p:sld xmlns:a="http://schemas.openxmlformats.org/drawingml/2006/main" xmlns:r="http://schemas.openxmlformats.org/officeDocument/2006/relationships" xmlns:p="http://schemas.openxmlformats.org/presentationml/2006/main">
   <p:cSld>
     <p:spTree>
@@ -39106,7 +39860,7 @@
           <p:nvPr/>
         </p:nvPicPr>
         <p:blipFill rotWithShape="1">
-          <a:blip r:embed="rId2">
+          <a:blip r:embed="rId3">
             <a:extLst>
               <a:ext uri="{28A0092B-C50C-407E-A947-70E740481C1C}">
                 <a14:useLocalDpi xmlns:a14="http://schemas.microsoft.com/office/drawing/2010/main" val="0"/>
@@ -39159,7 +39913,268 @@
 </p:sld>
 </file>
 
-<file path=ppt/slides/slide13.xml><?xml version="1.0" encoding="utf-8"?>
+<file path=ppt/slides/slide14.xml><?xml version="1.0" encoding="utf-8"?>
+<p:sld xmlns:a="http://schemas.openxmlformats.org/drawingml/2006/main" xmlns:r="http://schemas.openxmlformats.org/officeDocument/2006/relationships" xmlns:p="http://schemas.openxmlformats.org/presentationml/2006/main">
+  <p:cSld>
+    <p:spTree>
+      <p:nvGrpSpPr>
+        <p:cNvPr id="1" name=""/>
+        <p:cNvGrpSpPr/>
+        <p:nvPr/>
+      </p:nvGrpSpPr>
+      <p:grpSpPr>
+        <a:xfrm>
+          <a:off x="0" y="0"/>
+          <a:ext cx="0" cy="0"/>
+          <a:chOff x="0" y="0"/>
+          <a:chExt cx="0" cy="0"/>
+        </a:xfrm>
+      </p:grpSpPr>
+      <p:sp>
+        <p:nvSpPr>
+          <p:cNvPr id="2" name="TextBox 1"/>
+          <p:cNvSpPr txBox="1"/>
+          <p:nvPr/>
+        </p:nvSpPr>
+        <p:spPr>
+          <a:xfrm>
+            <a:off x="838200" y="685800"/>
+            <a:ext cx="10896600" cy="5401479"/>
+          </a:xfrm>
+          <a:prstGeom prst="rect">
+            <a:avLst/>
+          </a:prstGeom>
+          <a:noFill/>
+        </p:spPr>
+        <p:txBody>
+          <a:bodyPr wrap="square" lIns="182880" tIns="146304" rIns="182880" bIns="146304" rtlCol="0">
+            <a:spAutoFit/>
+          </a:bodyPr>
+          <a:lstStyle/>
+          <a:p>
+            <a:pPr>
+              <a:lnSpc>
+                <a:spcPct val="90000"/>
+              </a:lnSpc>
+              <a:spcAft>
+                <a:spcPts val="600"/>
+              </a:spcAft>
+            </a:pPr>
+            <a:r>
+              <a:rPr lang="en-US" sz="8800" b="1" dirty="0" smtClean="0">
+                <a:gradFill>
+                  <a:gsLst>
+                    <a:gs pos="2917">
+                      <a:schemeClr val="tx1"/>
+                    </a:gs>
+                    <a:gs pos="30000">
+                      <a:schemeClr val="tx1"/>
+                    </a:gs>
+                  </a:gsLst>
+                  <a:lin ang="5400000" scaled="0"/>
+                </a:gradFill>
+              </a:rPr>
+              <a:t>Responses</a:t>
+            </a:r>
+            <a:r>
+              <a:rPr lang="en-US" sz="8800" dirty="0" smtClean="0">
+                <a:gradFill>
+                  <a:gsLst>
+                    <a:gs pos="2917">
+                      <a:schemeClr val="tx1"/>
+                    </a:gs>
+                    <a:gs pos="30000">
+                      <a:schemeClr val="tx1"/>
+                    </a:gs>
+                  </a:gsLst>
+                  <a:lin ang="5400000" scaled="0"/>
+                </a:gradFill>
+              </a:rPr>
+              <a:t> are sent</a:t>
+            </a:r>
+          </a:p>
+          <a:p>
+            <a:pPr>
+              <a:lnSpc>
+                <a:spcPct val="90000"/>
+              </a:lnSpc>
+              <a:spcAft>
+                <a:spcPts val="600"/>
+              </a:spcAft>
+            </a:pPr>
+            <a:endParaRPr lang="en-US" sz="8800" dirty="0" smtClean="0">
+              <a:gradFill>
+                <a:gsLst>
+                  <a:gs pos="2917">
+                    <a:schemeClr val="tx1"/>
+                  </a:gs>
+                  <a:gs pos="30000">
+                    <a:schemeClr val="tx1"/>
+                  </a:gs>
+                </a:gsLst>
+                <a:lin ang="5400000" scaled="0"/>
+              </a:gradFill>
+            </a:endParaRPr>
+          </a:p>
+          <a:p>
+            <a:pPr marL="1143000" indent="-1143000">
+              <a:lnSpc>
+                <a:spcPct val="90000"/>
+              </a:lnSpc>
+              <a:spcAft>
+                <a:spcPts val="600"/>
+              </a:spcAft>
+              <a:buFont typeface="Arial" panose="020B0604020202020204" pitchFamily="34" charset="0"/>
+              <a:buChar char="•"/>
+            </a:pPr>
+            <a:r>
+              <a:rPr lang="en-US" sz="8800" i="1" dirty="0" smtClean="0">
+                <a:gradFill>
+                  <a:gsLst>
+                    <a:gs pos="2917">
+                      <a:schemeClr val="tx1"/>
+                    </a:gs>
+                    <a:gs pos="30000">
+                      <a:schemeClr val="tx1"/>
+                    </a:gs>
+                  </a:gsLst>
+                  <a:lin ang="5400000" scaled="0"/>
+                </a:gradFill>
+              </a:rPr>
+              <a:t>from</a:t>
+            </a:r>
+            <a:r>
+              <a:rPr lang="en-US" sz="8800" dirty="0" smtClean="0">
+                <a:gradFill>
+                  <a:gsLst>
+                    <a:gs pos="2917">
+                      <a:schemeClr val="tx1"/>
+                    </a:gs>
+                    <a:gs pos="30000">
+                      <a:schemeClr val="tx1"/>
+                    </a:gs>
+                  </a:gsLst>
+                  <a:lin ang="5400000" scaled="0"/>
+                </a:gradFill>
+              </a:rPr>
+              <a:t> the </a:t>
+            </a:r>
+            <a:r>
+              <a:rPr lang="en-US" sz="8800" b="1" dirty="0" smtClean="0">
+                <a:gradFill>
+                  <a:gsLst>
+                    <a:gs pos="2917">
+                      <a:schemeClr val="tx1"/>
+                    </a:gs>
+                    <a:gs pos="30000">
+                      <a:schemeClr val="tx1"/>
+                    </a:gs>
+                  </a:gsLst>
+                  <a:lin ang="5400000" scaled="0"/>
+                </a:gradFill>
+              </a:rPr>
+              <a:t>server</a:t>
+            </a:r>
+          </a:p>
+          <a:p>
+            <a:pPr marL="1143000" indent="-1143000">
+              <a:lnSpc>
+                <a:spcPct val="90000"/>
+              </a:lnSpc>
+              <a:spcAft>
+                <a:spcPts val="600"/>
+              </a:spcAft>
+              <a:buFont typeface="Arial" panose="020B0604020202020204" pitchFamily="34" charset="0"/>
+              <a:buChar char="•"/>
+            </a:pPr>
+            <a:r>
+              <a:rPr lang="en-US" sz="8800" i="1" dirty="0" smtClean="0">
+                <a:gradFill>
+                  <a:gsLst>
+                    <a:gs pos="2917">
+                      <a:schemeClr val="tx1"/>
+                    </a:gs>
+                    <a:gs pos="30000">
+                      <a:schemeClr val="tx1"/>
+                    </a:gs>
+                  </a:gsLst>
+                  <a:lin ang="5400000" scaled="0"/>
+                </a:gradFill>
+              </a:rPr>
+              <a:t>to</a:t>
+            </a:r>
+            <a:r>
+              <a:rPr lang="en-US" sz="8800" dirty="0" smtClean="0">
+                <a:gradFill>
+                  <a:gsLst>
+                    <a:gs pos="2917">
+                      <a:schemeClr val="tx1"/>
+                    </a:gs>
+                    <a:gs pos="30000">
+                      <a:schemeClr val="tx1"/>
+                    </a:gs>
+                  </a:gsLst>
+                  <a:lin ang="5400000" scaled="0"/>
+                </a:gradFill>
+              </a:rPr>
+              <a:t> the </a:t>
+            </a:r>
+            <a:r>
+              <a:rPr lang="en-US" sz="8800" b="1" dirty="0" smtClean="0">
+                <a:gradFill>
+                  <a:gsLst>
+                    <a:gs pos="2917">
+                      <a:schemeClr val="tx1"/>
+                    </a:gs>
+                    <a:gs pos="30000">
+                      <a:schemeClr val="tx1"/>
+                    </a:gs>
+                  </a:gsLst>
+                  <a:lin ang="5400000" scaled="0"/>
+                </a:gradFill>
+              </a:rPr>
+              <a:t>client</a:t>
+            </a:r>
+            <a:endParaRPr lang="en-US" sz="8800" b="1" dirty="0" smtClean="0">
+              <a:gradFill>
+                <a:gsLst>
+                  <a:gs pos="2917">
+                    <a:schemeClr val="tx1"/>
+                  </a:gs>
+                  <a:gs pos="30000">
+                    <a:schemeClr val="tx1"/>
+                  </a:gs>
+                </a:gsLst>
+                <a:lin ang="5400000" scaled="0"/>
+              </a:gradFill>
+            </a:endParaRPr>
+          </a:p>
+        </p:txBody>
+      </p:sp>
+    </p:spTree>
+    <p:extLst>
+      <p:ext uri="{BB962C8B-B14F-4D97-AF65-F5344CB8AC3E}">
+        <p14:creationId xmlns:p14="http://schemas.microsoft.com/office/powerpoint/2010/main" val="1044955682"/>
+      </p:ext>
+    </p:extLst>
+  </p:cSld>
+  <p:clrMapOvr>
+    <a:masterClrMapping/>
+  </p:clrMapOvr>
+  <p:transition>
+    <p:fade/>
+  </p:transition>
+  <p:timing>
+    <p:tnLst>
+      <p:par>
+        <p:cTn id="1" dur="indefinite" restart="never" nodeType="tmRoot"/>
+      </p:par>
+    </p:tnLst>
+  </p:timing>
+</p:sld>
+</file>
+
+<file path=ppt/slides/slide15.xml><?xml version="1.0" encoding="utf-8"?>
 <p:sld xmlns:a="http://schemas.openxmlformats.org/drawingml/2006/main" xmlns:r="http://schemas.openxmlformats.org/officeDocument/2006/relationships" xmlns:p="http://schemas.openxmlformats.org/presentationml/2006/main">
   <p:cSld>
     <p:bg>
@@ -39236,7 +40251,7 @@
 </p:sld>
 </file>
 
-<file path=ppt/slides/slide14.xml><?xml version="1.0" encoding="utf-8"?>
+<file path=ppt/slides/slide16.xml><?xml version="1.0" encoding="utf-8"?>
 <p:sld xmlns:a="http://schemas.openxmlformats.org/drawingml/2006/main" xmlns:r="http://schemas.openxmlformats.org/officeDocument/2006/relationships" xmlns:p="http://schemas.openxmlformats.org/presentationml/2006/main">
   <p:cSld>
     <p:bg>
@@ -39420,7 +40435,23 @@
                   <a:schemeClr val="bg1"/>
                 </a:solidFill>
               </a:rPr>
-              <a:t> tell the requestor the type of the response</a:t>
+              <a:t> tell the </a:t>
+            </a:r>
+            <a:r>
+              <a:rPr lang="en-US" sz="3200" dirty="0" smtClean="0">
+                <a:solidFill>
+                  <a:schemeClr val="bg1"/>
+                </a:solidFill>
+              </a:rPr>
+              <a:t>client </a:t>
+            </a:r>
+            <a:r>
+              <a:rPr lang="en-US" sz="3200" dirty="0" smtClean="0">
+                <a:solidFill>
+                  <a:schemeClr val="bg1"/>
+                </a:solidFill>
+              </a:rPr>
+              <a:t>the type of the response</a:t>
             </a:r>
           </a:p>
         </p:txBody>
@@ -39859,7 +40890,7 @@
 </p:sld>
 </file>
 
-<file path=ppt/slides/slide15.xml><?xml version="1.0" encoding="utf-8"?>
+<file path=ppt/slides/slide17.xml><?xml version="1.0" encoding="utf-8"?>
 <p:sld xmlns:a="http://schemas.openxmlformats.org/drawingml/2006/main" xmlns:r="http://schemas.openxmlformats.org/officeDocument/2006/relationships" xmlns:p="http://schemas.openxmlformats.org/presentationml/2006/main">
   <p:cSld>
     <p:spTree>
@@ -39908,7 +40939,7 @@
           <p:nvPr/>
         </p:nvPicPr>
         <p:blipFill>
-          <a:blip r:embed="rId2"/>
+          <a:blip r:embed="rId3"/>
           <a:stretch>
             <a:fillRect/>
           </a:stretch>
@@ -39983,7 +41014,7 @@
           <p:nvPr/>
         </p:nvPicPr>
         <p:blipFill>
-          <a:blip r:embed="rId3"/>
+          <a:blip r:embed="rId4"/>
           <a:stretch>
             <a:fillRect/>
           </a:stretch>
@@ -40042,7 +41073,7 @@
           <p:nvPr/>
         </p:nvPicPr>
         <p:blipFill>
-          <a:blip r:embed="rId4"/>
+          <a:blip r:embed="rId5"/>
           <a:stretch>
             <a:fillRect/>
           </a:stretch>
@@ -40066,7 +41097,7 @@
           <p:nvPr/>
         </p:nvPicPr>
         <p:blipFill>
-          <a:blip r:embed="rId5"/>
+          <a:blip r:embed="rId6"/>
           <a:stretch>
             <a:fillRect/>
           </a:stretch>
@@ -40139,7 +41170,7 @@
           <p:nvPr/>
         </p:nvPicPr>
         <p:blipFill>
-          <a:blip r:embed="rId6"/>
+          <a:blip r:embed="rId7"/>
           <a:stretch>
             <a:fillRect/>
           </a:stretch>

--- a/HttpOverview/HttpOverview.pptx
+++ b/HttpOverview/HttpOverview.pptx
@@ -5,7 +5,7 @@
     <p:sldMasterId id="2147483648" r:id="rId1"/>
   </p:sldMasterIdLst>
   <p:notesMasterIdLst>
-    <p:notesMasterId r:id="rId19"/>
+    <p:notesMasterId r:id="rId20"/>
   </p:notesMasterIdLst>
   <p:sldIdLst>
     <p:sldId id="258" r:id="rId2"/>
@@ -25,6 +25,7 @@
     <p:sldId id="299" r:id="rId16"/>
     <p:sldId id="296" r:id="rId17"/>
     <p:sldId id="297" r:id="rId18"/>
+    <p:sldId id="302" r:id="rId19"/>
   </p:sldIdLst>
   <p:sldSz cx="12192000" cy="6858000"/>
   <p:notesSz cx="6858000" cy="9144000"/>
@@ -224,7 +225,7 @@
           <a:p>
             <a:fld id="{19104133-B5B0-4351-8158-4F0E5EB1E2BF}" type="datetimeFigureOut">
               <a:rPr lang="en-US" smtClean="0"/>
-              <a:t>2/27/2020</a:t>
+              <a:t>1/20/2021</a:t>
             </a:fld>
             <a:endParaRPr lang="en-US"/>
           </a:p>
@@ -288,38 +289,37 @@
           <a:p>
             <a:pPr lvl="0"/>
             <a:r>
-              <a:rPr lang="en-US" smtClean="0"/>
+              <a:rPr lang="en-US"/>
               <a:t>Edit Master text styles</a:t>
             </a:r>
           </a:p>
           <a:p>
             <a:pPr lvl="1"/>
             <a:r>
-              <a:rPr lang="en-US" smtClean="0"/>
+              <a:rPr lang="en-US"/>
               <a:t>Second level</a:t>
             </a:r>
           </a:p>
           <a:p>
             <a:pPr lvl="2"/>
             <a:r>
-              <a:rPr lang="en-US" smtClean="0"/>
+              <a:rPr lang="en-US"/>
               <a:t>Third level</a:t>
             </a:r>
           </a:p>
           <a:p>
             <a:pPr lvl="3"/>
             <a:r>
-              <a:rPr lang="en-US" smtClean="0"/>
+              <a:rPr lang="en-US"/>
               <a:t>Fourth level</a:t>
             </a:r>
           </a:p>
           <a:p>
             <a:pPr lvl="4"/>
             <a:r>
-              <a:rPr lang="en-US" smtClean="0"/>
+              <a:rPr lang="en-US"/>
               <a:t>Fifth level</a:t>
             </a:r>
-            <a:endParaRPr lang="en-US"/>
           </a:p>
         </p:txBody>
       </p:sp>
@@ -537,10 +537,9 @@
           <a:lstStyle/>
           <a:p>
             <a:r>
-              <a:rPr lang="en-US" dirty="0" smtClean="0"/>
+              <a:rPr lang="en-US" dirty="0"/>
               <a:t>Ask the students this question</a:t>
             </a:r>
-            <a:endParaRPr lang="en-US" dirty="0"/>
           </a:p>
         </p:txBody>
       </p:sp>
@@ -625,95 +624,95 @@
           <a:lstStyle/>
           <a:p>
             <a:r>
-              <a:rPr lang="en-US" dirty="0" smtClean="0"/>
+              <a:rPr lang="en-US" dirty="0"/>
               <a:t>Open</a:t>
             </a:r>
             <a:r>
-              <a:rPr lang="en-US" baseline="0" dirty="0" smtClean="0"/>
+              <a:rPr lang="en-US" baseline="0" dirty="0"/>
               <a:t> the IMDB search link</a:t>
             </a:r>
           </a:p>
           <a:p>
             <a:r>
-              <a:rPr lang="en-US" baseline="0" dirty="0" smtClean="0"/>
+              <a:rPr lang="en-US" baseline="0" dirty="0"/>
               <a:t>Enter the text “Star Wars”</a:t>
             </a:r>
           </a:p>
           <a:p>
             <a:r>
-              <a:rPr lang="en-US" baseline="0" dirty="0" smtClean="0"/>
+              <a:rPr lang="en-US" baseline="0" dirty="0"/>
               <a:t>Check the “TV Series” checkbox</a:t>
             </a:r>
           </a:p>
           <a:p>
             <a:r>
-              <a:rPr lang="en-US" baseline="0" dirty="0" smtClean="0"/>
+              <a:rPr lang="en-US" baseline="0" dirty="0"/>
               <a:t>Click the “Search” button</a:t>
             </a:r>
           </a:p>
           <a:p>
             <a:r>
-              <a:rPr lang="en-US" baseline="0" dirty="0" smtClean="0"/>
+              <a:rPr lang="en-US" baseline="0" dirty="0"/>
               <a:t>Note the results and the updated URL that contains query parameters</a:t>
             </a:r>
           </a:p>
           <a:p>
-            <a:endParaRPr lang="en-US" baseline="0" dirty="0" smtClean="0"/>
+            <a:endParaRPr lang="en-US" baseline="0" dirty="0"/>
           </a:p>
           <a:p>
             <a:r>
-              <a:rPr lang="en-US" baseline="0" dirty="0" smtClean="0"/>
+              <a:rPr lang="en-US" baseline="0" dirty="0"/>
               <a:t>Use a </a:t>
             </a:r>
             <a:r>
-              <a:rPr lang="en-US" b="1" baseline="0" dirty="0" smtClean="0"/>
+              <a:rPr lang="en-US" b="1" baseline="0" dirty="0"/>
               <a:t>question mark</a:t>
             </a:r>
             <a:r>
-              <a:rPr lang="en-US" b="0" baseline="0" dirty="0" smtClean="0"/>
+              <a:rPr lang="en-US" b="0" baseline="0" dirty="0"/>
               <a:t> at the end of the base URL, then the </a:t>
             </a:r>
             <a:r>
-              <a:rPr lang="en-US" b="1" baseline="0" dirty="0" smtClean="0"/>
+              <a:rPr lang="en-US" b="1" baseline="0" dirty="0"/>
               <a:t>parameter name</a:t>
             </a:r>
             <a:r>
-              <a:rPr lang="en-US" b="0" baseline="0" dirty="0" smtClean="0"/>
+              <a:rPr lang="en-US" b="0" baseline="0" dirty="0"/>
               <a:t>, then an </a:t>
             </a:r>
             <a:r>
-              <a:rPr lang="en-US" b="1" baseline="0" dirty="0" smtClean="0"/>
+              <a:rPr lang="en-US" b="1" baseline="0" dirty="0"/>
               <a:t>equals sign</a:t>
             </a:r>
             <a:r>
-              <a:rPr lang="en-US" b="0" baseline="0" dirty="0" smtClean="0"/>
+              <a:rPr lang="en-US" b="0" baseline="0" dirty="0"/>
               <a:t>, then the </a:t>
             </a:r>
             <a:r>
-              <a:rPr lang="en-US" b="1" baseline="0" dirty="0" smtClean="0"/>
+              <a:rPr lang="en-US" b="1" baseline="0" dirty="0"/>
               <a:t>parameter value</a:t>
             </a:r>
             <a:r>
-              <a:rPr lang="en-US" b="0" baseline="0" dirty="0" smtClean="0"/>
+              <a:rPr lang="en-US" b="0" baseline="0" dirty="0"/>
               <a:t> (no spaces)</a:t>
             </a:r>
           </a:p>
           <a:p>
             <a:r>
-              <a:rPr lang="en-US" b="0" baseline="0" dirty="0" smtClean="0"/>
+              <a:rPr lang="en-US" b="0" baseline="0" dirty="0"/>
               <a:t>Multiple parameters are separated by the </a:t>
             </a:r>
             <a:r>
-              <a:rPr lang="en-US" b="1" baseline="0" dirty="0" smtClean="0"/>
+              <a:rPr lang="en-US" b="1" baseline="0" dirty="0"/>
               <a:t>ampersand</a:t>
             </a:r>
           </a:p>
           <a:p>
-            <a:endParaRPr lang="en-US" b="1" baseline="0" dirty="0" smtClean="0"/>
+            <a:endParaRPr lang="en-US" b="1" baseline="0" dirty="0"/>
           </a:p>
           <a:p>
             <a:r>
-              <a:rPr lang="en-US" b="0" baseline="0" dirty="0" smtClean="0"/>
+              <a:rPr lang="en-US" b="0" baseline="0" dirty="0"/>
               <a:t>So now that the request has been sent, what happens next?</a:t>
             </a:r>
             <a:endParaRPr lang="en-US" b="0" dirty="0"/>
@@ -801,15 +800,15 @@
           <a:lstStyle/>
           <a:p>
             <a:r>
-              <a:rPr lang="en-US" b="1" dirty="0" smtClean="0"/>
+              <a:rPr lang="en-US" b="1" dirty="0"/>
               <a:t>Where are responses sent?</a:t>
             </a:r>
             <a:r>
-              <a:rPr lang="en-US" b="0" dirty="0" smtClean="0"/>
+              <a:rPr lang="en-US" b="0" dirty="0"/>
               <a:t> From the server</a:t>
             </a:r>
             <a:r>
-              <a:rPr lang="en-US" b="0" baseline="0" dirty="0" smtClean="0"/>
+              <a:rPr lang="en-US" b="0" baseline="0" dirty="0"/>
               <a:t> to the client.</a:t>
             </a:r>
             <a:endParaRPr lang="en-US" b="1" dirty="0"/>
@@ -897,11 +896,11 @@
           <a:lstStyle/>
           <a:p>
             <a:r>
-              <a:rPr lang="en-US" dirty="0" smtClean="0"/>
+              <a:rPr lang="en-US" dirty="0"/>
               <a:t>To review this important concept,</a:t>
             </a:r>
             <a:r>
-              <a:rPr lang="en-US" baseline="0" dirty="0" smtClean="0"/>
+              <a:rPr lang="en-US" baseline="0" dirty="0"/>
               <a:t> responses are sent from the server to the client.</a:t>
             </a:r>
             <a:endParaRPr lang="en-US" dirty="0"/>
@@ -989,15 +988,11 @@
           <a:lstStyle/>
           <a:p>
             <a:r>
-              <a:rPr lang="en-US" dirty="0" smtClean="0"/>
-              <a:t>This is an </a:t>
+              <a:rPr lang="en-US" dirty="0"/>
+              <a:t>This is an example of</a:t>
             </a:r>
             <a:r>
-              <a:rPr lang="en-US" dirty="0" smtClean="0"/>
-              <a:t>example of</a:t>
-            </a:r>
-            <a:r>
-              <a:rPr lang="en-US" baseline="0" dirty="0" smtClean="0"/>
+              <a:rPr lang="en-US" baseline="0" dirty="0"/>
               <a:t> a response – has anyone seen something like this before?</a:t>
             </a:r>
             <a:endParaRPr lang="en-US" dirty="0"/>
@@ -1085,16 +1080,12 @@
           <a:lstStyle/>
           <a:p>
             <a:r>
-              <a:rPr lang="en-US" dirty="0" smtClean="0"/>
+              <a:rPr lang="en-US" dirty="0"/>
               <a:t>A</a:t>
             </a:r>
             <a:r>
-              <a:rPr lang="en-US" baseline="0" dirty="0" smtClean="0"/>
-              <a:t> status code is the primary piece of information </a:t>
-            </a:r>
-            <a:r>
-              <a:rPr lang="en-US" baseline="0" dirty="0" smtClean="0"/>
-              <a:t>in a response.</a:t>
+              <a:rPr lang="en-US" baseline="0" dirty="0"/>
+              <a:t> status code is the primary piece of information in a response.</a:t>
             </a:r>
             <a:endParaRPr lang="en-US" dirty="0"/>
           </a:p>
@@ -1181,11 +1172,11 @@
           <a:lstStyle/>
           <a:p>
             <a:r>
-              <a:rPr lang="en-US" dirty="0" smtClean="0"/>
+              <a:rPr lang="en-US" dirty="0"/>
               <a:t>Here are</a:t>
             </a:r>
             <a:r>
-              <a:rPr lang="en-US" baseline="0" dirty="0" smtClean="0"/>
+              <a:rPr lang="en-US" baseline="0" dirty="0"/>
               <a:t> some examples of responses. They can come in any number of types, often HTML pages but also other things!</a:t>
             </a:r>
             <a:endParaRPr lang="en-US" dirty="0"/>
@@ -1273,11 +1264,11 @@
           <a:lstStyle/>
           <a:p>
             <a:r>
-              <a:rPr lang="en-US" b="0" dirty="0" smtClean="0"/>
+              <a:rPr lang="en-US" b="0" dirty="0"/>
               <a:t>Ask</a:t>
             </a:r>
             <a:r>
-              <a:rPr lang="en-US" b="0" baseline="0" dirty="0" smtClean="0"/>
+              <a:rPr lang="en-US" b="0" baseline="0" dirty="0"/>
               <a:t> the students this question</a:t>
             </a:r>
             <a:endParaRPr lang="en-US" b="0" dirty="0"/>
@@ -1365,15 +1356,15 @@
           <a:lstStyle/>
           <a:p>
             <a:r>
-              <a:rPr lang="en-US" b="1" dirty="0" smtClean="0"/>
+              <a:rPr lang="en-US" b="1" dirty="0"/>
               <a:t>HTTP </a:t>
             </a:r>
             <a:r>
-              <a:rPr lang="en-US" b="0" dirty="0" smtClean="0"/>
+              <a:rPr lang="en-US" b="0" dirty="0"/>
               <a:t>is</a:t>
             </a:r>
             <a:r>
-              <a:rPr lang="en-US" b="0" baseline="0" dirty="0" smtClean="0"/>
+              <a:rPr lang="en-US" b="0" baseline="0" dirty="0"/>
               <a:t> how the client and server communicate with each other. From the perspective of the full-stack architecture, it goes between the front-end and the back-end</a:t>
             </a:r>
             <a:endParaRPr lang="en-US" b="1" dirty="0"/>
@@ -1461,45 +1452,41 @@
           <a:lstStyle/>
           <a:p>
             <a:r>
-              <a:rPr lang="en-US" dirty="0" smtClean="0"/>
+              <a:rPr lang="en-US" dirty="0"/>
               <a:t>The web</a:t>
             </a:r>
             <a:r>
-              <a:rPr lang="en-US" baseline="0" dirty="0" smtClean="0"/>
+              <a:rPr lang="en-US" baseline="0" dirty="0"/>
               <a:t> browser first </a:t>
             </a:r>
             <a:r>
-              <a:rPr lang="en-US" i="1" baseline="0" dirty="0" smtClean="0"/>
+              <a:rPr lang="en-US" i="1" baseline="0" dirty="0"/>
               <a:t>sends</a:t>
             </a:r>
             <a:r>
-              <a:rPr lang="en-US" i="0" baseline="0" dirty="0" smtClean="0"/>
+              <a:rPr lang="en-US" i="0" baseline="0" dirty="0"/>
               <a:t> an HTTP request. This happens whenever you type in a URL or click a link on the web!</a:t>
             </a:r>
           </a:p>
           <a:p>
-            <a:endParaRPr lang="en-US" i="0" baseline="0" dirty="0" smtClean="0"/>
+            <a:endParaRPr lang="en-US" i="0" baseline="0" dirty="0"/>
           </a:p>
           <a:p>
             <a:r>
-              <a:rPr lang="en-US" i="0" baseline="0" dirty="0" smtClean="0"/>
-              <a:t>This HTTP request contains some information, and is sent to the Host (in this case, www.example.com</a:t>
+              <a:rPr lang="en-US" i="0" baseline="0" dirty="0"/>
+              <a:t>This HTTP request contains some information, and is sent to the Host (in this case, www.example.com).</a:t>
             </a:r>
+          </a:p>
+          <a:p>
+            <a:endParaRPr lang="en-US" i="0" baseline="0" dirty="0"/>
+          </a:p>
+          <a:p>
             <a:r>
-              <a:rPr lang="en-US" i="0" baseline="0" dirty="0" smtClean="0"/>
-              <a:t>).</a:t>
-            </a:r>
-          </a:p>
-          <a:p>
-            <a:endParaRPr lang="en-US" i="0" baseline="0" dirty="0" smtClean="0"/>
-          </a:p>
-          <a:p>
-            <a:r>
-              <a:rPr lang="en-US" i="0" baseline="0" dirty="0" smtClean="0"/>
+              <a:rPr lang="en-US" i="0" baseline="0" dirty="0"/>
               <a:t>Ask the students what the complete URL would be for this request: </a:t>
             </a:r>
             <a:r>
-              <a:rPr lang="en-US" b="1" i="0" baseline="0" dirty="0" smtClean="0"/>
+              <a:rPr lang="en-US" b="1" i="0" baseline="0" dirty="0"/>
               <a:t>www.example.com/index.html.</a:t>
             </a:r>
             <a:endParaRPr lang="en-US" dirty="0"/>
@@ -1587,122 +1574,110 @@
           <a:lstStyle/>
           <a:p>
             <a:r>
-              <a:rPr lang="en-US" dirty="0" smtClean="0"/>
+              <a:rPr lang="en-US" dirty="0"/>
               <a:t>After the host receives</a:t>
             </a:r>
             <a:r>
-              <a:rPr lang="en-US" baseline="0" dirty="0" smtClean="0"/>
+              <a:rPr lang="en-US" baseline="0" dirty="0"/>
               <a:t> the request, it sends back an HTTP response.</a:t>
             </a:r>
           </a:p>
           <a:p>
-            <a:endParaRPr lang="en-US" baseline="0" dirty="0" smtClean="0"/>
+            <a:endParaRPr lang="en-US" baseline="0" dirty="0"/>
           </a:p>
           <a:p>
             <a:r>
-              <a:rPr lang="en-US" baseline="0" dirty="0" smtClean="0"/>
-              <a:t>The HTTP response contains information about the response </a:t>
+              <a:rPr lang="en-US" baseline="0" dirty="0"/>
+              <a:t>The HTTP response contains information about the response along with the actual results. In this case, an HTML page was requested, so an HTML page is sent.</a:t>
             </a:r>
+          </a:p>
+          <a:p>
+            <a:endParaRPr lang="en-US" baseline="0" dirty="0"/>
+          </a:p>
+          <a:p>
             <a:r>
-              <a:rPr lang="en-US" baseline="0" dirty="0" smtClean="0"/>
-              <a:t>along </a:t>
-            </a:r>
-            <a:r>
-              <a:rPr lang="en-US" baseline="0" dirty="0" smtClean="0"/>
-              <a:t>with the actual results. In this case, an HTML page was requested, so an HTML page is </a:t>
-            </a:r>
-            <a:r>
-              <a:rPr lang="en-US" baseline="0" dirty="0" smtClean="0"/>
-              <a:t>sent.</a:t>
-            </a:r>
-          </a:p>
-          <a:p>
-            <a:endParaRPr lang="en-US" baseline="0" dirty="0" smtClean="0"/>
-          </a:p>
-          <a:p>
-            <a:r>
-              <a:rPr lang="en-US" baseline="0" dirty="0" smtClean="0"/>
+              <a:rPr lang="en-US" baseline="0" dirty="0"/>
               <a:t>Ask the students what the status code is for the response</a:t>
             </a:r>
             <a:r>
-              <a:rPr lang="en-US" b="0" baseline="0" dirty="0" smtClean="0"/>
+              <a:rPr lang="en-US" b="0" baseline="0" dirty="0"/>
               <a:t>: </a:t>
             </a:r>
             <a:r>
-              <a:rPr lang="en-US" b="1" baseline="0" dirty="0" smtClean="0"/>
+              <a:rPr lang="en-US" b="1" baseline="0" dirty="0"/>
               <a:t>200</a:t>
             </a:r>
             <a:r>
-              <a:rPr lang="en-US" b="0" baseline="0" dirty="0" smtClean="0"/>
+              <a:rPr lang="en-US" b="0" baseline="0" dirty="0"/>
               <a:t>.</a:t>
             </a:r>
           </a:p>
           <a:p>
             <a:r>
-              <a:rPr lang="en-US" b="0" baseline="0" dirty="0" smtClean="0"/>
+              <a:rPr lang="en-US" b="0" baseline="0" dirty="0"/>
               <a:t>Note the two HTTP headers in the response: </a:t>
             </a:r>
             <a:r>
-              <a:rPr lang="en-US" b="1" baseline="0" dirty="0" smtClean="0"/>
+              <a:rPr lang="en-US" b="1" baseline="0" dirty="0"/>
               <a:t>Content-Type</a:t>
             </a:r>
             <a:r>
-              <a:rPr lang="en-US" b="0" baseline="0" dirty="0" smtClean="0"/>
+              <a:rPr lang="en-US" b="0" baseline="0" dirty="0"/>
               <a:t> and </a:t>
             </a:r>
             <a:r>
-              <a:rPr lang="en-US" b="1" baseline="0" dirty="0" smtClean="0"/>
+              <a:rPr lang="en-US" b="1" baseline="0" dirty="0"/>
               <a:t>Content-Length</a:t>
             </a:r>
             <a:r>
-              <a:rPr lang="en-US" b="0" baseline="0" dirty="0" smtClean="0"/>
+              <a:rPr lang="en-US" b="0" baseline="0" dirty="0"/>
               <a:t>.</a:t>
             </a:r>
           </a:p>
           <a:p>
             <a:r>
-              <a:rPr lang="en-US" b="0" baseline="0" dirty="0" smtClean="0"/>
+              <a:rPr lang="en-US" b="0" baseline="0" dirty="0"/>
               <a:t>Note that the actual HTML is also in the response.</a:t>
             </a:r>
           </a:p>
           <a:p>
-            <a:endParaRPr lang="en-US" b="0" baseline="0" dirty="0" smtClean="0"/>
+            <a:endParaRPr lang="en-US" b="0" baseline="0" dirty="0"/>
           </a:p>
           <a:p>
             <a:r>
-              <a:rPr lang="en-US" b="0" baseline="0" dirty="0" smtClean="0"/>
+              <a:rPr lang="en-US" b="0" baseline="0" dirty="0"/>
               <a:t>Emphasize that the </a:t>
             </a:r>
             <a:r>
-              <a:rPr lang="en-US" b="1" baseline="0" dirty="0" smtClean="0"/>
+              <a:rPr lang="en-US" b="1" baseline="0" dirty="0"/>
               <a:t>client</a:t>
             </a:r>
             <a:r>
-              <a:rPr lang="en-US" b="0" baseline="0" dirty="0" smtClean="0"/>
+              <a:rPr lang="en-US" b="0" baseline="0" dirty="0"/>
               <a:t> sends </a:t>
             </a:r>
             <a:r>
-              <a:rPr lang="en-US" b="1" baseline="0" dirty="0" smtClean="0"/>
+              <a:rPr lang="en-US" b="1" baseline="0" dirty="0"/>
               <a:t>requests</a:t>
             </a:r>
             <a:r>
-              <a:rPr lang="en-US" b="0" baseline="0" dirty="0" smtClean="0"/>
+              <a:rPr lang="en-US" b="0" baseline="0" dirty="0"/>
               <a:t>, and the </a:t>
             </a:r>
             <a:r>
-              <a:rPr lang="en-US" b="1" baseline="0" dirty="0" smtClean="0"/>
+              <a:rPr lang="en-US" b="1" baseline="0" dirty="0"/>
               <a:t>server</a:t>
             </a:r>
             <a:r>
-              <a:rPr lang="en-US" b="0" baseline="0" dirty="0" smtClean="0"/>
+              <a:rPr lang="en-US" b="0" baseline="0" dirty="0"/>
               <a:t> sends </a:t>
             </a:r>
             <a:r>
-              <a:rPr lang="en-US" b="1" baseline="0" dirty="0" smtClean="0"/>
+              <a:rPr lang="en-US" b="1" baseline="0" dirty="0"/>
               <a:t>responses</a:t>
             </a:r>
             <a:r>
-              <a:rPr lang="en-US" b="0" baseline="0" dirty="0" smtClean="0"/>
+              <a:rPr lang="en-US" b="0" baseline="0" dirty="0"/>
               <a:t>.</a:t>
             </a:r>
           </a:p>
@@ -1789,87 +1764,87 @@
           <a:lstStyle/>
           <a:p>
             <a:r>
-              <a:rPr lang="en-US" dirty="0" smtClean="0"/>
+              <a:rPr lang="en-US" dirty="0"/>
               <a:t>Let’s see how this actually</a:t>
             </a:r>
             <a:r>
-              <a:rPr lang="en-US" baseline="0" dirty="0" smtClean="0"/>
+              <a:rPr lang="en-US" baseline="0" dirty="0"/>
               <a:t> looks on the web.</a:t>
             </a:r>
-            <a:endParaRPr lang="en-US" dirty="0" smtClean="0"/>
-          </a:p>
-          <a:p>
-            <a:endParaRPr lang="en-US" dirty="0" smtClean="0"/>
+            <a:endParaRPr lang="en-US" dirty="0"/>
+          </a:p>
+          <a:p>
+            <a:endParaRPr lang="en-US" dirty="0"/>
           </a:p>
           <a:p>
             <a:r>
-              <a:rPr lang="en-US" dirty="0" smtClean="0"/>
+              <a:rPr lang="en-US" dirty="0"/>
               <a:t>Open the</a:t>
             </a:r>
             <a:r>
-              <a:rPr lang="en-US" baseline="0" dirty="0" smtClean="0"/>
+              <a:rPr lang="en-US" baseline="0" dirty="0"/>
               <a:t> link in Google Chrome</a:t>
             </a:r>
           </a:p>
           <a:p>
             <a:r>
-              <a:rPr lang="en-US" baseline="0" dirty="0" smtClean="0"/>
+              <a:rPr lang="en-US" baseline="0" dirty="0"/>
               <a:t>Use </a:t>
             </a:r>
             <a:r>
-              <a:rPr lang="en-US" b="1" baseline="0" dirty="0" smtClean="0"/>
+              <a:rPr lang="en-US" b="1" baseline="0" dirty="0"/>
               <a:t>F12</a:t>
             </a:r>
             <a:r>
-              <a:rPr lang="en-US" b="0" baseline="0" dirty="0" smtClean="0"/>
+              <a:rPr lang="en-US" b="0" baseline="0" dirty="0"/>
               <a:t> to open the developer tools</a:t>
             </a:r>
           </a:p>
           <a:p>
             <a:r>
-              <a:rPr lang="en-US" b="0" baseline="0" dirty="0" smtClean="0"/>
+              <a:rPr lang="en-US" b="0" baseline="0" dirty="0"/>
               <a:t>Go to the </a:t>
             </a:r>
             <a:r>
-              <a:rPr lang="en-US" b="1" baseline="0" dirty="0" smtClean="0"/>
+              <a:rPr lang="en-US" b="1" baseline="0" dirty="0"/>
               <a:t>Network</a:t>
             </a:r>
             <a:r>
-              <a:rPr lang="en-US" b="0" baseline="0" dirty="0" smtClean="0"/>
+              <a:rPr lang="en-US" b="0" baseline="0" dirty="0"/>
               <a:t> tab</a:t>
             </a:r>
           </a:p>
           <a:p>
             <a:r>
-              <a:rPr lang="en-US" b="0" baseline="0" dirty="0" smtClean="0"/>
+              <a:rPr lang="en-US" b="0" baseline="0" dirty="0"/>
               <a:t>Refresh the page</a:t>
             </a:r>
           </a:p>
           <a:p>
             <a:r>
-              <a:rPr lang="en-US" b="0" baseline="0" dirty="0" smtClean="0"/>
+              <a:rPr lang="en-US" b="0" baseline="0" dirty="0"/>
               <a:t>Click on the “sample.html” request</a:t>
             </a:r>
           </a:p>
           <a:p>
             <a:r>
-              <a:rPr lang="en-US" b="0" baseline="0" dirty="0" smtClean="0"/>
+              <a:rPr lang="en-US" b="0" baseline="0" dirty="0"/>
               <a:t>Click on “view source” for the </a:t>
             </a:r>
             <a:r>
-              <a:rPr lang="en-US" b="1" baseline="0" dirty="0" smtClean="0"/>
+              <a:rPr lang="en-US" b="1" baseline="0" dirty="0"/>
               <a:t>Response Headers</a:t>
             </a:r>
             <a:r>
-              <a:rPr lang="en-US" b="0" baseline="0" dirty="0" smtClean="0"/>
+              <a:rPr lang="en-US" b="0" baseline="0" dirty="0"/>
               <a:t> and </a:t>
             </a:r>
             <a:r>
-              <a:rPr lang="en-US" b="1" baseline="0" dirty="0" smtClean="0"/>
+              <a:rPr lang="en-US" b="1" baseline="0" dirty="0"/>
               <a:t>Request Headers</a:t>
             </a:r>
             <a:r>
-              <a:rPr lang="en-US" b="0" baseline="0" dirty="0" smtClean="0"/>
+              <a:rPr lang="en-US" b="0" baseline="0" dirty="0"/>
               <a:t> to see the raw HTTP</a:t>
             </a:r>
             <a:endParaRPr lang="en-US" dirty="0"/>
@@ -1957,16 +1932,16 @@
           <a:lstStyle/>
           <a:p>
             <a:r>
-              <a:rPr lang="en-US" dirty="0" smtClean="0"/>
+              <a:rPr lang="en-US" dirty="0"/>
               <a:t>Let’s talk a little bit</a:t>
             </a:r>
             <a:r>
-              <a:rPr lang="en-US" baseline="0" dirty="0" smtClean="0"/>
+              <a:rPr lang="en-US" baseline="0" dirty="0"/>
               <a:t> more about requests.</a:t>
             </a:r>
           </a:p>
           <a:p>
-            <a:endParaRPr lang="en-US" baseline="0" dirty="0" smtClean="0"/>
+            <a:endParaRPr lang="en-US" baseline="0" dirty="0"/>
           </a:p>
           <a:p>
             <a:pPr marL="0" marR="0" lvl="0" indent="0" algn="l" defTabSz="914400" rtl="0" eaLnBrk="1" fontAlgn="auto" latinLnBrk="0" hangingPunct="1">
@@ -1987,18 +1962,18 @@
               <a:defRPr/>
             </a:pPr>
             <a:r>
-              <a:rPr lang="en-US" b="1" dirty="0" smtClean="0"/>
+              <a:rPr lang="en-US" b="1" dirty="0"/>
               <a:t>Where are requests</a:t>
             </a:r>
             <a:r>
-              <a:rPr lang="en-US" b="1" baseline="0" dirty="0" smtClean="0"/>
+              <a:rPr lang="en-US" b="1" baseline="0" dirty="0"/>
               <a:t> sent?</a:t>
             </a:r>
             <a:r>
-              <a:rPr lang="en-US" b="0" baseline="0" dirty="0" smtClean="0"/>
+              <a:rPr lang="en-US" b="0" baseline="0" dirty="0"/>
               <a:t> From the client to the server.</a:t>
             </a:r>
-            <a:endParaRPr lang="en-US" b="1" dirty="0" smtClean="0"/>
+            <a:endParaRPr lang="en-US" b="1" dirty="0"/>
           </a:p>
         </p:txBody>
       </p:sp>
@@ -2083,10 +2058,9 @@
           <a:lstStyle/>
           <a:p>
             <a:r>
-              <a:rPr lang="en-US" dirty="0" smtClean="0"/>
+              <a:rPr lang="en-US" dirty="0"/>
               <a:t>Just to review this important piece of information, requests are sent from the client to the server.</a:t>
             </a:r>
-            <a:endParaRPr lang="en-US" dirty="0"/>
           </a:p>
         </p:txBody>
       </p:sp>
@@ -2171,11 +2145,11 @@
           <a:lstStyle/>
           <a:p>
             <a:r>
-              <a:rPr lang="en-US" b="0" dirty="0" smtClean="0"/>
+              <a:rPr lang="en-US" b="0" dirty="0"/>
               <a:t>Talk about GET requests</a:t>
             </a:r>
             <a:r>
-              <a:rPr lang="en-US" b="0" baseline="0" dirty="0" smtClean="0"/>
+              <a:rPr lang="en-US" b="0" baseline="0" dirty="0"/>
               <a:t> and POST requests</a:t>
             </a:r>
             <a:endParaRPr lang="en-US" b="0" dirty="0"/>
@@ -2358,15 +2332,7 @@
           <a:p>
             <a:r>
               <a:rPr lang="en-US" dirty="0"/>
-              <a:t>Click to edit Master </a:t>
-            </a:r>
-            <a:r>
-              <a:rPr lang="en-US" dirty="0" smtClean="0"/>
-              <a:t>subtitle </a:t>
-            </a:r>
-            <a:r>
-              <a:rPr lang="en-US" dirty="0"/>
-              <a:t>style</a:t>
+              <a:t>Click to edit Master subtitle style</a:t>
             </a:r>
           </a:p>
         </p:txBody>
@@ -2408,7 +2374,7 @@
             <a:fld id="{1C2D31DE-C454-491C-B5C3-F097855E3DF7}" type="datetime4">
               <a:rPr lang="en-US" smtClean="0"/>
               <a:pPr/>
-              <a:t>February 27, 2020</a:t>
+              <a:t>January 20, 2021</a:t>
             </a:fld>
             <a:endParaRPr lang="en-US" dirty="0"/>
           </a:p>
@@ -5482,17 +5448,16 @@
           <a:p>
             <a:pPr lvl="0"/>
             <a:r>
-              <a:rPr lang="en-US" dirty="0" smtClean="0"/>
+              <a:rPr lang="en-US" dirty="0"/>
               <a:t>Presenter Name</a:t>
             </a:r>
             <a:br>
-              <a:rPr lang="en-US" dirty="0" smtClean="0"/>
+              <a:rPr lang="en-US" dirty="0"/>
             </a:br>
             <a:r>
-              <a:rPr lang="en-US" dirty="0" smtClean="0"/>
+              <a:rPr lang="en-US" dirty="0"/>
               <a:t>Presenter Title</a:t>
             </a:r>
-            <a:endParaRPr lang="en-US" dirty="0"/>
           </a:p>
         </p:txBody>
       </p:sp>
@@ -5509,13 +5474,6 @@
   <p:transition>
     <p:fade/>
   </p:transition>
-  <p:timing>
-    <p:tnLst>
-      <p:par>
-        <p:cTn id="1" dur="indefinite" restart="never" nodeType="tmRoot"/>
-      </p:par>
-    </p:tnLst>
-  </p:timing>
   <p:hf sldNum="0" hdr="0" ftr="0"/>
 </p:sldLayout>
 </file>
@@ -5808,7 +5766,7 @@
           <a:p>
             <a:fld id="{5958763E-B898-436D-883D-03711491D54A}" type="datetimeFigureOut">
               <a:rPr lang="en-US" smtClean="0"/>
-              <a:t>2/27/2020</a:t>
+              <a:t>1/20/2021</a:t>
             </a:fld>
             <a:endParaRPr lang="en-US"/>
           </a:p>
@@ -5881,13 +5839,6 @@
   <p:transition>
     <p:fade/>
   </p:transition>
-  <p:timing>
-    <p:tnLst>
-      <p:par>
-        <p:cTn id="1" dur="indefinite" restart="never" nodeType="tmRoot"/>
-      </p:par>
-    </p:tnLst>
-  </p:timing>
 </p:sldLayout>
 </file>
 
@@ -5936,10 +5887,9 @@
           </a:lstStyle>
           <a:p>
             <a:r>
-              <a:rPr lang="en-US" dirty="0" smtClean="0"/>
+              <a:rPr lang="en-US" dirty="0"/>
               <a:t>Click icon to add picture</a:t>
             </a:r>
-            <a:endParaRPr lang="en-US" dirty="0"/>
           </a:p>
         </p:txBody>
       </p:sp>
@@ -6009,7 +5959,7 @@
           <a:p>
             <a:fld id="{5958763E-B898-436D-883D-03711491D54A}" type="datetimeFigureOut">
               <a:rPr lang="en-US" smtClean="0"/>
-              <a:t>2/27/2020</a:t>
+              <a:t>1/20/2021</a:t>
             </a:fld>
             <a:endParaRPr lang="en-US"/>
           </a:p>
@@ -6082,13 +6032,6 @@
   <p:transition>
     <p:fade/>
   </p:transition>
-  <p:timing>
-    <p:tnLst>
-      <p:par>
-        <p:cTn id="1" dur="indefinite" restart="never" nodeType="tmRoot"/>
-      </p:par>
-    </p:tnLst>
-  </p:timing>
 </p:sldLayout>
 </file>
 
@@ -6266,7 +6209,7 @@
           <a:p>
             <a:fld id="{5958763E-B898-436D-883D-03711491D54A}" type="datetimeFigureOut">
               <a:rPr lang="en-US" smtClean="0"/>
-              <a:t>2/27/2020</a:t>
+              <a:t>1/20/2021</a:t>
             </a:fld>
             <a:endParaRPr lang="en-US"/>
           </a:p>
@@ -6339,13 +6282,6 @@
   <p:transition>
     <p:fade/>
   </p:transition>
-  <p:timing>
-    <p:tnLst>
-      <p:par>
-        <p:cTn id="1" dur="indefinite" restart="never" nodeType="tmRoot"/>
-      </p:par>
-    </p:tnLst>
-  </p:timing>
 </p:sldLayout>
 </file>
 
@@ -6621,7 +6557,7 @@
           <a:p>
             <a:fld id="{5958763E-B898-436D-883D-03711491D54A}" type="datetimeFigureOut">
               <a:rPr lang="en-US" smtClean="0"/>
-              <a:t>2/27/2020</a:t>
+              <a:t>1/20/2021</a:t>
             </a:fld>
             <a:endParaRPr lang="en-US"/>
           </a:p>
@@ -6682,13 +6618,6 @@
   <p:transition>
     <p:fade/>
   </p:transition>
-  <p:timing>
-    <p:tnLst>
-      <p:par>
-        <p:cTn id="1" dur="indefinite" restart="never" nodeType="tmRoot"/>
-      </p:par>
-    </p:tnLst>
-  </p:timing>
 </p:sldLayout>
 </file>
 
@@ -7044,7 +6973,7 @@
           <a:p>
             <a:fld id="{5958763E-B898-436D-883D-03711491D54A}" type="datetimeFigureOut">
               <a:rPr lang="en-US" smtClean="0"/>
-              <a:t>2/27/2020</a:t>
+              <a:t>1/20/2021</a:t>
             </a:fld>
             <a:endParaRPr lang="en-US"/>
           </a:p>
@@ -7105,13 +7034,6 @@
   <p:transition>
     <p:fade/>
   </p:transition>
-  <p:timing>
-    <p:tnLst>
-      <p:par>
-        <p:cTn id="1" dur="indefinite" restart="never" nodeType="tmRoot"/>
-      </p:par>
-    </p:tnLst>
-  </p:timing>
 </p:sldLayout>
 </file>
 
@@ -7552,7 +7474,7 @@
           <a:p>
             <a:fld id="{5958763E-B898-436D-883D-03711491D54A}" type="datetimeFigureOut">
               <a:rPr lang="en-US" smtClean="0"/>
-              <a:t>2/27/2020</a:t>
+              <a:t>1/20/2021</a:t>
             </a:fld>
             <a:endParaRPr lang="en-US"/>
           </a:p>
@@ -7613,13 +7535,6 @@
   <p:transition>
     <p:fade/>
   </p:transition>
-  <p:timing>
-    <p:tnLst>
-      <p:par>
-        <p:cTn id="1" dur="indefinite" restart="never" nodeType="tmRoot"/>
-      </p:par>
-    </p:tnLst>
-  </p:timing>
 </p:sldLayout>
 </file>
 
@@ -8010,7 +7925,7 @@
           <a:p>
             <a:fld id="{5958763E-B898-436D-883D-03711491D54A}" type="datetimeFigureOut">
               <a:rPr lang="en-US" smtClean="0"/>
-              <a:t>2/27/2020</a:t>
+              <a:t>1/20/2021</a:t>
             </a:fld>
             <a:endParaRPr lang="en-US"/>
           </a:p>
@@ -8071,13 +7986,6 @@
   <p:transition>
     <p:fade/>
   </p:transition>
-  <p:timing>
-    <p:tnLst>
-      <p:par>
-        <p:cTn id="1" dur="indefinite" restart="never" nodeType="tmRoot"/>
-      </p:par>
-    </p:tnLst>
-  </p:timing>
 </p:sldLayout>
 </file>
 
@@ -8628,7 +8536,7 @@
           <a:p>
             <a:fld id="{5958763E-B898-436D-883D-03711491D54A}" type="datetimeFigureOut">
               <a:rPr lang="en-US" smtClean="0"/>
-              <a:t>2/27/2020</a:t>
+              <a:t>1/20/2021</a:t>
             </a:fld>
             <a:endParaRPr lang="en-US"/>
           </a:p>
@@ -8689,13 +8597,6 @@
   <p:transition>
     <p:fade/>
   </p:transition>
-  <p:timing>
-    <p:tnLst>
-      <p:par>
-        <p:cTn id="1" dur="indefinite" restart="never" nodeType="tmRoot"/>
-      </p:par>
-    </p:tnLst>
-  </p:timing>
 </p:sldLayout>
 </file>
 
@@ -9406,7 +9307,7 @@
           <a:p>
             <a:fld id="{5958763E-B898-436D-883D-03711491D54A}" type="datetimeFigureOut">
               <a:rPr lang="en-US" smtClean="0"/>
-              <a:t>2/27/2020</a:t>
+              <a:t>1/20/2021</a:t>
             </a:fld>
             <a:endParaRPr lang="en-US"/>
           </a:p>
@@ -9467,13 +9368,6 @@
   <p:transition>
     <p:fade/>
   </p:transition>
-  <p:timing>
-    <p:tnLst>
-      <p:par>
-        <p:cTn id="1" dur="indefinite" restart="never" nodeType="tmRoot"/>
-      </p:par>
-    </p:tnLst>
-  </p:timing>
 </p:sldLayout>
 </file>
 
@@ -9517,7 +9411,7 @@
           <a:p>
             <a:fld id="{5958763E-B898-436D-883D-03711491D54A}" type="datetimeFigureOut">
               <a:rPr lang="en-US" smtClean="0"/>
-              <a:t>2/27/2020</a:t>
+              <a:t>1/20/2021</a:t>
             </a:fld>
             <a:endParaRPr lang="en-US"/>
           </a:p>
@@ -9590,13 +9484,6 @@
   <p:transition>
     <p:fade/>
   </p:transition>
-  <p:timing>
-    <p:tnLst>
-      <p:par>
-        <p:cTn id="1" dur="indefinite" restart="never" nodeType="tmRoot"/>
-      </p:par>
-    </p:tnLst>
-  </p:timing>
 </p:sldLayout>
 </file>
 
@@ -9676,7 +9563,7 @@
                 <a:spcPct val="0"/>
               </a:spcAft>
             </a:pPr>
-            <a:endParaRPr lang="en-US" sz="2400" dirty="0" err="1" smtClean="0">
+            <a:endParaRPr lang="en-US" sz="2400" dirty="0" err="1">
               <a:gradFill>
                 <a:gsLst>
                   <a:gs pos="0">
@@ -9809,15 +9696,7 @@
           <a:p>
             <a:r>
               <a:rPr lang="en-US" dirty="0"/>
-              <a:t>Click to edit Master </a:t>
-            </a:r>
-            <a:r>
-              <a:rPr lang="en-US" dirty="0" smtClean="0"/>
-              <a:t>subtitle </a:t>
-            </a:r>
-            <a:r>
-              <a:rPr lang="en-US" dirty="0"/>
-              <a:t>style</a:t>
+              <a:t>Click to edit Master subtitle style</a:t>
             </a:r>
           </a:p>
         </p:txBody>
@@ -9859,7 +9738,7 @@
             <a:fld id="{1C2D31DE-C454-491C-B5C3-F097855E3DF7}" type="datetime4">
               <a:rPr lang="en-US" smtClean="0"/>
               <a:pPr/>
-              <a:t>February 27, 2020</a:t>
+              <a:t>January 20, 2021</a:t>
             </a:fld>
             <a:endParaRPr lang="en-US" dirty="0"/>
           </a:p>
@@ -12933,17 +12812,16 @@
           <a:p>
             <a:pPr lvl="0"/>
             <a:r>
-              <a:rPr lang="en-US" dirty="0" smtClean="0"/>
+              <a:rPr lang="en-US" dirty="0"/>
               <a:t>Presenter Name</a:t>
             </a:r>
             <a:br>
-              <a:rPr lang="en-US" dirty="0" smtClean="0"/>
+              <a:rPr lang="en-US" dirty="0"/>
             </a:br>
             <a:r>
-              <a:rPr lang="en-US" dirty="0" smtClean="0"/>
+              <a:rPr lang="en-US" dirty="0"/>
               <a:t>Presenter Title</a:t>
             </a:r>
-            <a:endParaRPr lang="en-US" dirty="0"/>
           </a:p>
         </p:txBody>
       </p:sp>
@@ -12960,13 +12838,6 @@
   <p:transition>
     <p:fade/>
   </p:transition>
-  <p:timing>
-    <p:tnLst>
-      <p:par>
-        <p:cTn id="1" dur="indefinite" restart="never" nodeType="tmRoot"/>
-      </p:par>
-    </p:tnLst>
-  </p:timing>
   <p:hf sldNum="0" hdr="0" ftr="0"/>
 </p:sldLayout>
 </file>
@@ -13019,7 +12890,7 @@
           <a:p>
             <a:fld id="{5958763E-B898-436D-883D-03711491D54A}" type="datetimeFigureOut">
               <a:rPr lang="en-US" smtClean="0"/>
-              <a:t>2/27/2020</a:t>
+              <a:t>1/20/2021</a:t>
             </a:fld>
             <a:endParaRPr lang="en-US"/>
           </a:p>
@@ -13092,13 +12963,6 @@
   <p:transition>
     <p:fade/>
   </p:transition>
-  <p:timing>
-    <p:tnLst>
-      <p:par>
-        <p:cTn id="1" dur="indefinite" restart="never" nodeType="tmRoot"/>
-      </p:par>
-    </p:tnLst>
-  </p:timing>
 </p:sldLayout>
 </file>
 
@@ -13150,7 +13014,7 @@
           <a:p>
             <a:fld id="{5958763E-B898-436D-883D-03711491D54A}" type="datetimeFigureOut">
               <a:rPr lang="en-US" smtClean="0"/>
-              <a:t>2/27/2020</a:t>
+              <a:t>1/20/2021</a:t>
             </a:fld>
             <a:endParaRPr lang="en-US"/>
           </a:p>
@@ -13223,13 +13087,6 @@
   <p:transition>
     <p:fade/>
   </p:transition>
-  <p:timing>
-    <p:tnLst>
-      <p:par>
-        <p:cTn id="1" dur="indefinite" restart="never" nodeType="tmRoot"/>
-      </p:par>
-    </p:tnLst>
-  </p:timing>
 </p:sldLayout>
 </file>
 
@@ -13281,7 +13138,7 @@
           <a:p>
             <a:fld id="{5958763E-B898-436D-883D-03711491D54A}" type="datetimeFigureOut">
               <a:rPr lang="en-US" smtClean="0"/>
-              <a:t>2/27/2020</a:t>
+              <a:t>1/20/2021</a:t>
             </a:fld>
             <a:endParaRPr lang="en-US"/>
           </a:p>
@@ -13354,13 +13211,6 @@
   <p:transition>
     <p:fade/>
   </p:transition>
-  <p:timing>
-    <p:tnLst>
-      <p:par>
-        <p:cTn id="1" dur="indefinite" restart="never" nodeType="tmRoot"/>
-      </p:par>
-    </p:tnLst>
-  </p:timing>
 </p:sldLayout>
 </file>
 
@@ -13412,7 +13262,7 @@
           <a:p>
             <a:fld id="{5958763E-B898-436D-883D-03711491D54A}" type="datetimeFigureOut">
               <a:rPr lang="en-US" smtClean="0"/>
-              <a:t>2/27/2020</a:t>
+              <a:t>1/20/2021</a:t>
             </a:fld>
             <a:endParaRPr lang="en-US"/>
           </a:p>
@@ -13485,13 +13335,6 @@
   <p:transition>
     <p:fade/>
   </p:transition>
-  <p:timing>
-    <p:tnLst>
-      <p:par>
-        <p:cTn id="1" dur="indefinite" restart="never" nodeType="tmRoot"/>
-      </p:par>
-    </p:tnLst>
-  </p:timing>
 </p:sldLayout>
 </file>
 
@@ -13543,7 +13386,7 @@
           <a:p>
             <a:fld id="{5958763E-B898-436D-883D-03711491D54A}" type="datetimeFigureOut">
               <a:rPr lang="en-US" smtClean="0"/>
-              <a:t>2/27/2020</a:t>
+              <a:t>1/20/2021</a:t>
             </a:fld>
             <a:endParaRPr lang="en-US"/>
           </a:p>
@@ -13616,13 +13459,6 @@
   <p:transition>
     <p:fade/>
   </p:transition>
-  <p:timing>
-    <p:tnLst>
-      <p:par>
-        <p:cTn id="1" dur="indefinite" restart="never" nodeType="tmRoot"/>
-      </p:par>
-    </p:tnLst>
-  </p:timing>
 </p:sldLayout>
 </file>
 
@@ -13674,7 +13510,7 @@
           <a:p>
             <a:fld id="{5958763E-B898-436D-883D-03711491D54A}" type="datetimeFigureOut">
               <a:rPr lang="en-US" smtClean="0"/>
-              <a:t>2/27/2020</a:t>
+              <a:t>1/20/2021</a:t>
             </a:fld>
             <a:endParaRPr lang="en-US"/>
           </a:p>
@@ -13747,13 +13583,6 @@
   <p:transition>
     <p:fade/>
   </p:transition>
-  <p:timing>
-    <p:tnLst>
-      <p:par>
-        <p:cTn id="1" dur="indefinite" restart="never" nodeType="tmRoot"/>
-      </p:par>
-    </p:tnLst>
-  </p:timing>
 </p:sldLayout>
 </file>
 
@@ -13805,7 +13634,7 @@
           <a:p>
             <a:fld id="{5958763E-B898-436D-883D-03711491D54A}" type="datetimeFigureOut">
               <a:rPr lang="en-US" smtClean="0"/>
-              <a:t>2/27/2020</a:t>
+              <a:t>1/20/2021</a:t>
             </a:fld>
             <a:endParaRPr lang="en-US"/>
           </a:p>
@@ -13878,13 +13707,6 @@
   <p:transition>
     <p:fade/>
   </p:transition>
-  <p:timing>
-    <p:tnLst>
-      <p:par>
-        <p:cTn id="1" dur="indefinite" restart="never" nodeType="tmRoot"/>
-      </p:par>
-    </p:tnLst>
-  </p:timing>
 </p:sldLayout>
 </file>
 
@@ -13936,7 +13758,7 @@
           <a:p>
             <a:fld id="{5958763E-B898-436D-883D-03711491D54A}" type="datetimeFigureOut">
               <a:rPr lang="en-US" smtClean="0"/>
-              <a:t>2/27/2020</a:t>
+              <a:t>1/20/2021</a:t>
             </a:fld>
             <a:endParaRPr lang="en-US"/>
           </a:p>
@@ -14009,13 +13831,6 @@
   <p:transition>
     <p:fade/>
   </p:transition>
-  <p:timing>
-    <p:tnLst>
-      <p:par>
-        <p:cTn id="1" dur="indefinite" restart="never" nodeType="tmRoot"/>
-      </p:par>
-    </p:tnLst>
-  </p:timing>
 </p:sldLayout>
 </file>
 
@@ -14076,7 +13891,7 @@
           <a:p>
             <a:fld id="{5958763E-B898-436D-883D-03711491D54A}" type="datetimeFigureOut">
               <a:rPr lang="en-US" smtClean="0"/>
-              <a:t>2/27/2020</a:t>
+              <a:t>1/20/2021</a:t>
             </a:fld>
             <a:endParaRPr lang="en-US"/>
           </a:p>
@@ -14149,13 +13964,6 @@
   <p:transition>
     <p:fade/>
   </p:transition>
-  <p:timing>
-    <p:tnLst>
-      <p:par>
-        <p:cTn id="1" dur="indefinite" restart="never" nodeType="tmRoot"/>
-      </p:par>
-    </p:tnLst>
-  </p:timing>
 </p:sldLayout>
 </file>
 
@@ -17157,13 +16965,6 @@
   <p:transition>
     <p:fade/>
   </p:transition>
-  <p:timing>
-    <p:tnLst>
-      <p:par>
-        <p:cTn id="1" dur="indefinite" restart="never" nodeType="tmRoot"/>
-      </p:par>
-    </p:tnLst>
-  </p:timing>
 </p:sldLayout>
 </file>
 
@@ -17251,7 +17052,7 @@
                 <a:spcPct val="0"/>
               </a:spcAft>
             </a:pPr>
-            <a:endParaRPr lang="en-US" sz="2400" dirty="0" err="1" smtClean="0">
+            <a:endParaRPr lang="en-US" sz="2400" dirty="0" err="1">
               <a:gradFill>
                 <a:gsLst>
                   <a:gs pos="0">
@@ -17387,15 +17188,7 @@
           <a:p>
             <a:r>
               <a:rPr lang="en-US" dirty="0"/>
-              <a:t>Click to edit Master </a:t>
-            </a:r>
-            <a:r>
-              <a:rPr lang="en-US" dirty="0" smtClean="0"/>
-              <a:t>subtitle </a:t>
-            </a:r>
-            <a:r>
-              <a:rPr lang="en-US" dirty="0"/>
-              <a:t>style</a:t>
+              <a:t>Click to edit Master subtitle style</a:t>
             </a:r>
           </a:p>
         </p:txBody>
@@ -17437,7 +17230,7 @@
             <a:fld id="{1C2D31DE-C454-491C-B5C3-F097855E3DF7}" type="datetime4">
               <a:rPr lang="en-US" smtClean="0"/>
               <a:pPr/>
-              <a:t>February 27, 2020</a:t>
+              <a:t>January 20, 2021</a:t>
             </a:fld>
             <a:endParaRPr lang="en-US" dirty="0"/>
           </a:p>
@@ -20519,17 +20312,16 @@
           <a:p>
             <a:pPr lvl="0"/>
             <a:r>
-              <a:rPr lang="en-US" dirty="0" smtClean="0"/>
+              <a:rPr lang="en-US" dirty="0"/>
               <a:t>Presenter Name</a:t>
             </a:r>
             <a:br>
-              <a:rPr lang="en-US" dirty="0" smtClean="0"/>
+              <a:rPr lang="en-US" dirty="0"/>
             </a:br>
             <a:r>
-              <a:rPr lang="en-US" dirty="0" smtClean="0"/>
+              <a:rPr lang="en-US" dirty="0"/>
               <a:t>Presenter Title</a:t>
             </a:r>
-            <a:endParaRPr lang="en-US" dirty="0"/>
           </a:p>
         </p:txBody>
       </p:sp>
@@ -20546,13 +20338,6 @@
   <p:transition>
     <p:fade/>
   </p:transition>
-  <p:timing>
-    <p:tnLst>
-      <p:par>
-        <p:cTn id="1" dur="indefinite" restart="never" nodeType="tmRoot"/>
-      </p:par>
-    </p:tnLst>
-  </p:timing>
   <p:hf sldNum="0" hdr="0" ftr="0"/>
 </p:sldLayout>
 </file>
@@ -28062,10 +27847,9 @@
           <a:p>
             <a:pPr lvl="0"/>
             <a:r>
-              <a:rPr lang="en-US" dirty="0" smtClean="0"/>
+              <a:rPr lang="en-US" dirty="0"/>
               <a:t>&lt;Call to action&gt;</a:t>
             </a:r>
-            <a:endParaRPr lang="en-US" dirty="0"/>
           </a:p>
         </p:txBody>
       </p:sp>
@@ -29682,7 +29466,7 @@
           <a:p>
             <a:fld id="{5958763E-B898-436D-883D-03711491D54A}" type="datetimeFigureOut">
               <a:rPr lang="en-US" smtClean="0"/>
-              <a:t>2/27/2020</a:t>
+              <a:t>1/20/2021</a:t>
             </a:fld>
             <a:endParaRPr lang="en-US"/>
           </a:p>
@@ -29809,7 +29593,7 @@
                 <a:spcPct val="0"/>
               </a:spcAft>
             </a:pPr>
-            <a:endParaRPr lang="en-US" sz="2400" dirty="0" err="1" smtClean="0">
+            <a:endParaRPr lang="en-US" sz="2400" dirty="0" err="1">
               <a:gradFill>
                 <a:gsLst>
                   <a:gs pos="0">
@@ -29840,13 +29624,6 @@
   <p:transition>
     <p:fade/>
   </p:transition>
-  <p:timing>
-    <p:tnLst>
-      <p:par>
-        <p:cTn id="1" dur="indefinite" restart="never" nodeType="tmRoot"/>
-      </p:par>
-    </p:tnLst>
-  </p:timing>
 </p:sldLayout>
 </file>
 
@@ -30091,7 +29868,7 @@
           <a:p>
             <a:fld id="{5958763E-B898-436D-883D-03711491D54A}" type="datetimeFigureOut">
               <a:rPr lang="en-US" smtClean="0"/>
-              <a:t>2/27/2020</a:t>
+              <a:t>1/20/2021</a:t>
             </a:fld>
             <a:endParaRPr lang="en-US"/>
           </a:p>
@@ -30164,13 +29941,6 @@
   <p:transition>
     <p:fade/>
   </p:transition>
-  <p:timing>
-    <p:tnLst>
-      <p:par>
-        <p:cTn id="1" dur="indefinite" restart="never" nodeType="tmRoot"/>
-      </p:par>
-    </p:tnLst>
-  </p:timing>
 </p:sldLayout>
 </file>
 
@@ -30392,7 +30162,7 @@
           <a:p>
             <a:fld id="{5958763E-B898-436D-883D-03711491D54A}" type="datetimeFigureOut">
               <a:rPr lang="en-US" smtClean="0"/>
-              <a:t>2/27/2020</a:t>
+              <a:t>1/20/2021</a:t>
             </a:fld>
             <a:endParaRPr lang="en-US"/>
           </a:p>
@@ -30465,13 +30235,6 @@
   <p:transition>
     <p:fade/>
   </p:transition>
-  <p:timing>
-    <p:tnLst>
-      <p:par>
-        <p:cTn id="1" dur="indefinite" restart="never" nodeType="tmRoot"/>
-      </p:par>
-    </p:tnLst>
-  </p:timing>
 </p:sldLayout>
 </file>
 
@@ -30600,7 +30363,7 @@
           <a:p>
             <a:fld id="{5958763E-B898-436D-883D-03711491D54A}" type="datetimeFigureOut">
               <a:rPr lang="en-US" smtClean="0"/>
-              <a:t>2/27/2020</a:t>
+              <a:t>1/20/2021</a:t>
             </a:fld>
             <a:endParaRPr lang="en-US"/>
           </a:p>
@@ -30723,13 +30486,6 @@
   <p:transition>
     <p:fade/>
   </p:transition>
-  <p:timing>
-    <p:tnLst>
-      <p:par>
-        <p:cTn id="1" dur="indefinite" restart="never" nodeType="tmRoot"/>
-      </p:par>
-    </p:tnLst>
-  </p:timing>
 </p:sldLayout>
 </file>
 
@@ -30868,7 +30624,7 @@
           <a:p>
             <a:fld id="{5958763E-B898-436D-883D-03711491D54A}" type="datetimeFigureOut">
               <a:rPr lang="en-US" smtClean="0"/>
-              <a:t>2/27/2020</a:t>
+              <a:t>1/20/2021</a:t>
             </a:fld>
             <a:endParaRPr lang="en-US"/>
           </a:p>
@@ -30995,13 +30751,6 @@
   <p:transition>
     <p:fade/>
   </p:transition>
-  <p:timing>
-    <p:tnLst>
-      <p:par>
-        <p:cTn id="1" dur="indefinite" restart="never" nodeType="tmRoot"/>
-      </p:par>
-    </p:tnLst>
-  </p:timing>
 </p:sldLayout>
 </file>
 
@@ -31163,7 +30912,7 @@
                 <a:spcPct val="0"/>
               </a:spcAft>
             </a:pPr>
-            <a:endParaRPr lang="en-US" sz="2400" dirty="0" err="1" smtClean="0">
+            <a:endParaRPr lang="en-US" sz="2400" dirty="0" err="1">
               <a:gradFill>
                 <a:gsLst>
                   <a:gs pos="0">
@@ -31214,10 +30963,9 @@
           </a:lstStyle>
           <a:p>
             <a:r>
-              <a:rPr lang="en-US" dirty="0" smtClean="0"/>
+              <a:rPr lang="en-US" dirty="0"/>
               <a:t>Type “Agenda”</a:t>
             </a:r>
-            <a:endParaRPr lang="en-US" dirty="0"/>
           </a:p>
         </p:txBody>
       </p:sp>
@@ -31341,24 +31089,23 @@
           <a:p>
             <a:pPr lvl="0"/>
             <a:r>
-              <a:rPr lang="en-US" dirty="0" smtClean="0"/>
+              <a:rPr lang="en-US" dirty="0"/>
               <a:t>Item 1</a:t>
             </a:r>
           </a:p>
           <a:p>
             <a:pPr lvl="0"/>
             <a:r>
-              <a:rPr lang="en-US" dirty="0" smtClean="0"/>
+              <a:rPr lang="en-US" dirty="0"/>
               <a:t>Item 2</a:t>
             </a:r>
           </a:p>
           <a:p>
             <a:pPr lvl="0"/>
             <a:r>
-              <a:rPr lang="en-US" dirty="0" smtClean="0"/>
+              <a:rPr lang="en-US" dirty="0"/>
               <a:t>Item 3</a:t>
             </a:r>
-            <a:endParaRPr lang="en-US" dirty="0"/>
           </a:p>
         </p:txBody>
       </p:sp>
@@ -31385,7 +31132,7 @@
           <a:p>
             <a:fld id="{5958763E-B898-436D-883D-03711491D54A}" type="datetimeFigureOut">
               <a:rPr lang="en-US" smtClean="0"/>
-              <a:t>2/27/2020</a:t>
+              <a:t>1/20/2021</a:t>
             </a:fld>
             <a:endParaRPr lang="en-US"/>
           </a:p>
@@ -31492,13 +31239,6 @@
   <p:transition>
     <p:fade/>
   </p:transition>
-  <p:timing>
-    <p:tnLst>
-      <p:par>
-        <p:cTn id="1" dur="indefinite" restart="never" nodeType="tmRoot"/>
-      </p:par>
-    </p:tnLst>
-  </p:timing>
 </p:sldLayout>
 </file>
 
@@ -31660,7 +31400,7 @@
                 <a:spcPct val="0"/>
               </a:spcAft>
             </a:pPr>
-            <a:endParaRPr lang="en-US" sz="2400" dirty="0" err="1" smtClean="0">
+            <a:endParaRPr lang="en-US" sz="2400" dirty="0" err="1">
               <a:gradFill>
                 <a:gsLst>
                   <a:gs pos="0">
@@ -31713,10 +31453,9 @@
           </a:lstStyle>
           <a:p>
             <a:r>
-              <a:rPr lang="en-US" dirty="0" smtClean="0"/>
+              <a:rPr lang="en-US" dirty="0"/>
               <a:t>Notable Quote</a:t>
             </a:r>
-            <a:endParaRPr lang="en-US" dirty="0"/>
           </a:p>
         </p:txBody>
       </p:sp>
@@ -31843,10 +31582,9 @@
           <a:p>
             <a:pPr lvl="0"/>
             <a:r>
-              <a:rPr lang="en-US" dirty="0" smtClean="0"/>
+              <a:rPr lang="en-US" dirty="0"/>
               <a:t>– Attribution</a:t>
             </a:r>
-            <a:endParaRPr lang="en-US" dirty="0"/>
           </a:p>
         </p:txBody>
       </p:sp>
@@ -31873,7 +31611,7 @@
           <a:p>
             <a:fld id="{5958763E-B898-436D-883D-03711491D54A}" type="datetimeFigureOut">
               <a:rPr lang="en-US" smtClean="0"/>
-              <a:t>2/27/2020</a:t>
+              <a:t>1/20/2021</a:t>
             </a:fld>
             <a:endParaRPr lang="en-US"/>
           </a:p>
@@ -32621,13 +32359,6 @@
   <p:transition>
     <p:fade/>
   </p:transition>
-  <p:timing>
-    <p:tnLst>
-      <p:par>
-        <p:cTn id="1" dur="indefinite" restart="never" nodeType="tmRoot"/>
-      </p:par>
-    </p:tnLst>
-  </p:timing>
 </p:sldLayout>
 </file>
 
@@ -32699,7 +32430,7 @@
           <a:p>
             <a:fld id="{5958763E-B898-436D-883D-03711491D54A}" type="datetimeFigureOut">
               <a:rPr lang="en-US" smtClean="0"/>
-              <a:t>2/27/2020</a:t>
+              <a:t>1/20/2021</a:t>
             </a:fld>
             <a:endParaRPr lang="en-US"/>
           </a:p>
@@ -32772,13 +32503,6 @@
   <p:transition>
     <p:fade/>
   </p:transition>
-  <p:timing>
-    <p:tnLst>
-      <p:par>
-        <p:cTn id="1" dur="indefinite" restart="never" nodeType="tmRoot"/>
-      </p:par>
-    </p:tnLst>
-  </p:timing>
 </p:sldLayout>
 </file>
 
@@ -32907,7 +32631,7 @@
           <a:p>
             <a:fld id="{5958763E-B898-436D-883D-03711491D54A}" type="datetimeFigureOut">
               <a:rPr lang="en-US" smtClean="0"/>
-              <a:t>2/27/2020</a:t>
+              <a:t>1/20/2021</a:t>
             </a:fld>
             <a:endParaRPr lang="en-US"/>
           </a:p>
@@ -33030,13 +32754,6 @@
   <p:transition>
     <p:fade/>
   </p:transition>
-  <p:timing>
-    <p:tnLst>
-      <p:par>
-        <p:cTn id="1" dur="indefinite" restart="never" nodeType="tmRoot"/>
-      </p:par>
-    </p:tnLst>
-  </p:timing>
 </p:sldLayout>
 </file>
 
@@ -33249,7 +32966,7 @@
           <a:p>
             <a:fld id="{5958763E-B898-436D-883D-03711491D54A}" type="datetimeFigureOut">
               <a:rPr lang="en-US" smtClean="0"/>
-              <a:t>2/27/2020</a:t>
+              <a:t>1/20/2021</a:t>
             </a:fld>
             <a:endParaRPr lang="en-US"/>
           </a:p>
@@ -33322,13 +33039,6 @@
   <p:transition>
     <p:fade/>
   </p:transition>
-  <p:timing>
-    <p:tnLst>
-      <p:par>
-        <p:cTn id="1" dur="indefinite" restart="never" nodeType="tmRoot"/>
-      </p:par>
-    </p:tnLst>
-  </p:timing>
 </p:sldLayout>
 </file>
 
@@ -33486,7 +33196,7 @@
           <a:p>
             <a:fld id="{5958763E-B898-436D-883D-03711491D54A}" type="datetimeFigureOut">
               <a:rPr lang="en-US" smtClean="0"/>
-              <a:t>2/27/2020</a:t>
+              <a:t>1/20/2021</a:t>
             </a:fld>
             <a:endParaRPr lang="en-US"/>
           </a:p>
@@ -33559,13 +33269,6 @@
   <p:transition>
     <p:fade/>
   </p:transition>
-  <p:timing>
-    <p:tnLst>
-      <p:par>
-        <p:cTn id="1" dur="indefinite" restart="never" nodeType="tmRoot"/>
-      </p:par>
-    </p:tnLst>
-  </p:timing>
 </p:sldLayout>
 </file>
 
@@ -33737,7 +33440,7 @@
           <a:p>
             <a:fld id="{5958763E-B898-436D-883D-03711491D54A}" type="datetimeFigureOut">
               <a:rPr lang="en-US" smtClean="0"/>
-              <a:t>2/27/2020</a:t>
+              <a:t>1/20/2021</a:t>
             </a:fld>
             <a:endParaRPr lang="en-US"/>
           </a:p>
@@ -33883,13 +33586,6 @@
   <p:transition>
     <p:fade/>
   </p:transition>
-  <p:timing>
-    <p:tnLst>
-      <p:par>
-        <p:cTn id="1" dur="indefinite" restart="never" nodeType="tmRoot"/>
-      </p:par>
-    </p:tnLst>
-  </p:timing>
   <p:txStyles>
     <p:titleStyle>
       <a:lvl1pPr algn="l" defTabSz="914400" rtl="0" eaLnBrk="1" latinLnBrk="0" hangingPunct="1">
@@ -34194,7 +33890,7 @@
       </a:lvl9pPr>
     </p:otherStyle>
   </p:txStyles>
-  <p:extLst mod="1">
+  <p:extLst>
     <p:ext uri="{27BBF7A9-308A-43DC-89C8-2F10F3537804}">
       <p15:sldGuideLst xmlns:p15="http://schemas.microsoft.com/office/powerpoint/2012/main">
         <p15:guide id="1" orient="horz" pos="2160" userDrawn="1">
@@ -34273,10 +33969,9 @@
           <a:lstStyle/>
           <a:p>
             <a:r>
-              <a:rPr lang="en-US" sz="6600" dirty="0" smtClean="0"/>
+              <a:rPr lang="en-US" sz="6600" dirty="0"/>
               <a:t>HTTP</a:t>
             </a:r>
-            <a:endParaRPr lang="en-US" sz="6600" dirty="0"/>
           </a:p>
         </p:txBody>
       </p:sp>
@@ -34301,10 +33996,9 @@
           <a:lstStyle/>
           <a:p>
             <a:r>
-              <a:rPr lang="en-US" dirty="0" smtClean="0"/>
+              <a:rPr lang="en-US" dirty="0"/>
               <a:t>Hy-Tech Club: Web 201</a:t>
             </a:r>
-            <a:endParaRPr lang="en-US" dirty="0"/>
           </a:p>
         </p:txBody>
       </p:sp>
@@ -37289,13 +36983,6 @@
   <p:transition>
     <p:fade/>
   </p:transition>
-  <p:timing>
-    <p:tnLst>
-      <p:par>
-        <p:cTn id="1" dur="indefinite" restart="never" nodeType="tmRoot"/>
-      </p:par>
-    </p:tnLst>
-  </p:timing>
 </p:sld>
 </file>
 
@@ -37347,7 +37034,7 @@
               </a:spcAft>
             </a:pPr>
             <a:r>
-              <a:rPr lang="en-US" sz="8800" b="1" dirty="0" smtClean="0">
+              <a:rPr lang="en-US" sz="8800" b="1" dirty="0">
                 <a:gradFill>
                   <a:gsLst>
                     <a:gs pos="2917">
@@ -37363,7 +37050,7 @@
               <a:t>Requests</a:t>
             </a:r>
             <a:r>
-              <a:rPr lang="en-US" sz="8800" dirty="0" smtClean="0">
+              <a:rPr lang="en-US" sz="8800" dirty="0">
                 <a:gradFill>
                   <a:gsLst>
                     <a:gs pos="2917">
@@ -37388,7 +37075,7 @@
                 <a:spcPts val="600"/>
               </a:spcAft>
             </a:pPr>
-            <a:endParaRPr lang="en-US" sz="8800" dirty="0" smtClean="0">
+            <a:endParaRPr lang="en-US" sz="8800" dirty="0">
               <a:gradFill>
                 <a:gsLst>
                   <a:gs pos="2917">
@@ -37414,7 +37101,7 @@
               <a:buChar char="•"/>
             </a:pPr>
             <a:r>
-              <a:rPr lang="en-US" sz="8800" i="1" dirty="0" smtClean="0">
+              <a:rPr lang="en-US" sz="8800" i="1" dirty="0">
                 <a:gradFill>
                   <a:gsLst>
                     <a:gs pos="2917">
@@ -37430,7 +37117,7 @@
               <a:t>from</a:t>
             </a:r>
             <a:r>
-              <a:rPr lang="en-US" sz="8800" dirty="0" smtClean="0">
+              <a:rPr lang="en-US" sz="8800" dirty="0">
                 <a:gradFill>
                   <a:gsLst>
                     <a:gs pos="2917">
@@ -37446,7 +37133,7 @@
               <a:t> the </a:t>
             </a:r>
             <a:r>
-              <a:rPr lang="en-US" sz="8800" b="1" dirty="0" smtClean="0">
+              <a:rPr lang="en-US" sz="8800" b="1" dirty="0">
                 <a:gradFill>
                   <a:gsLst>
                     <a:gs pos="2917">
@@ -37474,7 +37161,7 @@
               <a:buChar char="•"/>
             </a:pPr>
             <a:r>
-              <a:rPr lang="en-US" sz="8800" i="1" dirty="0" smtClean="0">
+              <a:rPr lang="en-US" sz="8800" i="1" dirty="0">
                 <a:gradFill>
                   <a:gsLst>
                     <a:gs pos="2917">
@@ -37490,7 +37177,7 @@
               <a:t>to</a:t>
             </a:r>
             <a:r>
-              <a:rPr lang="en-US" sz="8800" dirty="0" smtClean="0">
+              <a:rPr lang="en-US" sz="8800" dirty="0">
                 <a:gradFill>
                   <a:gsLst>
                     <a:gs pos="2917">
@@ -37506,7 +37193,7 @@
               <a:t> the </a:t>
             </a:r>
             <a:r>
-              <a:rPr lang="en-US" sz="8800" b="1" dirty="0" smtClean="0">
+              <a:rPr lang="en-US" sz="8800" b="1" dirty="0">
                 <a:gradFill>
                   <a:gsLst>
                     <a:gs pos="2917">
@@ -37521,19 +37208,6 @@
               </a:rPr>
               <a:t>server</a:t>
             </a:r>
-            <a:endParaRPr lang="en-US" sz="8800" b="1" dirty="0" smtClean="0">
-              <a:gradFill>
-                <a:gsLst>
-                  <a:gs pos="2917">
-                    <a:schemeClr val="tx1"/>
-                  </a:gs>
-                  <a:gs pos="30000">
-                    <a:schemeClr val="tx1"/>
-                  </a:gs>
-                </a:gsLst>
-                <a:lin ang="5400000" scaled="0"/>
-              </a:gradFill>
-            </a:endParaRPr>
           </a:p>
         </p:txBody>
       </p:sp>
@@ -37596,18 +37270,13 @@
           <a:lstStyle/>
           <a:p>
             <a:r>
-              <a:rPr lang="en-US" dirty="0" smtClean="0">
+              <a:rPr lang="en-US" dirty="0">
                 <a:solidFill>
                   <a:schemeClr val="bg1"/>
                 </a:solidFill>
               </a:rPr>
               <a:t>HTTP Methods</a:t>
             </a:r>
-            <a:endParaRPr lang="en-US" dirty="0">
-              <a:solidFill>
-                <a:schemeClr val="bg1"/>
-              </a:solidFill>
-            </a:endParaRPr>
           </a:p>
         </p:txBody>
       </p:sp>
@@ -37669,15 +37338,7 @@
                   <a:schemeClr val="bg1"/>
                 </a:solidFill>
               </a:rPr>
-              <a:t> from a specified resource</a:t>
-            </a:r>
-            <a:r>
-              <a:rPr lang="en-US" sz="3600" dirty="0" smtClean="0">
-                <a:solidFill>
-                  <a:schemeClr val="bg1"/>
-                </a:solidFill>
-              </a:rPr>
-              <a:t>.</a:t>
+              <a:t> from a specified resource.</a:t>
             </a:r>
           </a:p>
           <a:p>
@@ -37695,18 +37356,13 @@
               <a:buNone/>
             </a:pPr>
             <a:r>
-              <a:rPr lang="en-US" sz="3600" dirty="0" smtClean="0">
+              <a:rPr lang="en-US" sz="3600" dirty="0">
                 <a:solidFill>
                   <a:schemeClr val="bg1"/>
                 </a:solidFill>
               </a:rPr>
               <a:t>These are sent when the user loads a webpage for the first time, searches, or reads any data.</a:t>
             </a:r>
-            <a:endParaRPr lang="en-US" sz="3600" dirty="0">
-              <a:solidFill>
-                <a:schemeClr val="bg1"/>
-              </a:solidFill>
-            </a:endParaRPr>
           </a:p>
         </p:txBody>
       </p:sp>
@@ -37768,15 +37424,7 @@
                   <a:schemeClr val="bg1"/>
                 </a:solidFill>
               </a:rPr>
-              <a:t> to a server to create/update a resource</a:t>
-            </a:r>
-            <a:r>
-              <a:rPr lang="en-US" sz="3600" dirty="0" smtClean="0">
-                <a:solidFill>
-                  <a:schemeClr val="bg1"/>
-                </a:solidFill>
-              </a:rPr>
-              <a:t>.</a:t>
+              <a:t> to a server to create/update a resource.</a:t>
             </a:r>
           </a:p>
           <a:p>
@@ -37794,18 +37442,13 @@
               <a:buNone/>
             </a:pPr>
             <a:r>
-              <a:rPr lang="en-US" sz="3600" dirty="0" smtClean="0">
+              <a:rPr lang="en-US" sz="3600" dirty="0">
                 <a:solidFill>
                   <a:schemeClr val="bg1"/>
                 </a:solidFill>
               </a:rPr>
               <a:t>These are sent when the user fills out a form, sends a new message, or creates/updates any data.</a:t>
             </a:r>
-            <a:endParaRPr lang="en-US" sz="3600" dirty="0">
-              <a:solidFill>
-                <a:schemeClr val="bg1"/>
-              </a:solidFill>
-            </a:endParaRPr>
           </a:p>
         </p:txBody>
       </p:sp>
@@ -38136,10 +37779,9 @@
           <a:lstStyle/>
           <a:p>
             <a:r>
-              <a:rPr lang="en-US" dirty="0" smtClean="0"/>
+              <a:rPr lang="en-US" dirty="0"/>
               <a:t>Query Parameters</a:t>
             </a:r>
-            <a:endParaRPr lang="en-US" dirty="0"/>
           </a:p>
         </p:txBody>
       </p:sp>
@@ -38167,16 +37809,16 @@
               <a:buNone/>
             </a:pPr>
             <a:r>
-              <a:rPr lang="en-US" dirty="0" smtClean="0"/>
+              <a:rPr lang="en-US" dirty="0"/>
               <a:t>Example: </a:t>
             </a:r>
             <a:r>
-              <a:rPr lang="en-US" dirty="0" smtClean="0">
+              <a:rPr lang="en-US" dirty="0">
                 <a:hlinkClick r:id="rId3"/>
               </a:rPr>
               <a:t>https://www.imdb.com/search/title/</a:t>
             </a:r>
-            <a:endParaRPr lang="en-US" dirty="0" smtClean="0"/>
+            <a:endParaRPr lang="en-US" dirty="0"/>
           </a:p>
         </p:txBody>
       </p:sp>
@@ -38281,7 +37923,7 @@
                 <a:spcPct val="0"/>
               </a:spcAft>
             </a:pPr>
-            <a:endParaRPr lang="en-US" sz="2400" dirty="0" err="1" smtClean="0">
+            <a:endParaRPr lang="en-US" sz="2400" dirty="0" err="1">
               <a:gradFill>
                 <a:gsLst>
                   <a:gs pos="0">
@@ -38330,7 +37972,7 @@
               </a:spcAft>
             </a:pPr>
             <a:r>
-              <a:rPr lang="en-US" sz="3600" u="sng" dirty="0" smtClean="0">
+              <a:rPr lang="en-US" sz="3600" u="sng" dirty="0">
                 <a:gradFill>
                   <a:gsLst>
                     <a:gs pos="2917">
@@ -38346,7 +37988,7 @@
               <a:t>Query parameters</a:t>
             </a:r>
             <a:r>
-              <a:rPr lang="en-US" sz="3600" dirty="0" smtClean="0">
+              <a:rPr lang="en-US" sz="3600" dirty="0">
                 <a:gradFill>
                   <a:gsLst>
                     <a:gs pos="2917">
@@ -38362,7 +38004,7 @@
               <a:t> are optional </a:t>
             </a:r>
             <a:r>
-              <a:rPr lang="en-US" sz="3600" b="1" dirty="0" smtClean="0">
+              <a:rPr lang="en-US" sz="3600" b="1" dirty="0">
                 <a:gradFill>
                   <a:gsLst>
                     <a:gs pos="2917">
@@ -38378,7 +38020,7 @@
               <a:t>key-value pairs</a:t>
             </a:r>
             <a:r>
-              <a:rPr lang="en-US" sz="3600" dirty="0" smtClean="0">
+              <a:rPr lang="en-US" sz="3600" dirty="0">
                 <a:gradFill>
                   <a:gsLst>
                     <a:gs pos="2917">
@@ -38470,7 +38112,7 @@
               </a:rPr>
               <a:t>tv_series</a:t>
             </a:r>
-            <a:endParaRPr lang="en-US" sz="4000" dirty="0" smtClean="0">
+            <a:endParaRPr lang="en-US" sz="4000" dirty="0">
               <a:solidFill>
                 <a:schemeClr val="tx1">
                   <a:lumMod val="50000"/>
@@ -38544,7 +38186,7 @@
                 <a:spcPct val="0"/>
               </a:spcAft>
             </a:pPr>
-            <a:endParaRPr lang="en-US" sz="2400" dirty="0" err="1" smtClean="0">
+            <a:endParaRPr lang="en-US" sz="2400" dirty="0" err="1">
               <a:gradFill>
                 <a:gsLst>
                   <a:gs pos="0">
@@ -38625,7 +38267,7 @@
                 <a:spcPct val="0"/>
               </a:spcAft>
             </a:pPr>
-            <a:endParaRPr lang="en-US" sz="2400" dirty="0" err="1" smtClean="0">
+            <a:endParaRPr lang="en-US" sz="2400" dirty="0" err="1">
               <a:gradFill>
                 <a:gsLst>
                   <a:gs pos="0">
@@ -38706,7 +38348,7 @@
                 <a:spcPct val="0"/>
               </a:spcAft>
             </a:pPr>
-            <a:endParaRPr lang="en-US" sz="2400" dirty="0" err="1" smtClean="0">
+            <a:endParaRPr lang="en-US" sz="2400" dirty="0" err="1">
               <a:gradFill>
                 <a:gsLst>
                   <a:gs pos="0">
@@ -38787,7 +38429,7 @@
                 <a:spcPct val="0"/>
               </a:spcAft>
             </a:pPr>
-            <a:endParaRPr lang="en-US" sz="2400" dirty="0" err="1" smtClean="0">
+            <a:endParaRPr lang="en-US" sz="2400" dirty="0" err="1">
               <a:gradFill>
                 <a:gsLst>
                   <a:gs pos="0">
@@ -38868,7 +38510,7 @@
                 <a:spcPct val="0"/>
               </a:spcAft>
             </a:pPr>
-            <a:endParaRPr lang="en-US" sz="2400" dirty="0" err="1" smtClean="0">
+            <a:endParaRPr lang="en-US" sz="2400" dirty="0" err="1">
               <a:gradFill>
                 <a:gsLst>
                   <a:gs pos="0">
@@ -38917,7 +38559,7 @@
               </a:spcAft>
             </a:pPr>
             <a:r>
-              <a:rPr lang="en-US" sz="2400" b="1" dirty="0" smtClean="0">
+              <a:rPr lang="en-US" sz="2400" b="1" dirty="0">
                 <a:solidFill>
                   <a:schemeClr val="accent2"/>
                 </a:solidFill>
@@ -38958,7 +38600,7 @@
               </a:spcAft>
             </a:pPr>
             <a:r>
-              <a:rPr lang="en-US" sz="2400" b="1" dirty="0" smtClean="0">
+              <a:rPr lang="en-US" sz="2400" b="1" dirty="0">
                 <a:solidFill>
                   <a:srgbClr val="E95EBE"/>
                 </a:solidFill>
@@ -38999,7 +38641,7 @@
               </a:spcAft>
             </a:pPr>
             <a:r>
-              <a:rPr lang="en-US" sz="2400" b="1" dirty="0" smtClean="0">
+              <a:rPr lang="en-US" sz="2400" b="1" dirty="0">
                 <a:solidFill>
                   <a:srgbClr val="FF8300"/>
                 </a:solidFill>
@@ -39040,7 +38682,7 @@
               </a:spcAft>
             </a:pPr>
             <a:r>
-              <a:rPr lang="en-US" sz="2400" b="1" dirty="0" smtClean="0">
+              <a:rPr lang="en-US" sz="2400" b="1" dirty="0">
                 <a:solidFill>
                   <a:schemeClr val="accent1"/>
                 </a:solidFill>
@@ -39088,11 +38730,6 @@
               </a:rPr>
               <a:t>&amp;</a:t>
             </a:r>
-            <a:endParaRPr lang="en-US" sz="2400" b="1" dirty="0" smtClean="0">
-              <a:solidFill>
-                <a:srgbClr val="7030A0"/>
-              </a:solidFill>
-            </a:endParaRPr>
           </a:p>
         </p:txBody>
       </p:sp>
@@ -39844,10 +39481,9 @@
           <a:p>
             <a:pPr algn="r"/>
             <a:r>
-              <a:rPr lang="en-US" dirty="0" smtClean="0"/>
+              <a:rPr lang="en-US" dirty="0"/>
               <a:t>Responses</a:t>
             </a:r>
-            <a:endParaRPr lang="en-US" dirty="0"/>
           </a:p>
         </p:txBody>
       </p:sp>
@@ -39903,13 +39539,6 @@
   <p:transition>
     <p:fade/>
   </p:transition>
-  <p:timing>
-    <p:tnLst>
-      <p:par>
-        <p:cTn id="1" dur="indefinite" restart="never" nodeType="tmRoot"/>
-      </p:par>
-    </p:tnLst>
-  </p:timing>
 </p:sld>
 </file>
 
@@ -39961,7 +39590,7 @@
               </a:spcAft>
             </a:pPr>
             <a:r>
-              <a:rPr lang="en-US" sz="8800" b="1" dirty="0" smtClean="0">
+              <a:rPr lang="en-US" sz="8800" b="1" dirty="0">
                 <a:gradFill>
                   <a:gsLst>
                     <a:gs pos="2917">
@@ -39977,7 +39606,7 @@
               <a:t>Responses</a:t>
             </a:r>
             <a:r>
-              <a:rPr lang="en-US" sz="8800" dirty="0" smtClean="0">
+              <a:rPr lang="en-US" sz="8800" dirty="0">
                 <a:gradFill>
                   <a:gsLst>
                     <a:gs pos="2917">
@@ -40002,7 +39631,7 @@
                 <a:spcPts val="600"/>
               </a:spcAft>
             </a:pPr>
-            <a:endParaRPr lang="en-US" sz="8800" dirty="0" smtClean="0">
+            <a:endParaRPr lang="en-US" sz="8800" dirty="0">
               <a:gradFill>
                 <a:gsLst>
                   <a:gs pos="2917">
@@ -40028,7 +39657,7 @@
               <a:buChar char="•"/>
             </a:pPr>
             <a:r>
-              <a:rPr lang="en-US" sz="8800" i="1" dirty="0" smtClean="0">
+              <a:rPr lang="en-US" sz="8800" i="1" dirty="0">
                 <a:gradFill>
                   <a:gsLst>
                     <a:gs pos="2917">
@@ -40044,7 +39673,7 @@
               <a:t>from</a:t>
             </a:r>
             <a:r>
-              <a:rPr lang="en-US" sz="8800" dirty="0" smtClean="0">
+              <a:rPr lang="en-US" sz="8800" dirty="0">
                 <a:gradFill>
                   <a:gsLst>
                     <a:gs pos="2917">
@@ -40060,7 +39689,7 @@
               <a:t> the </a:t>
             </a:r>
             <a:r>
-              <a:rPr lang="en-US" sz="8800" b="1" dirty="0" smtClean="0">
+              <a:rPr lang="en-US" sz="8800" b="1" dirty="0">
                 <a:gradFill>
                   <a:gsLst>
                     <a:gs pos="2917">
@@ -40088,7 +39717,7 @@
               <a:buChar char="•"/>
             </a:pPr>
             <a:r>
-              <a:rPr lang="en-US" sz="8800" i="1" dirty="0" smtClean="0">
+              <a:rPr lang="en-US" sz="8800" i="1" dirty="0">
                 <a:gradFill>
                   <a:gsLst>
                     <a:gs pos="2917">
@@ -40104,7 +39733,7 @@
               <a:t>to</a:t>
             </a:r>
             <a:r>
-              <a:rPr lang="en-US" sz="8800" dirty="0" smtClean="0">
+              <a:rPr lang="en-US" sz="8800" dirty="0">
                 <a:gradFill>
                   <a:gsLst>
                     <a:gs pos="2917">
@@ -40120,7 +39749,7 @@
               <a:t> the </a:t>
             </a:r>
             <a:r>
-              <a:rPr lang="en-US" sz="8800" b="1" dirty="0" smtClean="0">
+              <a:rPr lang="en-US" sz="8800" b="1" dirty="0">
                 <a:gradFill>
                   <a:gsLst>
                     <a:gs pos="2917">
@@ -40135,19 +39764,6 @@
               </a:rPr>
               <a:t>client</a:t>
             </a:r>
-            <a:endParaRPr lang="en-US" sz="8800" b="1" dirty="0" smtClean="0">
-              <a:gradFill>
-                <a:gsLst>
-                  <a:gs pos="2917">
-                    <a:schemeClr val="tx1"/>
-                  </a:gs>
-                  <a:gs pos="30000">
-                    <a:schemeClr val="tx1"/>
-                  </a:gs>
-                </a:gsLst>
-                <a:lin ang="5400000" scaled="0"/>
-              </a:gradFill>
-            </a:endParaRPr>
           </a:p>
         </p:txBody>
       </p:sp>
@@ -40164,13 +39780,6 @@
   <p:transition>
     <p:fade/>
   </p:transition>
-  <p:timing>
-    <p:tnLst>
-      <p:par>
-        <p:cTn id="1" dur="indefinite" restart="never" nodeType="tmRoot"/>
-      </p:par>
-    </p:tnLst>
-  </p:timing>
 </p:sld>
 </file>
 
@@ -40241,13 +39850,6 @@
   <p:transition>
     <p:fade/>
   </p:transition>
-  <p:timing>
-    <p:tnLst>
-      <p:par>
-        <p:cTn id="1" dur="indefinite" restart="never" nodeType="tmRoot"/>
-      </p:par>
-    </p:tnLst>
-  </p:timing>
 </p:sld>
 </file>
 
@@ -40294,18 +39896,13 @@
           <a:lstStyle/>
           <a:p>
             <a:r>
-              <a:rPr lang="en-US" dirty="0" smtClean="0">
+              <a:rPr lang="en-US" dirty="0">
                 <a:solidFill>
                   <a:schemeClr val="bg1"/>
                 </a:solidFill>
               </a:rPr>
               <a:t>Status Codes</a:t>
             </a:r>
-            <a:endParaRPr lang="en-US" dirty="0">
-              <a:solidFill>
-                <a:schemeClr val="bg1"/>
-              </a:solidFill>
-            </a:endParaRPr>
           </a:p>
         </p:txBody>
       </p:sp>
@@ -40340,7 +39937,7 @@
               </a:spcAft>
             </a:pPr>
             <a:r>
-              <a:rPr lang="en-US" sz="3200" i="1" dirty="0" smtClean="0">
+              <a:rPr lang="en-US" sz="3200" i="1" dirty="0">
                 <a:solidFill>
                   <a:schemeClr val="accent1"/>
                 </a:solidFill>
@@ -40381,7 +39978,7 @@
               </a:spcAft>
             </a:pPr>
             <a:r>
-              <a:rPr lang="en-US" sz="3200" b="1" dirty="0" smtClean="0">
+              <a:rPr lang="en-US" sz="3200" b="1" dirty="0">
                 <a:solidFill>
                   <a:schemeClr val="accent1"/>
                 </a:solidFill>
@@ -40422,7 +40019,7 @@
               </a:spcAft>
             </a:pPr>
             <a:r>
-              <a:rPr lang="en-US" sz="3200" u="sng" dirty="0" smtClean="0">
+              <a:rPr lang="en-US" sz="3200" u="sng" dirty="0">
                 <a:solidFill>
                   <a:schemeClr val="bg1"/>
                 </a:solidFill>
@@ -40430,28 +40027,12 @@
               <a:t>HTTP status codes</a:t>
             </a:r>
             <a:r>
-              <a:rPr lang="en-US" sz="3200" dirty="0" smtClean="0">
+              <a:rPr lang="en-US" sz="3200" dirty="0">
                 <a:solidFill>
                   <a:schemeClr val="bg1"/>
                 </a:solidFill>
               </a:rPr>
-              <a:t> tell the </a:t>
-            </a:r>
-            <a:r>
-              <a:rPr lang="en-US" sz="3200" dirty="0" smtClean="0">
-                <a:solidFill>
-                  <a:schemeClr val="bg1"/>
-                </a:solidFill>
-              </a:rPr>
-              <a:t>client </a:t>
-            </a:r>
-            <a:r>
-              <a:rPr lang="en-US" sz="3200" dirty="0" smtClean="0">
-                <a:solidFill>
-                  <a:schemeClr val="bg1"/>
-                </a:solidFill>
-              </a:rPr>
-              <a:t>the type of the response</a:t>
+              <a:t> tell the client the type of the response</a:t>
             </a:r>
           </a:p>
         </p:txBody>
@@ -40923,10 +40504,9 @@
           <a:lstStyle/>
           <a:p>
             <a:r>
-              <a:rPr lang="en-US" dirty="0" smtClean="0"/>
+              <a:rPr lang="en-US" dirty="0"/>
               <a:t>Types of Responses</a:t>
             </a:r>
-            <a:endParaRPr lang="en-US" dirty="0"/>
           </a:p>
         </p:txBody>
       </p:sp>
@@ -41143,7 +40723,7 @@
               </a:spcAft>
             </a:pPr>
             <a:r>
-              <a:rPr lang="en-US" sz="2800" dirty="0" smtClean="0">
+              <a:rPr lang="en-US" sz="2800" dirty="0">
                 <a:gradFill>
                   <a:gsLst>
                     <a:gs pos="2917">
@@ -41216,7 +40796,7 @@
               </a:spcAft>
             </a:pPr>
             <a:r>
-              <a:rPr lang="en-US" sz="2400" dirty="0" smtClean="0">
+              <a:rPr lang="en-US" sz="2400" dirty="0">
                 <a:gradFill>
                   <a:gsLst>
                     <a:gs pos="2917">
@@ -41247,13 +40827,67 @@
   <p:transition>
     <p:fade/>
   </p:transition>
-  <p:timing>
-    <p:tnLst>
-      <p:par>
-        <p:cTn id="1" dur="indefinite" restart="never" nodeType="tmRoot"/>
-      </p:par>
-    </p:tnLst>
-  </p:timing>
+</p:sld>
+</file>
+
+<file path=ppt/slides/slide18.xml><?xml version="1.0" encoding="utf-8"?>
+<p:sld xmlns:a="http://schemas.openxmlformats.org/drawingml/2006/main" xmlns:r="http://schemas.openxmlformats.org/officeDocument/2006/relationships" xmlns:p="http://schemas.openxmlformats.org/presentationml/2006/main">
+  <p:cSld>
+    <p:spTree>
+      <p:nvGrpSpPr>
+        <p:cNvPr id="1" name=""/>
+        <p:cNvGrpSpPr/>
+        <p:nvPr/>
+      </p:nvGrpSpPr>
+      <p:grpSpPr>
+        <a:xfrm>
+          <a:off x="0" y="0"/>
+          <a:ext cx="0" cy="0"/>
+          <a:chOff x="0" y="0"/>
+          <a:chExt cx="0" cy="0"/>
+        </a:xfrm>
+      </p:grpSpPr>
+      <p:sp>
+        <p:nvSpPr>
+          <p:cNvPr id="2" name="Text Placeholder 1">
+            <a:extLst>
+              <a:ext uri="{FF2B5EF4-FFF2-40B4-BE49-F238E27FC236}">
+                <a16:creationId xmlns:a16="http://schemas.microsoft.com/office/drawing/2014/main" id="{A7D85289-6BF4-451F-BB1F-7776F4E59823}"/>
+              </a:ext>
+            </a:extLst>
+          </p:cNvPr>
+          <p:cNvSpPr>
+            <a:spLocks noGrp="1"/>
+          </p:cNvSpPr>
+          <p:nvPr>
+            <p:ph type="body" sz="quarter" idx="10"/>
+          </p:nvPr>
+        </p:nvSpPr>
+        <p:spPr/>
+        <p:txBody>
+          <a:bodyPr/>
+          <a:lstStyle/>
+          <a:p>
+            <a:r>
+              <a:rPr lang="en-US"/>
+              <a:t>Questions?</a:t>
+            </a:r>
+          </a:p>
+        </p:txBody>
+      </p:sp>
+    </p:spTree>
+    <p:extLst>
+      <p:ext uri="{BB962C8B-B14F-4D97-AF65-F5344CB8AC3E}">
+        <p14:creationId xmlns:p14="http://schemas.microsoft.com/office/powerpoint/2010/main" val="2439907959"/>
+      </p:ext>
+    </p:extLst>
+  </p:cSld>
+  <p:clrMapOvr>
+    <a:masterClrMapping/>
+  </p:clrMapOvr>
+  <p:transition>
+    <p:fade/>
+  </p:transition>
 </p:sld>
 </file>
 
@@ -41290,10 +40924,9 @@
           <a:lstStyle/>
           <a:p>
             <a:r>
-              <a:rPr lang="en-US" dirty="0" smtClean="0"/>
+              <a:rPr lang="en-US" dirty="0"/>
               <a:t>Agenda</a:t>
             </a:r>
-            <a:endParaRPr lang="en-US" dirty="0"/>
           </a:p>
         </p:txBody>
       </p:sp>
@@ -41313,22 +40946,21 @@
           <a:lstStyle/>
           <a:p>
             <a:r>
-              <a:rPr lang="en-US" dirty="0" smtClean="0"/>
+              <a:rPr lang="en-US" dirty="0"/>
               <a:t>Overview</a:t>
             </a:r>
           </a:p>
           <a:p>
             <a:r>
-              <a:rPr lang="en-US" dirty="0" smtClean="0"/>
+              <a:rPr lang="en-US" dirty="0"/>
               <a:t>Requests</a:t>
             </a:r>
           </a:p>
           <a:p>
             <a:r>
-              <a:rPr lang="en-US" dirty="0" smtClean="0"/>
+              <a:rPr lang="en-US" dirty="0"/>
               <a:t>Responses</a:t>
             </a:r>
-            <a:endParaRPr lang="en-US" dirty="0"/>
           </a:p>
         </p:txBody>
       </p:sp>
@@ -41345,13 +40977,6 @@
   <p:transition>
     <p:fade/>
   </p:transition>
-  <p:timing>
-    <p:tnLst>
-      <p:par>
-        <p:cTn id="1" dur="indefinite" restart="never" nodeType="tmRoot"/>
-      </p:par>
-    </p:tnLst>
-  </p:timing>
 </p:sld>
 </file>
 
@@ -41393,10 +41018,9 @@
           <a:lstStyle/>
           <a:p>
             <a:r>
-              <a:rPr lang="en-US" dirty="0" smtClean="0"/>
+              <a:rPr lang="en-US" dirty="0"/>
               <a:t>Where have you seen http?</a:t>
             </a:r>
-            <a:endParaRPr lang="en-US" dirty="0"/>
           </a:p>
         </p:txBody>
       </p:sp>
@@ -41436,21 +41060,8 @@
                   <a:schemeClr val="bg1"/>
                 </a:solidFill>
               </a:rPr>
-              <a:t>HTTP is at the beginning of </a:t>
+              <a:t>HTTP is at the beginning of URLs we use every day!</a:t>
             </a:r>
-            <a:r>
-              <a:rPr lang="en-US" sz="3600" dirty="0" smtClean="0">
-                <a:solidFill>
-                  <a:schemeClr val="bg1"/>
-                </a:solidFill>
-              </a:rPr>
-              <a:t>URLs we use every day!</a:t>
-            </a:r>
-            <a:endParaRPr lang="en-US" sz="3600" dirty="0">
-              <a:solidFill>
-                <a:schemeClr val="bg1"/>
-              </a:solidFill>
-            </a:endParaRPr>
           </a:p>
         </p:txBody>
       </p:sp>
@@ -41642,10 +41253,9 @@
           </a:lstStyle>
           <a:p>
             <a:r>
-              <a:rPr lang="en-US" sz="4800" dirty="0" smtClean="0"/>
+              <a:rPr lang="en-US" sz="4800" dirty="0"/>
               <a:t>What does HTTP stand for?</a:t>
             </a:r>
-            <a:endParaRPr lang="en-US" sz="4800" dirty="0"/>
           </a:p>
         </p:txBody>
       </p:sp>
@@ -41708,14 +41318,13 @@
               <a:t>ransfer </a:t>
             </a:r>
             <a:r>
-              <a:rPr lang="en-US" sz="3600" b="1" dirty="0" smtClean="0"/>
+              <a:rPr lang="en-US" sz="3600" b="1" dirty="0"/>
               <a:t>P</a:t>
             </a:r>
             <a:r>
-              <a:rPr lang="en-US" sz="3600" dirty="0" smtClean="0"/>
+              <a:rPr lang="en-US" sz="3600" dirty="0"/>
               <a:t>rotocol</a:t>
             </a:r>
-            <a:endParaRPr lang="en-US" sz="3600" dirty="0"/>
           </a:p>
         </p:txBody>
       </p:sp>
@@ -41854,10 +41463,9 @@
           <a:lstStyle/>
           <a:p>
             <a:r>
-              <a:rPr lang="en-US" dirty="0" smtClean="0"/>
+              <a:rPr lang="en-US" dirty="0"/>
               <a:t>Full-Stack Web Architecture</a:t>
             </a:r>
-            <a:endParaRPr lang="en-US" dirty="0"/>
           </a:p>
         </p:txBody>
       </p:sp>
@@ -41929,7 +41537,7 @@
               </a:spcAft>
             </a:pPr>
             <a:r>
-              <a:rPr lang="en-US" sz="2400" dirty="0" smtClean="0">
+              <a:rPr lang="en-US" sz="2400" dirty="0">
                 <a:solidFill>
                   <a:srgbClr val="000000"/>
                 </a:solidFill>
@@ -41952,7 +41560,7 @@
               </a:spcAft>
             </a:pPr>
             <a:r>
-              <a:rPr lang="en-US" dirty="0" smtClean="0">
+              <a:rPr lang="en-US" dirty="0">
                 <a:solidFill>
                   <a:srgbClr val="000000"/>
                 </a:solidFill>
@@ -41994,7 +41602,7 @@
                 <a:spcPct val="0"/>
               </a:spcAft>
             </a:pPr>
-            <a:endParaRPr lang="en-US" dirty="0" smtClean="0">
+            <a:endParaRPr lang="en-US" dirty="0">
               <a:solidFill>
                 <a:srgbClr val="000000"/>
               </a:solidFill>
@@ -42034,7 +41642,7 @@
                 <a:spcPct val="0"/>
               </a:spcAft>
             </a:pPr>
-            <a:endParaRPr lang="en-US" dirty="0" smtClean="0">
+            <a:endParaRPr lang="en-US" dirty="0">
               <a:solidFill>
                 <a:srgbClr val="000000"/>
               </a:solidFill>
@@ -42074,7 +41682,7 @@
                 <a:spcPct val="0"/>
               </a:spcAft>
             </a:pPr>
-            <a:endParaRPr lang="en-US" dirty="0" smtClean="0">
+            <a:endParaRPr lang="en-US" dirty="0">
               <a:solidFill>
                 <a:srgbClr val="000000"/>
               </a:solidFill>
@@ -42114,7 +41722,7 @@
                 <a:spcPct val="0"/>
               </a:spcAft>
             </a:pPr>
-            <a:endParaRPr lang="en-US" dirty="0" smtClean="0">
+            <a:endParaRPr lang="en-US" dirty="0">
               <a:solidFill>
                 <a:srgbClr val="000000"/>
               </a:solidFill>
@@ -42154,7 +41762,7 @@
                 <a:spcPct val="0"/>
               </a:spcAft>
             </a:pPr>
-            <a:endParaRPr lang="en-US" dirty="0" smtClean="0">
+            <a:endParaRPr lang="en-US" dirty="0">
               <a:solidFill>
                 <a:srgbClr val="000000"/>
               </a:solidFill>
@@ -42174,7 +41782,7 @@
                 <a:spcPct val="0"/>
               </a:spcAft>
             </a:pPr>
-            <a:endParaRPr lang="en-US" dirty="0" smtClean="0">
+            <a:endParaRPr lang="en-US" dirty="0">
               <a:solidFill>
                 <a:srgbClr val="000000"/>
               </a:solidFill>
@@ -42195,7 +41803,7 @@
               </a:spcAft>
             </a:pPr>
             <a:r>
-              <a:rPr lang="en-US" b="1" dirty="0" smtClean="0">
+              <a:rPr lang="en-US" b="1" dirty="0">
                 <a:solidFill>
                   <a:srgbClr val="000000"/>
                 </a:solidFill>
@@ -42205,7 +41813,7 @@
               <a:t>HTML</a:t>
             </a:r>
             <a:r>
-              <a:rPr lang="en-US" dirty="0" smtClean="0">
+              <a:rPr lang="en-US" dirty="0">
                 <a:solidFill>
                   <a:srgbClr val="000000"/>
                 </a:solidFill>
@@ -42215,7 +41823,7 @@
               <a:t>, </a:t>
             </a:r>
             <a:r>
-              <a:rPr lang="en-US" b="1" dirty="0" smtClean="0">
+              <a:rPr lang="en-US" b="1" dirty="0">
                 <a:solidFill>
                   <a:srgbClr val="000000"/>
                 </a:solidFill>
@@ -42225,7 +41833,7 @@
               <a:t>CSS</a:t>
             </a:r>
             <a:r>
-              <a:rPr lang="en-US" dirty="0" smtClean="0">
+              <a:rPr lang="en-US" dirty="0">
                 <a:solidFill>
                   <a:srgbClr val="000000"/>
                 </a:solidFill>
@@ -42235,7 +41843,7 @@
               <a:t>, </a:t>
             </a:r>
             <a:r>
-              <a:rPr lang="en-US" b="1" dirty="0" smtClean="0">
+              <a:rPr lang="en-US" b="1" dirty="0">
                 <a:solidFill>
                   <a:srgbClr val="000000"/>
                 </a:solidFill>
@@ -42245,7 +41853,7 @@
               <a:t>JavaScript</a:t>
             </a:r>
             <a:r>
-              <a:rPr lang="en-US" dirty="0" smtClean="0">
+              <a:rPr lang="en-US" dirty="0">
                 <a:solidFill>
                   <a:srgbClr val="000000"/>
                 </a:solidFill>
@@ -42255,7 +41863,7 @@
               <a:t>, </a:t>
             </a:r>
             <a:r>
-              <a:rPr lang="en-US" b="1" dirty="0" smtClean="0">
+              <a:rPr lang="en-US" b="1" dirty="0">
                 <a:solidFill>
                   <a:srgbClr val="000000"/>
                 </a:solidFill>
@@ -42277,7 +41885,7 @@
                 <a:spcPct val="0"/>
               </a:spcAft>
             </a:pPr>
-            <a:endParaRPr lang="en-US" sz="900" dirty="0" smtClean="0">
+            <a:endParaRPr lang="en-US" sz="900" dirty="0">
               <a:solidFill>
                 <a:srgbClr val="000000"/>
               </a:solidFill>
@@ -42298,7 +41906,7 @@
               </a:spcAft>
             </a:pPr>
             <a:r>
-              <a:rPr lang="en-US" sz="1600" i="1" dirty="0" smtClean="0">
+              <a:rPr lang="en-US" sz="1600" i="1" dirty="0">
                 <a:solidFill>
                   <a:srgbClr val="000000"/>
                 </a:solidFill>
@@ -42376,7 +41984,7 @@
               </a:spcAft>
             </a:pPr>
             <a:r>
-              <a:rPr lang="en-US" sz="2400" dirty="0" smtClean="0">
+              <a:rPr lang="en-US" sz="2400" dirty="0">
                 <a:solidFill>
                   <a:srgbClr val="000000"/>
                 </a:solidFill>
@@ -42399,7 +42007,7 @@
               </a:spcAft>
             </a:pPr>
             <a:r>
-              <a:rPr lang="en-US" dirty="0" smtClean="0">
+              <a:rPr lang="en-US" dirty="0">
                 <a:solidFill>
                   <a:srgbClr val="000000"/>
                 </a:solidFill>
@@ -42565,7 +42173,7 @@
               </a:spcAft>
             </a:pPr>
             <a:r>
-              <a:rPr lang="en-US" b="1" dirty="0" smtClean="0">
+              <a:rPr lang="en-US" b="1" dirty="0">
                 <a:solidFill>
                   <a:srgbClr val="000000"/>
                 </a:solidFill>
@@ -42583,14 +42191,14 @@
               </a:spcAft>
             </a:pPr>
             <a:r>
-              <a:rPr lang="en-US" sz="1600" i="1" dirty="0" smtClean="0">
+              <a:rPr lang="en-US" sz="1600" i="1" dirty="0">
                 <a:solidFill>
                   <a:srgbClr val="000000"/>
                 </a:solidFill>
               </a:rPr>
               <a:t>Server</a:t>
             </a:r>
-            <a:endParaRPr lang="en-US" i="1" dirty="0" smtClean="0">
+            <a:endParaRPr lang="en-US" i="1" dirty="0">
               <a:solidFill>
                 <a:srgbClr val="000000"/>
               </a:solidFill>
@@ -42629,12 +42237,12 @@
               </a:spcAft>
             </a:pPr>
             <a:r>
-              <a:rPr lang="en-US" b="1" dirty="0" smtClean="0">
+              <a:rPr lang="en-US" b="1" dirty="0">
                 <a:solidFill>
                   <a:srgbClr val="000000"/>
                 </a:solidFill>
               </a:rPr>
-              <a:t>MySQL</a:t>
+              <a:t>MySQL or Repl.it DB</a:t>
             </a:r>
           </a:p>
           <a:p>
@@ -42647,14 +42255,14 @@
               </a:spcAft>
             </a:pPr>
             <a:r>
-              <a:rPr lang="en-US" sz="1600" i="1" dirty="0" smtClean="0">
+              <a:rPr lang="en-US" sz="1600" i="1" dirty="0">
                 <a:solidFill>
                   <a:srgbClr val="000000"/>
                 </a:solidFill>
               </a:rPr>
               <a:t>Database</a:t>
             </a:r>
-            <a:endParaRPr lang="en-US" i="1" dirty="0" smtClean="0">
+            <a:endParaRPr lang="en-US" i="1" dirty="0">
               <a:solidFill>
                 <a:srgbClr val="000000"/>
               </a:solidFill>
@@ -42845,12 +42453,12 @@
               </a:spcAft>
             </a:pPr>
             <a:r>
-              <a:rPr lang="en-US" sz="1400" dirty="0" smtClean="0">
+              <a:rPr lang="en-US" sz="1400" dirty="0">
                 <a:solidFill>
                   <a:srgbClr val="00586F"/>
                 </a:solidFill>
               </a:rPr>
-              <a:t>SQL Queries</a:t>
+              <a:t>Queries</a:t>
             </a:r>
           </a:p>
         </p:txBody>
@@ -42886,7 +42494,7 @@
               </a:spcAft>
             </a:pPr>
             <a:r>
-              <a:rPr lang="en-US" sz="1400" dirty="0" smtClean="0">
+              <a:rPr lang="en-US" sz="1400" dirty="0">
                 <a:solidFill>
                   <a:srgbClr val="000000"/>
                 </a:solidFill>
@@ -42927,7 +42535,7 @@
               </a:spcAft>
             </a:pPr>
             <a:r>
-              <a:rPr lang="en-US" sz="1400" dirty="0" smtClean="0">
+              <a:rPr lang="en-US" sz="1400" dirty="0">
                 <a:solidFill>
                   <a:schemeClr val="accent1"/>
                 </a:solidFill>
@@ -42996,7 +42604,7 @@
                 <a:spcPct val="0"/>
               </a:spcAft>
             </a:pPr>
-            <a:endParaRPr lang="en-US" sz="2400" dirty="0" err="1" smtClean="0">
+            <a:endParaRPr lang="en-US" sz="2400" dirty="0" err="1">
               <a:gradFill>
                 <a:gsLst>
                   <a:gs pos="0">
@@ -43213,7 +42821,7 @@
               </a:spcAft>
             </a:pPr>
             <a:r>
-              <a:rPr lang="en-US" sz="2400" dirty="0" smtClean="0">
+              <a:rPr lang="en-US" sz="2400" dirty="0">
                 <a:solidFill>
                   <a:srgbClr val="020202"/>
                 </a:solidFill>
@@ -43349,7 +42957,7 @@
               </a:spcAft>
             </a:pPr>
             <a:r>
-              <a:rPr lang="en-US" sz="2400" dirty="0" smtClean="0">
+              <a:rPr lang="en-US" sz="2400" dirty="0">
                 <a:solidFill>
                   <a:srgbClr val="020202"/>
                 </a:solidFill>
@@ -43390,7 +42998,7 @@
               </a:spcAft>
             </a:pPr>
             <a:r>
-              <a:rPr lang="en-US" sz="4400" b="1" dirty="0" smtClean="0">
+              <a:rPr lang="en-US" sz="4400" b="1" dirty="0">
                 <a:solidFill>
                   <a:srgbClr val="020202"/>
                 </a:solidFill>
@@ -43672,7 +43280,7 @@
               </a:spcAft>
             </a:pPr>
             <a:r>
-              <a:rPr lang="en-US" sz="2400" dirty="0" smtClean="0">
+              <a:rPr lang="en-US" sz="2400" dirty="0">
                 <a:solidFill>
                   <a:srgbClr val="020202"/>
                 </a:solidFill>
@@ -43747,16 +43355,7 @@
                 </a:solidFill>
                 <a:latin typeface="Courier"/>
               </a:rPr>
-              <a:t>HTTP/1.1 200 </a:t>
-            </a:r>
-            <a:r>
-              <a:rPr lang="en-US" altLang="en-US" sz="1600" dirty="0" smtClean="0">
-                <a:solidFill>
-                  <a:srgbClr val="21242C"/>
-                </a:solidFill>
-                <a:latin typeface="Courier"/>
-              </a:rPr>
-              <a:t>OK</a:t>
+              <a:t>HTTP/1.1 200 OK</a:t>
             </a:r>
           </a:p>
           <a:p>
@@ -43775,53 +43374,7 @@
                 </a:solidFill>
                 <a:latin typeface="Courier"/>
               </a:rPr>
-              <a:t>Content-Type: text/html; </a:t>
-            </a:r>
-            <a:r>
-              <a:rPr lang="en-US" altLang="en-US" sz="1600" dirty="0" smtClean="0">
-                <a:solidFill>
-                  <a:srgbClr val="21242C"/>
-                </a:solidFill>
-                <a:latin typeface="Courier"/>
-              </a:rPr>
-              <a:t>charset=UTF-8</a:t>
-            </a:r>
-          </a:p>
-          <a:p>
-            <a:pPr lvl="0" eaLnBrk="0" fontAlgn="base" hangingPunct="0">
-              <a:spcBef>
-                <a:spcPct val="0"/>
-              </a:spcBef>
-              <a:spcAft>
-                <a:spcPct val="0"/>
-              </a:spcAft>
-            </a:pPr>
-            <a:r>
-              <a:rPr lang="en-US" altLang="en-US" sz="1600" dirty="0" smtClean="0">
-                <a:solidFill>
-                  <a:srgbClr val="21242C"/>
-                </a:solidFill>
-                <a:latin typeface="Courier"/>
-              </a:rPr>
-              <a:t>Content-Length</a:t>
-            </a:r>
-            <a:r>
-              <a:rPr lang="en-US" altLang="en-US" sz="1600" dirty="0">
-                <a:solidFill>
-                  <a:srgbClr val="21242C"/>
-                </a:solidFill>
-                <a:latin typeface="Courier"/>
-              </a:rPr>
-              <a:t>: </a:t>
-            </a:r>
-            <a:r>
-              <a:rPr lang="en-US" altLang="en-US" sz="1600" dirty="0" smtClean="0">
-                <a:solidFill>
-                  <a:srgbClr val="21242C"/>
-                </a:solidFill>
-                <a:latin typeface="Courier"/>
-              </a:rPr>
-              <a:t>208</a:t>
+              <a:t>Content-Type: text/html; charset=UTF-8</a:t>
             </a:r>
           </a:p>
           <a:p>
@@ -43840,18 +43393,28 @@
                 </a:solidFill>
                 <a:latin typeface="Courier"/>
               </a:rPr>
-              <a:t>&lt;!DOCTYPE html... </a:t>
+              <a:t>Content-Length: 208</a:t>
             </a:r>
+          </a:p>
+          <a:p>
+            <a:pPr lvl="0" eaLnBrk="0" fontAlgn="base" hangingPunct="0">
+              <a:spcBef>
+                <a:spcPct val="0"/>
+              </a:spcBef>
+              <a:spcAft>
+                <a:spcPct val="0"/>
+              </a:spcAft>
+            </a:pPr>
             <a:r>
-              <a:rPr lang="en-US" altLang="en-US" sz="1600" dirty="0" smtClean="0">
+              <a:rPr lang="en-US" altLang="en-US" sz="1600" dirty="0">
                 <a:solidFill>
                   <a:srgbClr val="21242C"/>
                 </a:solidFill>
                 <a:latin typeface="Courier"/>
               </a:rPr>
-              <a:t>(more)</a:t>
+              <a:t>&lt;!DOCTYPE html... (more)</a:t>
             </a:r>
-            <a:endParaRPr lang="en-US" altLang="en-US" sz="1600" dirty="0" smtClean="0">
+            <a:endParaRPr lang="en-US" altLang="en-US" sz="1600" dirty="0">
               <a:solidFill>
                 <a:schemeClr val="tx1"/>
               </a:solidFill>
@@ -43891,7 +43454,7 @@
               </a:spcAft>
             </a:pPr>
             <a:r>
-              <a:rPr lang="en-US" sz="2400" dirty="0" smtClean="0">
+              <a:rPr lang="en-US" sz="2400" dirty="0">
                 <a:solidFill>
                   <a:srgbClr val="020202"/>
                 </a:solidFill>
@@ -43932,7 +43495,7 @@
               </a:spcAft>
             </a:pPr>
             <a:r>
-              <a:rPr lang="en-US" sz="4400" b="1" dirty="0" smtClean="0">
+              <a:rPr lang="en-US" sz="4400" b="1" dirty="0">
                 <a:solidFill>
                   <a:srgbClr val="020202"/>
                 </a:solidFill>
@@ -44125,7 +43688,7 @@
               </a:spcAft>
             </a:pPr>
             <a:r>
-              <a:rPr lang="en-US" sz="4400" dirty="0" smtClean="0">
+              <a:rPr lang="en-US" sz="4400" dirty="0">
                 <a:gradFill>
                   <a:gsLst>
                     <a:gs pos="2917">
@@ -44179,7 +43742,7 @@
               </a:rPr>
               <a:t>http://www.columbia.edu/~fdc/sample.html</a:t>
             </a:r>
-            <a:endParaRPr lang="en-US" sz="2400" dirty="0" smtClean="0">
+            <a:endParaRPr lang="en-US" sz="2400" dirty="0">
               <a:gradFill>
                 <a:gsLst>
                   <a:gs pos="2917">
@@ -44208,13 +43771,6 @@
   <p:transition>
     <p:fade/>
   </p:transition>
-  <p:timing>
-    <p:tnLst>
-      <p:par>
-        <p:cTn id="1" dur="indefinite" restart="never" nodeType="tmRoot"/>
-      </p:par>
-    </p:tnLst>
-  </p:timing>
 </p:sld>
 </file>
 
@@ -44252,10 +43808,9 @@
           <a:p>
             <a:pPr algn="r"/>
             <a:r>
-              <a:rPr lang="en-US" dirty="0" smtClean="0"/>
+              <a:rPr lang="en-US" dirty="0"/>
               <a:t>Requests</a:t>
             </a:r>
-            <a:endParaRPr lang="en-US" dirty="0"/>
           </a:p>
         </p:txBody>
       </p:sp>
@@ -44311,13 +43866,6 @@
   <p:transition>
     <p:fade/>
   </p:transition>
-  <p:timing>
-    <p:tnLst>
-      <p:par>
-        <p:cTn id="1" dur="indefinite" restart="never" nodeType="tmRoot"/>
-      </p:par>
-    </p:tnLst>
-  </p:timing>
 </p:sld>
 </file>
 
